--- a/01. Wprowadzenie/MicrosoftAzure.pptx
+++ b/01. Wprowadzenie/MicrosoftAzure.pptx
@@ -11,41 +11,41 @@
     <p:sldId id="256" r:id="rId2"/>
     <p:sldId id="264" r:id="rId3"/>
     <p:sldId id="273" r:id="rId4"/>
-    <p:sldId id="275" r:id="rId5"/>
-    <p:sldId id="271" r:id="rId6"/>
-    <p:sldId id="279" r:id="rId7"/>
-    <p:sldId id="276" r:id="rId8"/>
-    <p:sldId id="277" r:id="rId9"/>
-    <p:sldId id="278" r:id="rId10"/>
-    <p:sldId id="282" r:id="rId11"/>
-    <p:sldId id="280" r:id="rId12"/>
-    <p:sldId id="283" r:id="rId13"/>
-    <p:sldId id="281" r:id="rId14"/>
-    <p:sldId id="284" r:id="rId15"/>
-    <p:sldId id="285" r:id="rId16"/>
-    <p:sldId id="286" r:id="rId17"/>
-    <p:sldId id="287" r:id="rId18"/>
-    <p:sldId id="288" r:id="rId19"/>
-    <p:sldId id="289" r:id="rId20"/>
-    <p:sldId id="293" r:id="rId21"/>
-    <p:sldId id="297" r:id="rId22"/>
-    <p:sldId id="294" r:id="rId23"/>
-    <p:sldId id="295" r:id="rId24"/>
-    <p:sldId id="296" r:id="rId25"/>
-    <p:sldId id="299" r:id="rId26"/>
-    <p:sldId id="301" r:id="rId27"/>
-    <p:sldId id="302" r:id="rId28"/>
-    <p:sldId id="303" r:id="rId29"/>
-    <p:sldId id="290" r:id="rId30"/>
-    <p:sldId id="304" r:id="rId31"/>
-    <p:sldId id="305" r:id="rId32"/>
-    <p:sldId id="306" r:id="rId33"/>
-    <p:sldId id="307" r:id="rId34"/>
-    <p:sldId id="291" r:id="rId35"/>
-    <p:sldId id="308" r:id="rId36"/>
-    <p:sldId id="309" r:id="rId37"/>
-    <p:sldId id="310" r:id="rId38"/>
-    <p:sldId id="311" r:id="rId39"/>
+    <p:sldId id="313" r:id="rId5"/>
+    <p:sldId id="275" r:id="rId6"/>
+    <p:sldId id="271" r:id="rId7"/>
+    <p:sldId id="279" r:id="rId8"/>
+    <p:sldId id="276" r:id="rId9"/>
+    <p:sldId id="277" r:id="rId10"/>
+    <p:sldId id="278" r:id="rId11"/>
+    <p:sldId id="282" r:id="rId12"/>
+    <p:sldId id="280" r:id="rId13"/>
+    <p:sldId id="283" r:id="rId14"/>
+    <p:sldId id="281" r:id="rId15"/>
+    <p:sldId id="284" r:id="rId16"/>
+    <p:sldId id="285" r:id="rId17"/>
+    <p:sldId id="286" r:id="rId18"/>
+    <p:sldId id="287" r:id="rId19"/>
+    <p:sldId id="288" r:id="rId20"/>
+    <p:sldId id="289" r:id="rId21"/>
+    <p:sldId id="293" r:id="rId22"/>
+    <p:sldId id="297" r:id="rId23"/>
+    <p:sldId id="294" r:id="rId24"/>
+    <p:sldId id="295" r:id="rId25"/>
+    <p:sldId id="296" r:id="rId26"/>
+    <p:sldId id="299" r:id="rId27"/>
+    <p:sldId id="301" r:id="rId28"/>
+    <p:sldId id="302" r:id="rId29"/>
+    <p:sldId id="303" r:id="rId30"/>
+    <p:sldId id="290" r:id="rId31"/>
+    <p:sldId id="304" r:id="rId32"/>
+    <p:sldId id="305" r:id="rId33"/>
+    <p:sldId id="306" r:id="rId34"/>
+    <p:sldId id="307" r:id="rId35"/>
+    <p:sldId id="291" r:id="rId36"/>
+    <p:sldId id="308" r:id="rId37"/>
+    <p:sldId id="309" r:id="rId38"/>
+    <p:sldId id="310" r:id="rId39"/>
     <p:sldId id="312" r:id="rId40"/>
     <p:sldId id="270" r:id="rId41"/>
     <p:sldId id="260" r:id="rId42"/>
@@ -155,6 +155,7 @@
             <p14:sldId id="256"/>
             <p14:sldId id="264"/>
             <p14:sldId id="273"/>
+            <p14:sldId id="313"/>
             <p14:sldId id="275"/>
           </p14:sldIdLst>
         </p14:section>
@@ -209,7 +210,6 @@
         <p14:section name="Zakończenie" id="{146597E7-4F63-443F-ABBE-6A2600848036}">
           <p14:sldIdLst>
             <p14:sldId id="310"/>
-            <p14:sldId id="311"/>
             <p14:sldId id="312"/>
             <p14:sldId id="270"/>
             <p14:sldId id="260"/>
@@ -317,7 +317,7 @@
           <a:p>
             <a:fld id="{D62570CA-13DA-46D9-9DB1-4752C7A8E8CA}" type="datetimeFigureOut">
               <a:rPr lang="pl-PL" smtClean="0"/>
-              <a:t>25.03.2019</a:t>
+              <a:t>20.05.2019</a:t>
             </a:fld>
             <a:endParaRPr lang="pl-PL"/>
           </a:p>
@@ -628,49 +628,7 @@
           <a:bodyPr/>
           <a:lstStyle/>
           <a:p>
-            <a:r>
-              <a:rPr lang="pl-PL" dirty="0"/>
-              <a:t>Przykład praktyczny?</a:t>
-            </a:r>
-            <a:br>
-              <a:rPr lang="pl-PL" dirty="0"/>
-            </a:br>
-            <a:r>
-              <a:rPr lang="pl-PL" dirty="0"/>
-              <a:t>Jeden z zespołów, biorących udział w konkursie </a:t>
-            </a:r>
-            <a:r>
-              <a:rPr lang="pl-PL" dirty="0" err="1"/>
-              <a:t>Imagine</a:t>
-            </a:r>
-            <a:r>
-              <a:rPr lang="pl-PL" dirty="0"/>
-              <a:t> </a:t>
-            </a:r>
-            <a:r>
-              <a:rPr lang="pl-PL" dirty="0" err="1"/>
-              <a:t>Cup</a:t>
-            </a:r>
-            <a:r>
-              <a:rPr lang="pl-PL" dirty="0"/>
-              <a:t> używał mocy obliczeniowej MS </a:t>
-            </a:r>
-            <a:r>
-              <a:rPr lang="pl-PL" dirty="0" err="1"/>
-              <a:t>Azure</a:t>
-            </a:r>
-            <a:r>
-              <a:rPr lang="pl-PL" dirty="0"/>
-              <a:t> do </a:t>
-            </a:r>
-            <a:r>
-              <a:rPr lang="pl-PL" dirty="0" err="1"/>
-              <a:t>renderowania</a:t>
-            </a:r>
-            <a:r>
-              <a:rPr lang="pl-PL" dirty="0"/>
-              <a:t> filmów w ich aplikacji.</a:t>
-            </a:r>
+            <a:endParaRPr lang="pl-PL"/>
           </a:p>
         </p:txBody>
       </p:sp>
@@ -691,7 +649,7 @@
           <a:p>
             <a:fld id="{9FD9646B-16BC-453C-B3BE-7670C5DADA51}" type="slidenum">
               <a:rPr lang="pl-PL" smtClean="0"/>
-              <a:t>12</a:t>
+              <a:t>1</a:t>
             </a:fld>
             <a:endParaRPr lang="pl-PL"/>
           </a:p>
@@ -700,7 +658,7 @@
     </p:spTree>
     <p:extLst>
       <p:ext uri="{BB962C8B-B14F-4D97-AF65-F5344CB8AC3E}">
-        <p14:creationId xmlns:p14="http://schemas.microsoft.com/office/powerpoint/2010/main" val="1471570329"/>
+        <p14:creationId xmlns:p14="http://schemas.microsoft.com/office/powerpoint/2010/main" val="2116651448"/>
       </p:ext>
     </p:extLst>
   </p:cSld>
@@ -754,18 +712,7 @@
           <a:bodyPr/>
           <a:lstStyle/>
           <a:p>
-            <a:r>
-              <a:rPr lang="pl-PL" dirty="0"/>
-              <a:t>Statyczna = bez żadnego </a:t>
-            </a:r>
-            <a:r>
-              <a:rPr lang="pl-PL" dirty="0" err="1"/>
-              <a:t>backendu</a:t>
-            </a:r>
-            <a:r>
-              <a:rPr lang="pl-PL" dirty="0"/>
-              <a:t>, za każdym razem posiadająca taką samą zawartość. Tak naprawdę chodzi tylko o trzymanie gdzieś plików i dostęp do nich z zewnątrz</a:t>
-            </a:r>
+            <a:endParaRPr lang="pl-PL"/>
           </a:p>
         </p:txBody>
       </p:sp>
@@ -786,7 +733,7 @@
           <a:p>
             <a:fld id="{9FD9646B-16BC-453C-B3BE-7670C5DADA51}" type="slidenum">
               <a:rPr lang="pl-PL" smtClean="0"/>
-              <a:t>25</a:t>
+              <a:t>10</a:t>
             </a:fld>
             <a:endParaRPr lang="pl-PL"/>
           </a:p>
@@ -795,7 +742,7 @@
     </p:spTree>
     <p:extLst>
       <p:ext uri="{BB962C8B-B14F-4D97-AF65-F5344CB8AC3E}">
-        <p14:creationId xmlns:p14="http://schemas.microsoft.com/office/powerpoint/2010/main" val="318848945"/>
+        <p14:creationId xmlns:p14="http://schemas.microsoft.com/office/powerpoint/2010/main" val="3500327459"/>
       </p:ext>
     </p:extLst>
   </p:cSld>
@@ -849,7 +796,7 @@
           <a:bodyPr/>
           <a:lstStyle/>
           <a:p>
-            <a:endParaRPr lang="pl-PL" dirty="0"/>
+            <a:endParaRPr lang="pl-PL"/>
           </a:p>
         </p:txBody>
       </p:sp>
@@ -870,7 +817,7 @@
           <a:p>
             <a:fld id="{9FD9646B-16BC-453C-B3BE-7670C5DADA51}" type="slidenum">
               <a:rPr lang="pl-PL" smtClean="0"/>
-              <a:t>26</a:t>
+              <a:t>11</a:t>
             </a:fld>
             <a:endParaRPr lang="pl-PL"/>
           </a:p>
@@ -879,7 +826,7 @@
     </p:spTree>
     <p:extLst>
       <p:ext uri="{BB962C8B-B14F-4D97-AF65-F5344CB8AC3E}">
-        <p14:creationId xmlns:p14="http://schemas.microsoft.com/office/powerpoint/2010/main" val="222917765"/>
+        <p14:creationId xmlns:p14="http://schemas.microsoft.com/office/powerpoint/2010/main" val="1804288575"/>
       </p:ext>
     </p:extLst>
   </p:cSld>
@@ -933,69 +880,7 @@
           <a:bodyPr/>
           <a:lstStyle/>
           <a:p>
-            <a:r>
-              <a:rPr lang="pl-PL" dirty="0"/>
-              <a:t>Czyli pełnoprawny </a:t>
-            </a:r>
-            <a:r>
-              <a:rPr lang="pl-PL" dirty="0" err="1"/>
-              <a:t>frontend</a:t>
-            </a:r>
-            <a:r>
-              <a:rPr lang="pl-PL" dirty="0"/>
-              <a:t> + </a:t>
-            </a:r>
-            <a:r>
-              <a:rPr lang="pl-PL" dirty="0" err="1"/>
-              <a:t>backend</a:t>
-            </a:r>
-            <a:r>
-              <a:rPr lang="pl-PL" dirty="0"/>
-              <a:t>, z bazą danych itp..</a:t>
-            </a:r>
-          </a:p>
-          <a:p>
-            <a:r>
-              <a:rPr lang="pl-PL" dirty="0"/>
-              <a:t>NIE będzie pokazane podpinanie bazy danych, jedynie stworzenie aplikacji z </a:t>
-            </a:r>
-            <a:r>
-              <a:rPr lang="pl-PL" dirty="0" err="1"/>
-              <a:t>template’u</a:t>
-            </a:r>
-            <a:r>
-              <a:rPr lang="pl-PL" dirty="0"/>
-              <a:t> ASP.NET </a:t>
-            </a:r>
-            <a:r>
-              <a:rPr lang="pl-PL" dirty="0" err="1"/>
-              <a:t>Core</a:t>
-            </a:r>
-            <a:r>
-              <a:rPr lang="pl-PL" dirty="0"/>
-              <a:t> 2 MVC i szybki </a:t>
-            </a:r>
-            <a:r>
-              <a:rPr lang="pl-PL" dirty="0" err="1"/>
-              <a:t>deploy</a:t>
-            </a:r>
-            <a:r>
-              <a:rPr lang="pl-PL" dirty="0"/>
-              <a:t> do </a:t>
-            </a:r>
-            <a:r>
-              <a:rPr lang="pl-PL" dirty="0" err="1"/>
-              <a:t>WebApp</a:t>
-            </a:r>
-            <a:r>
-              <a:rPr lang="pl-PL" dirty="0"/>
-              <a:t> na </a:t>
-            </a:r>
-            <a:r>
-              <a:rPr lang="pl-PL" dirty="0" err="1"/>
-              <a:t>Azure</a:t>
-            </a:r>
-            <a:endParaRPr lang="pl-PL" dirty="0"/>
+            <a:endParaRPr lang="pl-PL"/>
           </a:p>
         </p:txBody>
       </p:sp>
@@ -1016,7 +901,7 @@
           <a:p>
             <a:fld id="{9FD9646B-16BC-453C-B3BE-7670C5DADA51}" type="slidenum">
               <a:rPr lang="pl-PL" smtClean="0"/>
-              <a:t>27</a:t>
+              <a:t>12</a:t>
             </a:fld>
             <a:endParaRPr lang="pl-PL"/>
           </a:p>
@@ -1025,7 +910,7 @@
     </p:spTree>
     <p:extLst>
       <p:ext uri="{BB962C8B-B14F-4D97-AF65-F5344CB8AC3E}">
-        <p14:creationId xmlns:p14="http://schemas.microsoft.com/office/powerpoint/2010/main" val="724089584"/>
+        <p14:creationId xmlns:p14="http://schemas.microsoft.com/office/powerpoint/2010/main" val="553467443"/>
       </p:ext>
     </p:extLst>
   </p:cSld>
@@ -1079,7 +964,49 @@
           <a:bodyPr/>
           <a:lstStyle/>
           <a:p>
-            <a:endParaRPr lang="pl-PL" dirty="0"/>
+            <a:r>
+              <a:rPr lang="pl-PL" dirty="0"/>
+              <a:t>Przykład praktyczny?</a:t>
+            </a:r>
+            <a:br>
+              <a:rPr lang="pl-PL" dirty="0"/>
+            </a:br>
+            <a:r>
+              <a:rPr lang="pl-PL" dirty="0"/>
+              <a:t>Jeden z zespołów, biorących udział w konkursie </a:t>
+            </a:r>
+            <a:r>
+              <a:rPr lang="pl-PL" dirty="0" err="1"/>
+              <a:t>Imagine</a:t>
+            </a:r>
+            <a:r>
+              <a:rPr lang="pl-PL" dirty="0"/>
+              <a:t> </a:t>
+            </a:r>
+            <a:r>
+              <a:rPr lang="pl-PL" dirty="0" err="1"/>
+              <a:t>Cup</a:t>
+            </a:r>
+            <a:r>
+              <a:rPr lang="pl-PL" dirty="0"/>
+              <a:t> używał mocy obliczeniowej MS </a:t>
+            </a:r>
+            <a:r>
+              <a:rPr lang="pl-PL" dirty="0" err="1"/>
+              <a:t>Azure</a:t>
+            </a:r>
+            <a:r>
+              <a:rPr lang="pl-PL" dirty="0"/>
+              <a:t> do </a:t>
+            </a:r>
+            <a:r>
+              <a:rPr lang="pl-PL" dirty="0" err="1"/>
+              <a:t>renderowania</a:t>
+            </a:r>
+            <a:r>
+              <a:rPr lang="pl-PL" dirty="0"/>
+              <a:t> filmów w ich aplikacji.</a:t>
+            </a:r>
           </a:p>
         </p:txBody>
       </p:sp>
@@ -1100,7 +1027,7 @@
           <a:p>
             <a:fld id="{9FD9646B-16BC-453C-B3BE-7670C5DADA51}" type="slidenum">
               <a:rPr lang="pl-PL" smtClean="0"/>
-              <a:t>28</a:t>
+              <a:t>13</a:t>
             </a:fld>
             <a:endParaRPr lang="pl-PL"/>
           </a:p>
@@ -1109,7 +1036,7 @@
     </p:spTree>
     <p:extLst>
       <p:ext uri="{BB962C8B-B14F-4D97-AF65-F5344CB8AC3E}">
-        <p14:creationId xmlns:p14="http://schemas.microsoft.com/office/powerpoint/2010/main" val="195789403"/>
+        <p14:creationId xmlns:p14="http://schemas.microsoft.com/office/powerpoint/2010/main" val="1471570329"/>
       </p:ext>
     </p:extLst>
   </p:cSld>
@@ -1163,7 +1090,7 @@
           <a:bodyPr/>
           <a:lstStyle/>
           <a:p>
-            <a:endParaRPr lang="pl-PL" dirty="0"/>
+            <a:endParaRPr lang="pl-PL"/>
           </a:p>
         </p:txBody>
       </p:sp>
@@ -1184,7 +1111,7 @@
           <a:p>
             <a:fld id="{9FD9646B-16BC-453C-B3BE-7670C5DADA51}" type="slidenum">
               <a:rPr lang="pl-PL" smtClean="0"/>
-              <a:t>30</a:t>
+              <a:t>14</a:t>
             </a:fld>
             <a:endParaRPr lang="pl-PL"/>
           </a:p>
@@ -1193,7 +1120,7 @@
     </p:spTree>
     <p:extLst>
       <p:ext uri="{BB962C8B-B14F-4D97-AF65-F5344CB8AC3E}">
-        <p14:creationId xmlns:p14="http://schemas.microsoft.com/office/powerpoint/2010/main" val="420636270"/>
+        <p14:creationId xmlns:p14="http://schemas.microsoft.com/office/powerpoint/2010/main" val="2595250735"/>
       </p:ext>
     </p:extLst>
   </p:cSld>
@@ -1247,26 +1174,38 @@
           <a:bodyPr/>
           <a:lstStyle/>
           <a:p>
-            <a:pPr marL="0" marR="0" lvl="0" indent="0" algn="l" defTabSz="914400" rtl="0" eaLnBrk="1" fontAlgn="auto" latinLnBrk="0" hangingPunct="1">
-              <a:lnSpc>
-                <a:spcPct val="100000"/>
-              </a:lnSpc>
-              <a:spcBef>
-                <a:spcPts val="0"/>
-              </a:spcBef>
-              <a:spcAft>
-                <a:spcPts val="0"/>
-              </a:spcAft>
-              <a:buClrTx/>
-              <a:buSzTx/>
-              <a:buFontTx/>
-              <a:buNone/>
-              <a:tabLst/>
-              <a:defRPr/>
-            </a:pPr>
             <a:r>
               <a:rPr lang="pl-PL" dirty="0"/>
-              <a:t>Chodzi nam tylko o kod, który wykona się w przypadku jakieś wydarzenia. Nie potrzebujemy serwera, nie potrzebujemy nawet aplikacji. Chcemy tak naprawdę tylko wywołać jedną funkcję.</a:t>
+              <a:t>Internet obecnie jest szybki i dostępny bez większych problemów. Szybciej jest wysłać przez niego zapytanie i poczekać chwilę na odpowiedź niż np. przetwarzać ogromne ilości danych na swoim i5 z 4GB RAM-u.</a:t>
+            </a:r>
+          </a:p>
+          <a:p>
+            <a:r>
+              <a:rPr lang="pl-PL" dirty="0"/>
+              <a:t>Korzystanie z usług w chmurze nie jest darmowe, jednak najczęściej płaci się za nie w formie </a:t>
+            </a:r>
+            <a:r>
+              <a:rPr lang="pl-PL" dirty="0" err="1"/>
+              <a:t>Pay</a:t>
+            </a:r>
+            <a:r>
+              <a:rPr lang="pl-PL" dirty="0"/>
+              <a:t>-as-</a:t>
+            </a:r>
+            <a:r>
+              <a:rPr lang="pl-PL" dirty="0" err="1"/>
+              <a:t>you</a:t>
+            </a:r>
+            <a:r>
+              <a:rPr lang="pl-PL" dirty="0"/>
+              <a:t>-go, czyli tylko za to, z czego się korzysta. Suma summarum wychodzi to taniej niż stawianie całej infrastruktury w swojej piwnicy, dbanie o aktualizacje wszystkich części systemu, pilnowanie właściwych warunków w serwerowni i pokrycie wszelkich innych kosztów.</a:t>
+            </a:r>
+            <a:br>
+              <a:rPr lang="pl-PL" dirty="0"/>
+            </a:br>
+            <a:r>
+              <a:rPr lang="pl-PL" dirty="0"/>
+              <a:t>Podczas gdy można korzystać z maszyn wirtualnych i stawiać na nich wszystko samemu, wszystkie chmury publiczne dają dostęp do różnych usług, które pokrywają najczęstsze zastosowania i pozwalają od razu np. postawić stronę internetową, bez martwienia się o konfigurację serwera, routingu, otwierania portów itp..</a:t>
             </a:r>
           </a:p>
         </p:txBody>
@@ -1288,7 +1227,7 @@
           <a:p>
             <a:fld id="{9FD9646B-16BC-453C-B3BE-7670C5DADA51}" type="slidenum">
               <a:rPr lang="pl-PL" smtClean="0"/>
-              <a:t>31</a:t>
+              <a:t>15</a:t>
             </a:fld>
             <a:endParaRPr lang="pl-PL"/>
           </a:p>
@@ -1297,7 +1236,7 @@
     </p:spTree>
     <p:extLst>
       <p:ext uri="{BB962C8B-B14F-4D97-AF65-F5344CB8AC3E}">
-        <p14:creationId xmlns:p14="http://schemas.microsoft.com/office/powerpoint/2010/main" val="3898804363"/>
+        <p14:creationId xmlns:p14="http://schemas.microsoft.com/office/powerpoint/2010/main" val="164364332"/>
       </p:ext>
     </p:extLst>
   </p:cSld>
@@ -1351,10 +1290,7 @@
           <a:bodyPr/>
           <a:lstStyle/>
           <a:p>
-            <a:r>
-              <a:rPr lang="pl-PL" dirty="0"/>
-              <a:t>Chodzi nam tylko o kod, który wykona się w przypadku jakieś wydarzenia. Nie potrzebujemy serwera, nie potrzebujemy nawet aplikacji. Chcemy tak naprawdę tylko wywołać jedną funkcję.</a:t>
-            </a:r>
+            <a:endParaRPr lang="pl-PL"/>
           </a:p>
         </p:txBody>
       </p:sp>
@@ -1375,7 +1311,7 @@
           <a:p>
             <a:fld id="{9FD9646B-16BC-453C-B3BE-7670C5DADA51}" type="slidenum">
               <a:rPr lang="pl-PL" smtClean="0"/>
-              <a:t>32</a:t>
+              <a:t>16</a:t>
             </a:fld>
             <a:endParaRPr lang="pl-PL"/>
           </a:p>
@@ -1384,7 +1320,7 @@
     </p:spTree>
     <p:extLst>
       <p:ext uri="{BB962C8B-B14F-4D97-AF65-F5344CB8AC3E}">
-        <p14:creationId xmlns:p14="http://schemas.microsoft.com/office/powerpoint/2010/main" val="301433055"/>
+        <p14:creationId xmlns:p14="http://schemas.microsoft.com/office/powerpoint/2010/main" val="3299647685"/>
       </p:ext>
     </p:extLst>
   </p:cSld>
@@ -1438,10 +1374,7 @@
           <a:bodyPr/>
           <a:lstStyle/>
           <a:p>
-            <a:r>
-              <a:rPr lang="pl-PL" dirty="0"/>
-              <a:t>Case: chcemy ‚inteligentną’ stronę przekierowującą. W zależności od daty będzie przekierowywała do strony najbliższego wydarzenia znalezionego w bazie danych. (patrz: Facebook, wydarzenia cykliczne i link do biletów)</a:t>
-            </a:r>
+            <a:endParaRPr lang="pl-PL" dirty="0"/>
           </a:p>
         </p:txBody>
       </p:sp>
@@ -1462,7 +1395,7 @@
           <a:p>
             <a:fld id="{9FD9646B-16BC-453C-B3BE-7670C5DADA51}" type="slidenum">
               <a:rPr lang="pl-PL" smtClean="0"/>
-              <a:t>33</a:t>
+              <a:t>17</a:t>
             </a:fld>
             <a:endParaRPr lang="pl-PL"/>
           </a:p>
@@ -1471,7 +1404,7 @@
     </p:spTree>
     <p:extLst>
       <p:ext uri="{BB962C8B-B14F-4D97-AF65-F5344CB8AC3E}">
-        <p14:creationId xmlns:p14="http://schemas.microsoft.com/office/powerpoint/2010/main" val="3154457518"/>
+        <p14:creationId xmlns:p14="http://schemas.microsoft.com/office/powerpoint/2010/main" val="1260160148"/>
       </p:ext>
     </p:extLst>
   </p:cSld>
@@ -1546,7 +1479,7 @@
           <a:p>
             <a:fld id="{9FD9646B-16BC-453C-B3BE-7670C5DADA51}" type="slidenum">
               <a:rPr lang="pl-PL" smtClean="0"/>
-              <a:t>35</a:t>
+              <a:t>18</a:t>
             </a:fld>
             <a:endParaRPr lang="pl-PL"/>
           </a:p>
@@ -1555,7 +1488,7 @@
     </p:spTree>
     <p:extLst>
       <p:ext uri="{BB962C8B-B14F-4D97-AF65-F5344CB8AC3E}">
-        <p14:creationId xmlns:p14="http://schemas.microsoft.com/office/powerpoint/2010/main" val="1807702079"/>
+        <p14:creationId xmlns:p14="http://schemas.microsoft.com/office/powerpoint/2010/main" val="83294788"/>
       </p:ext>
     </p:extLst>
   </p:cSld>
@@ -1630,7 +1563,7 @@
           <a:p>
             <a:fld id="{9FD9646B-16BC-453C-B3BE-7670C5DADA51}" type="slidenum">
               <a:rPr lang="pl-PL" smtClean="0"/>
-              <a:t>36</a:t>
+              <a:t>19</a:t>
             </a:fld>
             <a:endParaRPr lang="pl-PL"/>
           </a:p>
@@ -1639,7 +1572,7 @@
     </p:spTree>
     <p:extLst>
       <p:ext uri="{BB962C8B-B14F-4D97-AF65-F5344CB8AC3E}">
-        <p14:creationId xmlns:p14="http://schemas.microsoft.com/office/powerpoint/2010/main" val="3823684403"/>
+        <p14:creationId xmlns:p14="http://schemas.microsoft.com/office/powerpoint/2010/main" val="259424980"/>
       </p:ext>
     </p:extLst>
   </p:cSld>
@@ -1693,39 +1626,7 @@
           <a:bodyPr/>
           <a:lstStyle/>
           <a:p>
-            <a:r>
-              <a:rPr lang="pl-PL" dirty="0"/>
-              <a:t>Internet obecnie jest szybki i dostępny bez większych problemów. Szybciej jest wysłać przez niego zapytanie i poczekać chwilę na odpowiedź niż np. przetwarzać ogromne ilości danych na swoim i5 z 4GB RAM-u.</a:t>
-            </a:r>
-          </a:p>
-          <a:p>
-            <a:r>
-              <a:rPr lang="pl-PL" dirty="0"/>
-              <a:t>Korzystanie z usług w chmurze nie jest darmowe, jednak najczęściej płaci się za nie w formie </a:t>
-            </a:r>
-            <a:r>
-              <a:rPr lang="pl-PL" dirty="0" err="1"/>
-              <a:t>Pay</a:t>
-            </a:r>
-            <a:r>
-              <a:rPr lang="pl-PL" dirty="0"/>
-              <a:t>-as-</a:t>
-            </a:r>
-            <a:r>
-              <a:rPr lang="pl-PL" dirty="0" err="1"/>
-              <a:t>you</a:t>
-            </a:r>
-            <a:r>
-              <a:rPr lang="pl-PL" dirty="0"/>
-              <a:t>-go, czyli tylko za to, z czego się korzysta. Suma summarum wychodzi to taniej niż stawianie całej infrastruktury w swojej piwnicy, dbanie o aktualizacje wszystkich części systemu, pilnowanie właściwych warunków w serwerowni i pokrycie wszelkich innych kosztów.</a:t>
-            </a:r>
-            <a:br>
-              <a:rPr lang="pl-PL" dirty="0"/>
-            </a:br>
-            <a:r>
-              <a:rPr lang="pl-PL" dirty="0"/>
-              <a:t>Podczas gdy można korzystać z maszyn wirtualnych i stawiać na nich wszystko samemu, wszystkie chmury publiczne dają dostęp do różnych usług, które pokrywają najczęstsze zastosowania i pozwalają od razu np. postawić stronę internetową, bez martwienia się o konfigurację serwera, routingu, otwierania portów itp..</a:t>
-            </a:r>
+            <a:endParaRPr lang="pl-PL"/>
           </a:p>
         </p:txBody>
       </p:sp>
@@ -1746,7 +1647,7 @@
           <a:p>
             <a:fld id="{9FD9646B-16BC-453C-B3BE-7670C5DADA51}" type="slidenum">
               <a:rPr lang="pl-PL" smtClean="0"/>
-              <a:t>14</a:t>
+              <a:t>2</a:t>
             </a:fld>
             <a:endParaRPr lang="pl-PL"/>
           </a:p>
@@ -1755,7 +1656,7 @@
     </p:spTree>
     <p:extLst>
       <p:ext uri="{BB962C8B-B14F-4D97-AF65-F5344CB8AC3E}">
-        <p14:creationId xmlns:p14="http://schemas.microsoft.com/office/powerpoint/2010/main" val="164364332"/>
+        <p14:creationId xmlns:p14="http://schemas.microsoft.com/office/powerpoint/2010/main" val="1355785801"/>
       </p:ext>
     </p:extLst>
   </p:cSld>
@@ -1809,18 +1710,7 @@
           <a:bodyPr/>
           <a:lstStyle/>
           <a:p>
-            <a:r>
-              <a:rPr lang="pl-PL" dirty="0"/>
-              <a:t>Statyczna = bez żadnego </a:t>
-            </a:r>
-            <a:r>
-              <a:rPr lang="pl-PL" dirty="0" err="1"/>
-              <a:t>backendu</a:t>
-            </a:r>
-            <a:r>
-              <a:rPr lang="pl-PL" dirty="0"/>
-              <a:t>, za każdym razem posiadająca taką samą zawartość. Tak naprawdę chodzi tylko o trzymanie gdzieś plików i dostęp do nich z zewnątrz</a:t>
-            </a:r>
+            <a:endParaRPr lang="pl-PL"/>
           </a:p>
         </p:txBody>
       </p:sp>
@@ -1841,7 +1731,7 @@
           <a:p>
             <a:fld id="{9FD9646B-16BC-453C-B3BE-7670C5DADA51}" type="slidenum">
               <a:rPr lang="pl-PL" smtClean="0"/>
-              <a:t>38</a:t>
+              <a:t>20</a:t>
             </a:fld>
             <a:endParaRPr lang="pl-PL"/>
           </a:p>
@@ -1850,7 +1740,853 @@
     </p:spTree>
     <p:extLst>
       <p:ext uri="{BB962C8B-B14F-4D97-AF65-F5344CB8AC3E}">
-        <p14:creationId xmlns:p14="http://schemas.microsoft.com/office/powerpoint/2010/main" val="1035757698"/>
+        <p14:creationId xmlns:p14="http://schemas.microsoft.com/office/powerpoint/2010/main" val="761601746"/>
+      </p:ext>
+    </p:extLst>
+  </p:cSld>
+  <p:clrMapOvr>
+    <a:masterClrMapping/>
+  </p:clrMapOvr>
+</p:notes>
+</file>
+
+<file path=ppt/notesSlides/notesSlide21.xml><?xml version="1.0" encoding="utf-8"?>
+<p:notes xmlns:a="http://schemas.openxmlformats.org/drawingml/2006/main" xmlns:r="http://schemas.openxmlformats.org/officeDocument/2006/relationships" xmlns:p="http://schemas.openxmlformats.org/presentationml/2006/main">
+  <p:cSld>
+    <p:spTree>
+      <p:nvGrpSpPr>
+        <p:cNvPr id="1" name=""/>
+        <p:cNvGrpSpPr/>
+        <p:nvPr/>
+      </p:nvGrpSpPr>
+      <p:grpSpPr>
+        <a:xfrm>
+          <a:off x="0" y="0"/>
+          <a:ext cx="0" cy="0"/>
+          <a:chOff x="0" y="0"/>
+          <a:chExt cx="0" cy="0"/>
+        </a:xfrm>
+      </p:grpSpPr>
+      <p:sp>
+        <p:nvSpPr>
+          <p:cNvPr id="2" name="Symbol zastępczy obrazu slajdu 1"/>
+          <p:cNvSpPr>
+            <a:spLocks noGrp="1" noRot="1" noChangeAspect="1"/>
+          </p:cNvSpPr>
+          <p:nvPr>
+            <p:ph type="sldImg"/>
+          </p:nvPr>
+        </p:nvSpPr>
+        <p:spPr/>
+      </p:sp>
+      <p:sp>
+        <p:nvSpPr>
+          <p:cNvPr id="3" name="Symbol zastępczy notatek 2"/>
+          <p:cNvSpPr>
+            <a:spLocks noGrp="1"/>
+          </p:cNvSpPr>
+          <p:nvPr>
+            <p:ph type="body" idx="1"/>
+          </p:nvPr>
+        </p:nvSpPr>
+        <p:spPr/>
+        <p:txBody>
+          <a:bodyPr/>
+          <a:lstStyle/>
+          <a:p>
+            <a:endParaRPr lang="pl-PL"/>
+          </a:p>
+        </p:txBody>
+      </p:sp>
+      <p:sp>
+        <p:nvSpPr>
+          <p:cNvPr id="4" name="Symbol zastępczy numeru slajdu 3"/>
+          <p:cNvSpPr>
+            <a:spLocks noGrp="1"/>
+          </p:cNvSpPr>
+          <p:nvPr>
+            <p:ph type="sldNum" sz="quarter" idx="5"/>
+          </p:nvPr>
+        </p:nvSpPr>
+        <p:spPr/>
+        <p:txBody>
+          <a:bodyPr/>
+          <a:lstStyle/>
+          <a:p>
+            <a:fld id="{9FD9646B-16BC-453C-B3BE-7670C5DADA51}" type="slidenum">
+              <a:rPr lang="pl-PL" smtClean="0"/>
+              <a:t>21</a:t>
+            </a:fld>
+            <a:endParaRPr lang="pl-PL"/>
+          </a:p>
+        </p:txBody>
+      </p:sp>
+    </p:spTree>
+    <p:extLst>
+      <p:ext uri="{BB962C8B-B14F-4D97-AF65-F5344CB8AC3E}">
+        <p14:creationId xmlns:p14="http://schemas.microsoft.com/office/powerpoint/2010/main" val="704392730"/>
+      </p:ext>
+    </p:extLst>
+  </p:cSld>
+  <p:clrMapOvr>
+    <a:masterClrMapping/>
+  </p:clrMapOvr>
+</p:notes>
+</file>
+
+<file path=ppt/notesSlides/notesSlide22.xml><?xml version="1.0" encoding="utf-8"?>
+<p:notes xmlns:a="http://schemas.openxmlformats.org/drawingml/2006/main" xmlns:r="http://schemas.openxmlformats.org/officeDocument/2006/relationships" xmlns:p="http://schemas.openxmlformats.org/presentationml/2006/main">
+  <p:cSld>
+    <p:spTree>
+      <p:nvGrpSpPr>
+        <p:cNvPr id="1" name=""/>
+        <p:cNvGrpSpPr/>
+        <p:nvPr/>
+      </p:nvGrpSpPr>
+      <p:grpSpPr>
+        <a:xfrm>
+          <a:off x="0" y="0"/>
+          <a:ext cx="0" cy="0"/>
+          <a:chOff x="0" y="0"/>
+          <a:chExt cx="0" cy="0"/>
+        </a:xfrm>
+      </p:grpSpPr>
+      <p:sp>
+        <p:nvSpPr>
+          <p:cNvPr id="2" name="Symbol zastępczy obrazu slajdu 1"/>
+          <p:cNvSpPr>
+            <a:spLocks noGrp="1" noRot="1" noChangeAspect="1"/>
+          </p:cNvSpPr>
+          <p:nvPr>
+            <p:ph type="sldImg"/>
+          </p:nvPr>
+        </p:nvSpPr>
+        <p:spPr/>
+      </p:sp>
+      <p:sp>
+        <p:nvSpPr>
+          <p:cNvPr id="3" name="Symbol zastępczy notatek 2"/>
+          <p:cNvSpPr>
+            <a:spLocks noGrp="1"/>
+          </p:cNvSpPr>
+          <p:nvPr>
+            <p:ph type="body" idx="1"/>
+          </p:nvPr>
+        </p:nvSpPr>
+        <p:spPr/>
+        <p:txBody>
+          <a:bodyPr/>
+          <a:lstStyle/>
+          <a:p>
+            <a:r>
+              <a:rPr lang="pl-PL" dirty="0"/>
+              <a:t>Strona koła również stoi na </a:t>
+            </a:r>
+            <a:r>
+              <a:rPr lang="pl-PL" dirty="0" err="1"/>
+              <a:t>WordPressie</a:t>
+            </a:r>
+            <a:r>
+              <a:rPr lang="pl-PL" dirty="0"/>
+              <a:t> :)</a:t>
+            </a:r>
+          </a:p>
+        </p:txBody>
+      </p:sp>
+      <p:sp>
+        <p:nvSpPr>
+          <p:cNvPr id="4" name="Symbol zastępczy numeru slajdu 3"/>
+          <p:cNvSpPr>
+            <a:spLocks noGrp="1"/>
+          </p:cNvSpPr>
+          <p:nvPr>
+            <p:ph type="sldNum" sz="quarter" idx="5"/>
+          </p:nvPr>
+        </p:nvSpPr>
+        <p:spPr/>
+        <p:txBody>
+          <a:bodyPr/>
+          <a:lstStyle/>
+          <a:p>
+            <a:fld id="{9FD9646B-16BC-453C-B3BE-7670C5DADA51}" type="slidenum">
+              <a:rPr lang="pl-PL" smtClean="0"/>
+              <a:t>22</a:t>
+            </a:fld>
+            <a:endParaRPr lang="pl-PL"/>
+          </a:p>
+        </p:txBody>
+      </p:sp>
+    </p:spTree>
+    <p:extLst>
+      <p:ext uri="{BB962C8B-B14F-4D97-AF65-F5344CB8AC3E}">
+        <p14:creationId xmlns:p14="http://schemas.microsoft.com/office/powerpoint/2010/main" val="1061287048"/>
+      </p:ext>
+    </p:extLst>
+  </p:cSld>
+  <p:clrMapOvr>
+    <a:masterClrMapping/>
+  </p:clrMapOvr>
+</p:notes>
+</file>
+
+<file path=ppt/notesSlides/notesSlide23.xml><?xml version="1.0" encoding="utf-8"?>
+<p:notes xmlns:a="http://schemas.openxmlformats.org/drawingml/2006/main" xmlns:r="http://schemas.openxmlformats.org/officeDocument/2006/relationships" xmlns:p="http://schemas.openxmlformats.org/presentationml/2006/main">
+  <p:cSld>
+    <p:spTree>
+      <p:nvGrpSpPr>
+        <p:cNvPr id="1" name=""/>
+        <p:cNvGrpSpPr/>
+        <p:nvPr/>
+      </p:nvGrpSpPr>
+      <p:grpSpPr>
+        <a:xfrm>
+          <a:off x="0" y="0"/>
+          <a:ext cx="0" cy="0"/>
+          <a:chOff x="0" y="0"/>
+          <a:chExt cx="0" cy="0"/>
+        </a:xfrm>
+      </p:grpSpPr>
+      <p:sp>
+        <p:nvSpPr>
+          <p:cNvPr id="2" name="Symbol zastępczy obrazu slajdu 1"/>
+          <p:cNvSpPr>
+            <a:spLocks noGrp="1" noRot="1" noChangeAspect="1"/>
+          </p:cNvSpPr>
+          <p:nvPr>
+            <p:ph type="sldImg"/>
+          </p:nvPr>
+        </p:nvSpPr>
+        <p:spPr/>
+      </p:sp>
+      <p:sp>
+        <p:nvSpPr>
+          <p:cNvPr id="3" name="Symbol zastępczy notatek 2"/>
+          <p:cNvSpPr>
+            <a:spLocks noGrp="1"/>
+          </p:cNvSpPr>
+          <p:nvPr>
+            <p:ph type="body" idx="1"/>
+          </p:nvPr>
+        </p:nvSpPr>
+        <p:spPr/>
+        <p:txBody>
+          <a:bodyPr/>
+          <a:lstStyle/>
+          <a:p>
+            <a:r>
+              <a:rPr lang="pl-PL" dirty="0">
+                <a:hlinkClick r:id="rId3"/>
+              </a:rPr>
+              <a:t>https://codex.wordpress.org/Installing_WordPress#Famous_5-Minute_Installation</a:t>
+            </a:r>
+            <a:endParaRPr lang="pl-PL" dirty="0"/>
+          </a:p>
+        </p:txBody>
+      </p:sp>
+      <p:sp>
+        <p:nvSpPr>
+          <p:cNvPr id="4" name="Symbol zastępczy numeru slajdu 3"/>
+          <p:cNvSpPr>
+            <a:spLocks noGrp="1"/>
+          </p:cNvSpPr>
+          <p:nvPr>
+            <p:ph type="sldNum" sz="quarter" idx="5"/>
+          </p:nvPr>
+        </p:nvSpPr>
+        <p:spPr/>
+        <p:txBody>
+          <a:bodyPr/>
+          <a:lstStyle/>
+          <a:p>
+            <a:fld id="{9FD9646B-16BC-453C-B3BE-7670C5DADA51}" type="slidenum">
+              <a:rPr lang="pl-PL" smtClean="0"/>
+              <a:t>23</a:t>
+            </a:fld>
+            <a:endParaRPr lang="pl-PL"/>
+          </a:p>
+        </p:txBody>
+      </p:sp>
+    </p:spTree>
+    <p:extLst>
+      <p:ext uri="{BB962C8B-B14F-4D97-AF65-F5344CB8AC3E}">
+        <p14:creationId xmlns:p14="http://schemas.microsoft.com/office/powerpoint/2010/main" val="2672165037"/>
+      </p:ext>
+    </p:extLst>
+  </p:cSld>
+  <p:clrMapOvr>
+    <a:masterClrMapping/>
+  </p:clrMapOvr>
+</p:notes>
+</file>
+
+<file path=ppt/notesSlides/notesSlide24.xml><?xml version="1.0" encoding="utf-8"?>
+<p:notes xmlns:a="http://schemas.openxmlformats.org/drawingml/2006/main" xmlns:r="http://schemas.openxmlformats.org/officeDocument/2006/relationships" xmlns:p="http://schemas.openxmlformats.org/presentationml/2006/main">
+  <p:cSld>
+    <p:spTree>
+      <p:nvGrpSpPr>
+        <p:cNvPr id="1" name=""/>
+        <p:cNvGrpSpPr/>
+        <p:nvPr/>
+      </p:nvGrpSpPr>
+      <p:grpSpPr>
+        <a:xfrm>
+          <a:off x="0" y="0"/>
+          <a:ext cx="0" cy="0"/>
+          <a:chOff x="0" y="0"/>
+          <a:chExt cx="0" cy="0"/>
+        </a:xfrm>
+      </p:grpSpPr>
+      <p:sp>
+        <p:nvSpPr>
+          <p:cNvPr id="2" name="Symbol zastępczy obrazu slajdu 1"/>
+          <p:cNvSpPr>
+            <a:spLocks noGrp="1" noRot="1" noChangeAspect="1"/>
+          </p:cNvSpPr>
+          <p:nvPr>
+            <p:ph type="sldImg"/>
+          </p:nvPr>
+        </p:nvSpPr>
+        <p:spPr/>
+      </p:sp>
+      <p:sp>
+        <p:nvSpPr>
+          <p:cNvPr id="3" name="Symbol zastępczy notatek 2"/>
+          <p:cNvSpPr>
+            <a:spLocks noGrp="1"/>
+          </p:cNvSpPr>
+          <p:nvPr>
+            <p:ph type="body" idx="1"/>
+          </p:nvPr>
+        </p:nvSpPr>
+        <p:spPr/>
+        <p:txBody>
+          <a:bodyPr/>
+          <a:lstStyle/>
+          <a:p>
+            <a:endParaRPr lang="pl-PL" dirty="0"/>
+          </a:p>
+        </p:txBody>
+      </p:sp>
+      <p:sp>
+        <p:nvSpPr>
+          <p:cNvPr id="4" name="Symbol zastępczy numeru slajdu 3"/>
+          <p:cNvSpPr>
+            <a:spLocks noGrp="1"/>
+          </p:cNvSpPr>
+          <p:nvPr>
+            <p:ph type="sldNum" sz="quarter" idx="5"/>
+          </p:nvPr>
+        </p:nvSpPr>
+        <p:spPr/>
+        <p:txBody>
+          <a:bodyPr/>
+          <a:lstStyle/>
+          <a:p>
+            <a:fld id="{9FD9646B-16BC-453C-B3BE-7670C5DADA51}" type="slidenum">
+              <a:rPr lang="pl-PL" smtClean="0"/>
+              <a:t>24</a:t>
+            </a:fld>
+            <a:endParaRPr lang="pl-PL"/>
+          </a:p>
+        </p:txBody>
+      </p:sp>
+    </p:spTree>
+    <p:extLst>
+      <p:ext uri="{BB962C8B-B14F-4D97-AF65-F5344CB8AC3E}">
+        <p14:creationId xmlns:p14="http://schemas.microsoft.com/office/powerpoint/2010/main" val="3930394726"/>
+      </p:ext>
+    </p:extLst>
+  </p:cSld>
+  <p:clrMapOvr>
+    <a:masterClrMapping/>
+  </p:clrMapOvr>
+</p:notes>
+</file>
+
+<file path=ppt/notesSlides/notesSlide25.xml><?xml version="1.0" encoding="utf-8"?>
+<p:notes xmlns:a="http://schemas.openxmlformats.org/drawingml/2006/main" xmlns:r="http://schemas.openxmlformats.org/officeDocument/2006/relationships" xmlns:p="http://schemas.openxmlformats.org/presentationml/2006/main">
+  <p:cSld>
+    <p:spTree>
+      <p:nvGrpSpPr>
+        <p:cNvPr id="1" name=""/>
+        <p:cNvGrpSpPr/>
+        <p:nvPr/>
+      </p:nvGrpSpPr>
+      <p:grpSpPr>
+        <a:xfrm>
+          <a:off x="0" y="0"/>
+          <a:ext cx="0" cy="0"/>
+          <a:chOff x="0" y="0"/>
+          <a:chExt cx="0" cy="0"/>
+        </a:xfrm>
+      </p:grpSpPr>
+      <p:sp>
+        <p:nvSpPr>
+          <p:cNvPr id="2" name="Symbol zastępczy obrazu slajdu 1"/>
+          <p:cNvSpPr>
+            <a:spLocks noGrp="1" noRot="1" noChangeAspect="1"/>
+          </p:cNvSpPr>
+          <p:nvPr>
+            <p:ph type="sldImg"/>
+          </p:nvPr>
+        </p:nvSpPr>
+        <p:spPr/>
+      </p:sp>
+      <p:sp>
+        <p:nvSpPr>
+          <p:cNvPr id="3" name="Symbol zastępczy notatek 2"/>
+          <p:cNvSpPr>
+            <a:spLocks noGrp="1"/>
+          </p:cNvSpPr>
+          <p:nvPr>
+            <p:ph type="body" idx="1"/>
+          </p:nvPr>
+        </p:nvSpPr>
+        <p:spPr/>
+        <p:txBody>
+          <a:bodyPr/>
+          <a:lstStyle/>
+          <a:p>
+            <a:endParaRPr lang="pl-PL" dirty="0"/>
+          </a:p>
+        </p:txBody>
+      </p:sp>
+      <p:sp>
+        <p:nvSpPr>
+          <p:cNvPr id="4" name="Symbol zastępczy numeru slajdu 3"/>
+          <p:cNvSpPr>
+            <a:spLocks noGrp="1"/>
+          </p:cNvSpPr>
+          <p:nvPr>
+            <p:ph type="sldNum" sz="quarter" idx="5"/>
+          </p:nvPr>
+        </p:nvSpPr>
+        <p:spPr/>
+        <p:txBody>
+          <a:bodyPr/>
+          <a:lstStyle/>
+          <a:p>
+            <a:fld id="{9FD9646B-16BC-453C-B3BE-7670C5DADA51}" type="slidenum">
+              <a:rPr lang="pl-PL" smtClean="0"/>
+              <a:t>25</a:t>
+            </a:fld>
+            <a:endParaRPr lang="pl-PL"/>
+          </a:p>
+        </p:txBody>
+      </p:sp>
+    </p:spTree>
+    <p:extLst>
+      <p:ext uri="{BB962C8B-B14F-4D97-AF65-F5344CB8AC3E}">
+        <p14:creationId xmlns:p14="http://schemas.microsoft.com/office/powerpoint/2010/main" val="4270250281"/>
+      </p:ext>
+    </p:extLst>
+  </p:cSld>
+  <p:clrMapOvr>
+    <a:masterClrMapping/>
+  </p:clrMapOvr>
+</p:notes>
+</file>
+
+<file path=ppt/notesSlides/notesSlide26.xml><?xml version="1.0" encoding="utf-8"?>
+<p:notes xmlns:a="http://schemas.openxmlformats.org/drawingml/2006/main" xmlns:r="http://schemas.openxmlformats.org/officeDocument/2006/relationships" xmlns:p="http://schemas.openxmlformats.org/presentationml/2006/main">
+  <p:cSld>
+    <p:spTree>
+      <p:nvGrpSpPr>
+        <p:cNvPr id="1" name=""/>
+        <p:cNvGrpSpPr/>
+        <p:nvPr/>
+      </p:nvGrpSpPr>
+      <p:grpSpPr>
+        <a:xfrm>
+          <a:off x="0" y="0"/>
+          <a:ext cx="0" cy="0"/>
+          <a:chOff x="0" y="0"/>
+          <a:chExt cx="0" cy="0"/>
+        </a:xfrm>
+      </p:grpSpPr>
+      <p:sp>
+        <p:nvSpPr>
+          <p:cNvPr id="2" name="Symbol zastępczy obrazu slajdu 1"/>
+          <p:cNvSpPr>
+            <a:spLocks noGrp="1" noRot="1" noChangeAspect="1"/>
+          </p:cNvSpPr>
+          <p:nvPr>
+            <p:ph type="sldImg"/>
+          </p:nvPr>
+        </p:nvSpPr>
+        <p:spPr/>
+      </p:sp>
+      <p:sp>
+        <p:nvSpPr>
+          <p:cNvPr id="3" name="Symbol zastępczy notatek 2"/>
+          <p:cNvSpPr>
+            <a:spLocks noGrp="1"/>
+          </p:cNvSpPr>
+          <p:nvPr>
+            <p:ph type="body" idx="1"/>
+          </p:nvPr>
+        </p:nvSpPr>
+        <p:spPr/>
+        <p:txBody>
+          <a:bodyPr/>
+          <a:lstStyle/>
+          <a:p>
+            <a:r>
+              <a:rPr lang="pl-PL" dirty="0"/>
+              <a:t>Statyczna = bez żadnego </a:t>
+            </a:r>
+            <a:r>
+              <a:rPr lang="pl-PL" dirty="0" err="1"/>
+              <a:t>backendu</a:t>
+            </a:r>
+            <a:r>
+              <a:rPr lang="pl-PL" dirty="0"/>
+              <a:t>, za każdym razem posiadająca taką samą zawartość. Tak naprawdę chodzi tylko o trzymanie gdzieś plików i dostęp do nich z zewnątrz</a:t>
+            </a:r>
+          </a:p>
+        </p:txBody>
+      </p:sp>
+      <p:sp>
+        <p:nvSpPr>
+          <p:cNvPr id="4" name="Symbol zastępczy numeru slajdu 3"/>
+          <p:cNvSpPr>
+            <a:spLocks noGrp="1"/>
+          </p:cNvSpPr>
+          <p:nvPr>
+            <p:ph type="sldNum" sz="quarter" idx="5"/>
+          </p:nvPr>
+        </p:nvSpPr>
+        <p:spPr/>
+        <p:txBody>
+          <a:bodyPr/>
+          <a:lstStyle/>
+          <a:p>
+            <a:fld id="{9FD9646B-16BC-453C-B3BE-7670C5DADA51}" type="slidenum">
+              <a:rPr lang="pl-PL" smtClean="0"/>
+              <a:t>26</a:t>
+            </a:fld>
+            <a:endParaRPr lang="pl-PL"/>
+          </a:p>
+        </p:txBody>
+      </p:sp>
+    </p:spTree>
+    <p:extLst>
+      <p:ext uri="{BB962C8B-B14F-4D97-AF65-F5344CB8AC3E}">
+        <p14:creationId xmlns:p14="http://schemas.microsoft.com/office/powerpoint/2010/main" val="318848945"/>
+      </p:ext>
+    </p:extLst>
+  </p:cSld>
+  <p:clrMapOvr>
+    <a:masterClrMapping/>
+  </p:clrMapOvr>
+</p:notes>
+</file>
+
+<file path=ppt/notesSlides/notesSlide27.xml><?xml version="1.0" encoding="utf-8"?>
+<p:notes xmlns:a="http://schemas.openxmlformats.org/drawingml/2006/main" xmlns:r="http://schemas.openxmlformats.org/officeDocument/2006/relationships" xmlns:p="http://schemas.openxmlformats.org/presentationml/2006/main">
+  <p:cSld>
+    <p:spTree>
+      <p:nvGrpSpPr>
+        <p:cNvPr id="1" name=""/>
+        <p:cNvGrpSpPr/>
+        <p:nvPr/>
+      </p:nvGrpSpPr>
+      <p:grpSpPr>
+        <a:xfrm>
+          <a:off x="0" y="0"/>
+          <a:ext cx="0" cy="0"/>
+          <a:chOff x="0" y="0"/>
+          <a:chExt cx="0" cy="0"/>
+        </a:xfrm>
+      </p:grpSpPr>
+      <p:sp>
+        <p:nvSpPr>
+          <p:cNvPr id="2" name="Symbol zastępczy obrazu slajdu 1"/>
+          <p:cNvSpPr>
+            <a:spLocks noGrp="1" noRot="1" noChangeAspect="1"/>
+          </p:cNvSpPr>
+          <p:nvPr>
+            <p:ph type="sldImg"/>
+          </p:nvPr>
+        </p:nvSpPr>
+        <p:spPr/>
+      </p:sp>
+      <p:sp>
+        <p:nvSpPr>
+          <p:cNvPr id="3" name="Symbol zastępczy notatek 2"/>
+          <p:cNvSpPr>
+            <a:spLocks noGrp="1"/>
+          </p:cNvSpPr>
+          <p:nvPr>
+            <p:ph type="body" idx="1"/>
+          </p:nvPr>
+        </p:nvSpPr>
+        <p:spPr/>
+        <p:txBody>
+          <a:bodyPr/>
+          <a:lstStyle/>
+          <a:p>
+            <a:endParaRPr lang="pl-PL" dirty="0"/>
+          </a:p>
+        </p:txBody>
+      </p:sp>
+      <p:sp>
+        <p:nvSpPr>
+          <p:cNvPr id="4" name="Symbol zastępczy numeru slajdu 3"/>
+          <p:cNvSpPr>
+            <a:spLocks noGrp="1"/>
+          </p:cNvSpPr>
+          <p:nvPr>
+            <p:ph type="sldNum" sz="quarter" idx="5"/>
+          </p:nvPr>
+        </p:nvSpPr>
+        <p:spPr/>
+        <p:txBody>
+          <a:bodyPr/>
+          <a:lstStyle/>
+          <a:p>
+            <a:fld id="{9FD9646B-16BC-453C-B3BE-7670C5DADA51}" type="slidenum">
+              <a:rPr lang="pl-PL" smtClean="0"/>
+              <a:t>27</a:t>
+            </a:fld>
+            <a:endParaRPr lang="pl-PL"/>
+          </a:p>
+        </p:txBody>
+      </p:sp>
+    </p:spTree>
+    <p:extLst>
+      <p:ext uri="{BB962C8B-B14F-4D97-AF65-F5344CB8AC3E}">
+        <p14:creationId xmlns:p14="http://schemas.microsoft.com/office/powerpoint/2010/main" val="222917765"/>
+      </p:ext>
+    </p:extLst>
+  </p:cSld>
+  <p:clrMapOvr>
+    <a:masterClrMapping/>
+  </p:clrMapOvr>
+</p:notes>
+</file>
+
+<file path=ppt/notesSlides/notesSlide28.xml><?xml version="1.0" encoding="utf-8"?>
+<p:notes xmlns:a="http://schemas.openxmlformats.org/drawingml/2006/main" xmlns:r="http://schemas.openxmlformats.org/officeDocument/2006/relationships" xmlns:p="http://schemas.openxmlformats.org/presentationml/2006/main">
+  <p:cSld>
+    <p:spTree>
+      <p:nvGrpSpPr>
+        <p:cNvPr id="1" name=""/>
+        <p:cNvGrpSpPr/>
+        <p:nvPr/>
+      </p:nvGrpSpPr>
+      <p:grpSpPr>
+        <a:xfrm>
+          <a:off x="0" y="0"/>
+          <a:ext cx="0" cy="0"/>
+          <a:chOff x="0" y="0"/>
+          <a:chExt cx="0" cy="0"/>
+        </a:xfrm>
+      </p:grpSpPr>
+      <p:sp>
+        <p:nvSpPr>
+          <p:cNvPr id="2" name="Symbol zastępczy obrazu slajdu 1"/>
+          <p:cNvSpPr>
+            <a:spLocks noGrp="1" noRot="1" noChangeAspect="1"/>
+          </p:cNvSpPr>
+          <p:nvPr>
+            <p:ph type="sldImg"/>
+          </p:nvPr>
+        </p:nvSpPr>
+        <p:spPr/>
+      </p:sp>
+      <p:sp>
+        <p:nvSpPr>
+          <p:cNvPr id="3" name="Symbol zastępczy notatek 2"/>
+          <p:cNvSpPr>
+            <a:spLocks noGrp="1"/>
+          </p:cNvSpPr>
+          <p:nvPr>
+            <p:ph type="body" idx="1"/>
+          </p:nvPr>
+        </p:nvSpPr>
+        <p:spPr/>
+        <p:txBody>
+          <a:bodyPr/>
+          <a:lstStyle/>
+          <a:p>
+            <a:r>
+              <a:rPr lang="pl-PL" dirty="0"/>
+              <a:t>Czyli pełnoprawny </a:t>
+            </a:r>
+            <a:r>
+              <a:rPr lang="pl-PL" dirty="0" err="1"/>
+              <a:t>frontend</a:t>
+            </a:r>
+            <a:r>
+              <a:rPr lang="pl-PL" dirty="0"/>
+              <a:t> + </a:t>
+            </a:r>
+            <a:r>
+              <a:rPr lang="pl-PL" dirty="0" err="1"/>
+              <a:t>backend</a:t>
+            </a:r>
+            <a:r>
+              <a:rPr lang="pl-PL" dirty="0"/>
+              <a:t>, z bazą danych itp..</a:t>
+            </a:r>
+          </a:p>
+          <a:p>
+            <a:r>
+              <a:rPr lang="pl-PL" dirty="0"/>
+              <a:t>NIE będzie pokazane podpinanie bazy danych, jedynie stworzenie aplikacji z </a:t>
+            </a:r>
+            <a:r>
+              <a:rPr lang="pl-PL" dirty="0" err="1"/>
+              <a:t>template’u</a:t>
+            </a:r>
+            <a:r>
+              <a:rPr lang="pl-PL" dirty="0"/>
+              <a:t> ASP.NET </a:t>
+            </a:r>
+            <a:r>
+              <a:rPr lang="pl-PL" dirty="0" err="1"/>
+              <a:t>Core</a:t>
+            </a:r>
+            <a:r>
+              <a:rPr lang="pl-PL" dirty="0"/>
+              <a:t> 2 MVC i szybki </a:t>
+            </a:r>
+            <a:r>
+              <a:rPr lang="pl-PL" dirty="0" err="1"/>
+              <a:t>deploy</a:t>
+            </a:r>
+            <a:r>
+              <a:rPr lang="pl-PL" dirty="0"/>
+              <a:t> do </a:t>
+            </a:r>
+            <a:r>
+              <a:rPr lang="pl-PL" dirty="0" err="1"/>
+              <a:t>WebApp</a:t>
+            </a:r>
+            <a:r>
+              <a:rPr lang="pl-PL" dirty="0"/>
+              <a:t> na </a:t>
+            </a:r>
+            <a:r>
+              <a:rPr lang="pl-PL" dirty="0" err="1"/>
+              <a:t>Azure</a:t>
+            </a:r>
+            <a:endParaRPr lang="pl-PL" dirty="0"/>
+          </a:p>
+        </p:txBody>
+      </p:sp>
+      <p:sp>
+        <p:nvSpPr>
+          <p:cNvPr id="4" name="Symbol zastępczy numeru slajdu 3"/>
+          <p:cNvSpPr>
+            <a:spLocks noGrp="1"/>
+          </p:cNvSpPr>
+          <p:nvPr>
+            <p:ph type="sldNum" sz="quarter" idx="5"/>
+          </p:nvPr>
+        </p:nvSpPr>
+        <p:spPr/>
+        <p:txBody>
+          <a:bodyPr/>
+          <a:lstStyle/>
+          <a:p>
+            <a:fld id="{9FD9646B-16BC-453C-B3BE-7670C5DADA51}" type="slidenum">
+              <a:rPr lang="pl-PL" smtClean="0"/>
+              <a:t>28</a:t>
+            </a:fld>
+            <a:endParaRPr lang="pl-PL"/>
+          </a:p>
+        </p:txBody>
+      </p:sp>
+    </p:spTree>
+    <p:extLst>
+      <p:ext uri="{BB962C8B-B14F-4D97-AF65-F5344CB8AC3E}">
+        <p14:creationId xmlns:p14="http://schemas.microsoft.com/office/powerpoint/2010/main" val="724089584"/>
+      </p:ext>
+    </p:extLst>
+  </p:cSld>
+  <p:clrMapOvr>
+    <a:masterClrMapping/>
+  </p:clrMapOvr>
+</p:notes>
+</file>
+
+<file path=ppt/notesSlides/notesSlide29.xml><?xml version="1.0" encoding="utf-8"?>
+<p:notes xmlns:a="http://schemas.openxmlformats.org/drawingml/2006/main" xmlns:r="http://schemas.openxmlformats.org/officeDocument/2006/relationships" xmlns:p="http://schemas.openxmlformats.org/presentationml/2006/main">
+  <p:cSld>
+    <p:spTree>
+      <p:nvGrpSpPr>
+        <p:cNvPr id="1" name=""/>
+        <p:cNvGrpSpPr/>
+        <p:nvPr/>
+      </p:nvGrpSpPr>
+      <p:grpSpPr>
+        <a:xfrm>
+          <a:off x="0" y="0"/>
+          <a:ext cx="0" cy="0"/>
+          <a:chOff x="0" y="0"/>
+          <a:chExt cx="0" cy="0"/>
+        </a:xfrm>
+      </p:grpSpPr>
+      <p:sp>
+        <p:nvSpPr>
+          <p:cNvPr id="2" name="Symbol zastępczy obrazu slajdu 1"/>
+          <p:cNvSpPr>
+            <a:spLocks noGrp="1" noRot="1" noChangeAspect="1"/>
+          </p:cNvSpPr>
+          <p:nvPr>
+            <p:ph type="sldImg"/>
+          </p:nvPr>
+        </p:nvSpPr>
+        <p:spPr/>
+      </p:sp>
+      <p:sp>
+        <p:nvSpPr>
+          <p:cNvPr id="3" name="Symbol zastępczy notatek 2"/>
+          <p:cNvSpPr>
+            <a:spLocks noGrp="1"/>
+          </p:cNvSpPr>
+          <p:nvPr>
+            <p:ph type="body" idx="1"/>
+          </p:nvPr>
+        </p:nvSpPr>
+        <p:spPr/>
+        <p:txBody>
+          <a:bodyPr/>
+          <a:lstStyle/>
+          <a:p>
+            <a:endParaRPr lang="pl-PL" dirty="0"/>
+          </a:p>
+        </p:txBody>
+      </p:sp>
+      <p:sp>
+        <p:nvSpPr>
+          <p:cNvPr id="4" name="Symbol zastępczy numeru slajdu 3"/>
+          <p:cNvSpPr>
+            <a:spLocks noGrp="1"/>
+          </p:cNvSpPr>
+          <p:nvPr>
+            <p:ph type="sldNum" sz="quarter" idx="5"/>
+          </p:nvPr>
+        </p:nvSpPr>
+        <p:spPr/>
+        <p:txBody>
+          <a:bodyPr/>
+          <a:lstStyle/>
+          <a:p>
+            <a:fld id="{9FD9646B-16BC-453C-B3BE-7670C5DADA51}" type="slidenum">
+              <a:rPr lang="pl-PL" smtClean="0"/>
+              <a:t>29</a:t>
+            </a:fld>
+            <a:endParaRPr lang="pl-PL"/>
+          </a:p>
+        </p:txBody>
+      </p:sp>
+    </p:spTree>
+    <p:extLst>
+      <p:ext uri="{BB962C8B-B14F-4D97-AF65-F5344CB8AC3E}">
+        <p14:creationId xmlns:p14="http://schemas.microsoft.com/office/powerpoint/2010/main" val="195789403"/>
       </p:ext>
     </p:extLst>
   </p:cSld>
@@ -1904,7 +2640,7 @@
           <a:bodyPr/>
           <a:lstStyle/>
           <a:p>
-            <a:endParaRPr lang="pl-PL" dirty="0"/>
+            <a:endParaRPr lang="pl-PL"/>
           </a:p>
         </p:txBody>
       </p:sp>
@@ -1925,7 +2661,7 @@
           <a:p>
             <a:fld id="{9FD9646B-16BC-453C-B3BE-7670C5DADA51}" type="slidenum">
               <a:rPr lang="pl-PL" smtClean="0"/>
-              <a:t>16</a:t>
+              <a:t>3</a:t>
             </a:fld>
             <a:endParaRPr lang="pl-PL"/>
           </a:p>
@@ -1934,7 +2670,873 @@
     </p:spTree>
     <p:extLst>
       <p:ext uri="{BB962C8B-B14F-4D97-AF65-F5344CB8AC3E}">
-        <p14:creationId xmlns:p14="http://schemas.microsoft.com/office/powerpoint/2010/main" val="1260160148"/>
+        <p14:creationId xmlns:p14="http://schemas.microsoft.com/office/powerpoint/2010/main" val="4123774709"/>
+      </p:ext>
+    </p:extLst>
+  </p:cSld>
+  <p:clrMapOvr>
+    <a:masterClrMapping/>
+  </p:clrMapOvr>
+</p:notes>
+</file>
+
+<file path=ppt/notesSlides/notesSlide30.xml><?xml version="1.0" encoding="utf-8"?>
+<p:notes xmlns:a="http://schemas.openxmlformats.org/drawingml/2006/main" xmlns:r="http://schemas.openxmlformats.org/officeDocument/2006/relationships" xmlns:p="http://schemas.openxmlformats.org/presentationml/2006/main">
+  <p:cSld>
+    <p:spTree>
+      <p:nvGrpSpPr>
+        <p:cNvPr id="1" name=""/>
+        <p:cNvGrpSpPr/>
+        <p:nvPr/>
+      </p:nvGrpSpPr>
+      <p:grpSpPr>
+        <a:xfrm>
+          <a:off x="0" y="0"/>
+          <a:ext cx="0" cy="0"/>
+          <a:chOff x="0" y="0"/>
+          <a:chExt cx="0" cy="0"/>
+        </a:xfrm>
+      </p:grpSpPr>
+      <p:sp>
+        <p:nvSpPr>
+          <p:cNvPr id="2" name="Symbol zastępczy obrazu slajdu 1"/>
+          <p:cNvSpPr>
+            <a:spLocks noGrp="1" noRot="1" noChangeAspect="1"/>
+          </p:cNvSpPr>
+          <p:nvPr>
+            <p:ph type="sldImg"/>
+          </p:nvPr>
+        </p:nvSpPr>
+        <p:spPr/>
+      </p:sp>
+      <p:sp>
+        <p:nvSpPr>
+          <p:cNvPr id="3" name="Symbol zastępczy notatek 2"/>
+          <p:cNvSpPr>
+            <a:spLocks noGrp="1"/>
+          </p:cNvSpPr>
+          <p:nvPr>
+            <p:ph type="body" idx="1"/>
+          </p:nvPr>
+        </p:nvSpPr>
+        <p:spPr/>
+        <p:txBody>
+          <a:bodyPr/>
+          <a:lstStyle/>
+          <a:p>
+            <a:endParaRPr lang="pl-PL"/>
+          </a:p>
+        </p:txBody>
+      </p:sp>
+      <p:sp>
+        <p:nvSpPr>
+          <p:cNvPr id="4" name="Symbol zastępczy numeru slajdu 3"/>
+          <p:cNvSpPr>
+            <a:spLocks noGrp="1"/>
+          </p:cNvSpPr>
+          <p:nvPr>
+            <p:ph type="sldNum" sz="quarter" idx="5"/>
+          </p:nvPr>
+        </p:nvSpPr>
+        <p:spPr/>
+        <p:txBody>
+          <a:bodyPr/>
+          <a:lstStyle/>
+          <a:p>
+            <a:fld id="{9FD9646B-16BC-453C-B3BE-7670C5DADA51}" type="slidenum">
+              <a:rPr lang="pl-PL" smtClean="0"/>
+              <a:t>30</a:t>
+            </a:fld>
+            <a:endParaRPr lang="pl-PL"/>
+          </a:p>
+        </p:txBody>
+      </p:sp>
+    </p:spTree>
+    <p:extLst>
+      <p:ext uri="{BB962C8B-B14F-4D97-AF65-F5344CB8AC3E}">
+        <p14:creationId xmlns:p14="http://schemas.microsoft.com/office/powerpoint/2010/main" val="1084835715"/>
+      </p:ext>
+    </p:extLst>
+  </p:cSld>
+  <p:clrMapOvr>
+    <a:masterClrMapping/>
+  </p:clrMapOvr>
+</p:notes>
+</file>
+
+<file path=ppt/notesSlides/notesSlide31.xml><?xml version="1.0" encoding="utf-8"?>
+<p:notes xmlns:a="http://schemas.openxmlformats.org/drawingml/2006/main" xmlns:r="http://schemas.openxmlformats.org/officeDocument/2006/relationships" xmlns:p="http://schemas.openxmlformats.org/presentationml/2006/main">
+  <p:cSld>
+    <p:spTree>
+      <p:nvGrpSpPr>
+        <p:cNvPr id="1" name=""/>
+        <p:cNvGrpSpPr/>
+        <p:nvPr/>
+      </p:nvGrpSpPr>
+      <p:grpSpPr>
+        <a:xfrm>
+          <a:off x="0" y="0"/>
+          <a:ext cx="0" cy="0"/>
+          <a:chOff x="0" y="0"/>
+          <a:chExt cx="0" cy="0"/>
+        </a:xfrm>
+      </p:grpSpPr>
+      <p:sp>
+        <p:nvSpPr>
+          <p:cNvPr id="2" name="Symbol zastępczy obrazu slajdu 1"/>
+          <p:cNvSpPr>
+            <a:spLocks noGrp="1" noRot="1" noChangeAspect="1"/>
+          </p:cNvSpPr>
+          <p:nvPr>
+            <p:ph type="sldImg"/>
+          </p:nvPr>
+        </p:nvSpPr>
+        <p:spPr/>
+      </p:sp>
+      <p:sp>
+        <p:nvSpPr>
+          <p:cNvPr id="3" name="Symbol zastępczy notatek 2"/>
+          <p:cNvSpPr>
+            <a:spLocks noGrp="1"/>
+          </p:cNvSpPr>
+          <p:nvPr>
+            <p:ph type="body" idx="1"/>
+          </p:nvPr>
+        </p:nvSpPr>
+        <p:spPr/>
+        <p:txBody>
+          <a:bodyPr/>
+          <a:lstStyle/>
+          <a:p>
+            <a:endParaRPr lang="pl-PL" dirty="0"/>
+          </a:p>
+        </p:txBody>
+      </p:sp>
+      <p:sp>
+        <p:nvSpPr>
+          <p:cNvPr id="4" name="Symbol zastępczy numeru slajdu 3"/>
+          <p:cNvSpPr>
+            <a:spLocks noGrp="1"/>
+          </p:cNvSpPr>
+          <p:nvPr>
+            <p:ph type="sldNum" sz="quarter" idx="5"/>
+          </p:nvPr>
+        </p:nvSpPr>
+        <p:spPr/>
+        <p:txBody>
+          <a:bodyPr/>
+          <a:lstStyle/>
+          <a:p>
+            <a:fld id="{9FD9646B-16BC-453C-B3BE-7670C5DADA51}" type="slidenum">
+              <a:rPr lang="pl-PL" smtClean="0"/>
+              <a:t>31</a:t>
+            </a:fld>
+            <a:endParaRPr lang="pl-PL"/>
+          </a:p>
+        </p:txBody>
+      </p:sp>
+    </p:spTree>
+    <p:extLst>
+      <p:ext uri="{BB962C8B-B14F-4D97-AF65-F5344CB8AC3E}">
+        <p14:creationId xmlns:p14="http://schemas.microsoft.com/office/powerpoint/2010/main" val="420636270"/>
+      </p:ext>
+    </p:extLst>
+  </p:cSld>
+  <p:clrMapOvr>
+    <a:masterClrMapping/>
+  </p:clrMapOvr>
+</p:notes>
+</file>
+
+<file path=ppt/notesSlides/notesSlide32.xml><?xml version="1.0" encoding="utf-8"?>
+<p:notes xmlns:a="http://schemas.openxmlformats.org/drawingml/2006/main" xmlns:r="http://schemas.openxmlformats.org/officeDocument/2006/relationships" xmlns:p="http://schemas.openxmlformats.org/presentationml/2006/main">
+  <p:cSld>
+    <p:spTree>
+      <p:nvGrpSpPr>
+        <p:cNvPr id="1" name=""/>
+        <p:cNvGrpSpPr/>
+        <p:nvPr/>
+      </p:nvGrpSpPr>
+      <p:grpSpPr>
+        <a:xfrm>
+          <a:off x="0" y="0"/>
+          <a:ext cx="0" cy="0"/>
+          <a:chOff x="0" y="0"/>
+          <a:chExt cx="0" cy="0"/>
+        </a:xfrm>
+      </p:grpSpPr>
+      <p:sp>
+        <p:nvSpPr>
+          <p:cNvPr id="2" name="Symbol zastępczy obrazu slajdu 1"/>
+          <p:cNvSpPr>
+            <a:spLocks noGrp="1" noRot="1" noChangeAspect="1"/>
+          </p:cNvSpPr>
+          <p:nvPr>
+            <p:ph type="sldImg"/>
+          </p:nvPr>
+        </p:nvSpPr>
+        <p:spPr/>
+      </p:sp>
+      <p:sp>
+        <p:nvSpPr>
+          <p:cNvPr id="3" name="Symbol zastępczy notatek 2"/>
+          <p:cNvSpPr>
+            <a:spLocks noGrp="1"/>
+          </p:cNvSpPr>
+          <p:nvPr>
+            <p:ph type="body" idx="1"/>
+          </p:nvPr>
+        </p:nvSpPr>
+        <p:spPr/>
+        <p:txBody>
+          <a:bodyPr/>
+          <a:lstStyle/>
+          <a:p>
+            <a:pPr marL="0" marR="0" lvl="0" indent="0" algn="l" defTabSz="914400" rtl="0" eaLnBrk="1" fontAlgn="auto" latinLnBrk="0" hangingPunct="1">
+              <a:lnSpc>
+                <a:spcPct val="100000"/>
+              </a:lnSpc>
+              <a:spcBef>
+                <a:spcPts val="0"/>
+              </a:spcBef>
+              <a:spcAft>
+                <a:spcPts val="0"/>
+              </a:spcAft>
+              <a:buClrTx/>
+              <a:buSzTx/>
+              <a:buFontTx/>
+              <a:buNone/>
+              <a:tabLst/>
+              <a:defRPr/>
+            </a:pPr>
+            <a:r>
+              <a:rPr lang="pl-PL" dirty="0"/>
+              <a:t>Chodzi nam tylko o kod, który wykona się w przypadku jakieś wydarzenia. Nie potrzebujemy serwera, nie potrzebujemy nawet aplikacji. Chcemy tak naprawdę tylko wywołać jedną funkcję.</a:t>
+            </a:r>
+          </a:p>
+        </p:txBody>
+      </p:sp>
+      <p:sp>
+        <p:nvSpPr>
+          <p:cNvPr id="4" name="Symbol zastępczy numeru slajdu 3"/>
+          <p:cNvSpPr>
+            <a:spLocks noGrp="1"/>
+          </p:cNvSpPr>
+          <p:nvPr>
+            <p:ph type="sldNum" sz="quarter" idx="5"/>
+          </p:nvPr>
+        </p:nvSpPr>
+        <p:spPr/>
+        <p:txBody>
+          <a:bodyPr/>
+          <a:lstStyle/>
+          <a:p>
+            <a:fld id="{9FD9646B-16BC-453C-B3BE-7670C5DADA51}" type="slidenum">
+              <a:rPr lang="pl-PL" smtClean="0"/>
+              <a:t>32</a:t>
+            </a:fld>
+            <a:endParaRPr lang="pl-PL"/>
+          </a:p>
+        </p:txBody>
+      </p:sp>
+    </p:spTree>
+    <p:extLst>
+      <p:ext uri="{BB962C8B-B14F-4D97-AF65-F5344CB8AC3E}">
+        <p14:creationId xmlns:p14="http://schemas.microsoft.com/office/powerpoint/2010/main" val="3898804363"/>
+      </p:ext>
+    </p:extLst>
+  </p:cSld>
+  <p:clrMapOvr>
+    <a:masterClrMapping/>
+  </p:clrMapOvr>
+</p:notes>
+</file>
+
+<file path=ppt/notesSlides/notesSlide33.xml><?xml version="1.0" encoding="utf-8"?>
+<p:notes xmlns:a="http://schemas.openxmlformats.org/drawingml/2006/main" xmlns:r="http://schemas.openxmlformats.org/officeDocument/2006/relationships" xmlns:p="http://schemas.openxmlformats.org/presentationml/2006/main">
+  <p:cSld>
+    <p:spTree>
+      <p:nvGrpSpPr>
+        <p:cNvPr id="1" name=""/>
+        <p:cNvGrpSpPr/>
+        <p:nvPr/>
+      </p:nvGrpSpPr>
+      <p:grpSpPr>
+        <a:xfrm>
+          <a:off x="0" y="0"/>
+          <a:ext cx="0" cy="0"/>
+          <a:chOff x="0" y="0"/>
+          <a:chExt cx="0" cy="0"/>
+        </a:xfrm>
+      </p:grpSpPr>
+      <p:sp>
+        <p:nvSpPr>
+          <p:cNvPr id="2" name="Symbol zastępczy obrazu slajdu 1"/>
+          <p:cNvSpPr>
+            <a:spLocks noGrp="1" noRot="1" noChangeAspect="1"/>
+          </p:cNvSpPr>
+          <p:nvPr>
+            <p:ph type="sldImg"/>
+          </p:nvPr>
+        </p:nvSpPr>
+        <p:spPr/>
+      </p:sp>
+      <p:sp>
+        <p:nvSpPr>
+          <p:cNvPr id="3" name="Symbol zastępczy notatek 2"/>
+          <p:cNvSpPr>
+            <a:spLocks noGrp="1"/>
+          </p:cNvSpPr>
+          <p:nvPr>
+            <p:ph type="body" idx="1"/>
+          </p:nvPr>
+        </p:nvSpPr>
+        <p:spPr/>
+        <p:txBody>
+          <a:bodyPr/>
+          <a:lstStyle/>
+          <a:p>
+            <a:r>
+              <a:rPr lang="pl-PL" dirty="0"/>
+              <a:t>Chodzi nam tylko o kod, który wykona się w przypadku jakieś wydarzenia. Nie potrzebujemy serwera, nie potrzebujemy nawet aplikacji. Chcemy tak naprawdę tylko wywołać jedną funkcję.</a:t>
+            </a:r>
+          </a:p>
+        </p:txBody>
+      </p:sp>
+      <p:sp>
+        <p:nvSpPr>
+          <p:cNvPr id="4" name="Symbol zastępczy numeru slajdu 3"/>
+          <p:cNvSpPr>
+            <a:spLocks noGrp="1"/>
+          </p:cNvSpPr>
+          <p:nvPr>
+            <p:ph type="sldNum" sz="quarter" idx="5"/>
+          </p:nvPr>
+        </p:nvSpPr>
+        <p:spPr/>
+        <p:txBody>
+          <a:bodyPr/>
+          <a:lstStyle/>
+          <a:p>
+            <a:fld id="{9FD9646B-16BC-453C-B3BE-7670C5DADA51}" type="slidenum">
+              <a:rPr lang="pl-PL" smtClean="0"/>
+              <a:t>33</a:t>
+            </a:fld>
+            <a:endParaRPr lang="pl-PL"/>
+          </a:p>
+        </p:txBody>
+      </p:sp>
+    </p:spTree>
+    <p:extLst>
+      <p:ext uri="{BB962C8B-B14F-4D97-AF65-F5344CB8AC3E}">
+        <p14:creationId xmlns:p14="http://schemas.microsoft.com/office/powerpoint/2010/main" val="301433055"/>
+      </p:ext>
+    </p:extLst>
+  </p:cSld>
+  <p:clrMapOvr>
+    <a:masterClrMapping/>
+  </p:clrMapOvr>
+</p:notes>
+</file>
+
+<file path=ppt/notesSlides/notesSlide34.xml><?xml version="1.0" encoding="utf-8"?>
+<p:notes xmlns:a="http://schemas.openxmlformats.org/drawingml/2006/main" xmlns:r="http://schemas.openxmlformats.org/officeDocument/2006/relationships" xmlns:p="http://schemas.openxmlformats.org/presentationml/2006/main">
+  <p:cSld>
+    <p:spTree>
+      <p:nvGrpSpPr>
+        <p:cNvPr id="1" name=""/>
+        <p:cNvGrpSpPr/>
+        <p:nvPr/>
+      </p:nvGrpSpPr>
+      <p:grpSpPr>
+        <a:xfrm>
+          <a:off x="0" y="0"/>
+          <a:ext cx="0" cy="0"/>
+          <a:chOff x="0" y="0"/>
+          <a:chExt cx="0" cy="0"/>
+        </a:xfrm>
+      </p:grpSpPr>
+      <p:sp>
+        <p:nvSpPr>
+          <p:cNvPr id="2" name="Symbol zastępczy obrazu slajdu 1"/>
+          <p:cNvSpPr>
+            <a:spLocks noGrp="1" noRot="1" noChangeAspect="1"/>
+          </p:cNvSpPr>
+          <p:nvPr>
+            <p:ph type="sldImg"/>
+          </p:nvPr>
+        </p:nvSpPr>
+        <p:spPr/>
+      </p:sp>
+      <p:sp>
+        <p:nvSpPr>
+          <p:cNvPr id="3" name="Symbol zastępczy notatek 2"/>
+          <p:cNvSpPr>
+            <a:spLocks noGrp="1"/>
+          </p:cNvSpPr>
+          <p:nvPr>
+            <p:ph type="body" idx="1"/>
+          </p:nvPr>
+        </p:nvSpPr>
+        <p:spPr/>
+        <p:txBody>
+          <a:bodyPr/>
+          <a:lstStyle/>
+          <a:p>
+            <a:r>
+              <a:rPr lang="pl-PL" dirty="0"/>
+              <a:t>Case: chcemy ‚inteligentną’ stronę przekierowującą. W zależności od daty będzie przekierowywała do strony najbliższego wydarzenia znalezionego w bazie danych. (patrz: Facebook, wydarzenia cykliczne i link do biletów)</a:t>
+            </a:r>
+          </a:p>
+        </p:txBody>
+      </p:sp>
+      <p:sp>
+        <p:nvSpPr>
+          <p:cNvPr id="4" name="Symbol zastępczy numeru slajdu 3"/>
+          <p:cNvSpPr>
+            <a:spLocks noGrp="1"/>
+          </p:cNvSpPr>
+          <p:nvPr>
+            <p:ph type="sldNum" sz="quarter" idx="5"/>
+          </p:nvPr>
+        </p:nvSpPr>
+        <p:spPr/>
+        <p:txBody>
+          <a:bodyPr/>
+          <a:lstStyle/>
+          <a:p>
+            <a:fld id="{9FD9646B-16BC-453C-B3BE-7670C5DADA51}" type="slidenum">
+              <a:rPr lang="pl-PL" smtClean="0"/>
+              <a:t>34</a:t>
+            </a:fld>
+            <a:endParaRPr lang="pl-PL"/>
+          </a:p>
+        </p:txBody>
+      </p:sp>
+    </p:spTree>
+    <p:extLst>
+      <p:ext uri="{BB962C8B-B14F-4D97-AF65-F5344CB8AC3E}">
+        <p14:creationId xmlns:p14="http://schemas.microsoft.com/office/powerpoint/2010/main" val="3154457518"/>
+      </p:ext>
+    </p:extLst>
+  </p:cSld>
+  <p:clrMapOvr>
+    <a:masterClrMapping/>
+  </p:clrMapOvr>
+</p:notes>
+</file>
+
+<file path=ppt/notesSlides/notesSlide35.xml><?xml version="1.0" encoding="utf-8"?>
+<p:notes xmlns:a="http://schemas.openxmlformats.org/drawingml/2006/main" xmlns:r="http://schemas.openxmlformats.org/officeDocument/2006/relationships" xmlns:p="http://schemas.openxmlformats.org/presentationml/2006/main">
+  <p:cSld>
+    <p:spTree>
+      <p:nvGrpSpPr>
+        <p:cNvPr id="1" name=""/>
+        <p:cNvGrpSpPr/>
+        <p:nvPr/>
+      </p:nvGrpSpPr>
+      <p:grpSpPr>
+        <a:xfrm>
+          <a:off x="0" y="0"/>
+          <a:ext cx="0" cy="0"/>
+          <a:chOff x="0" y="0"/>
+          <a:chExt cx="0" cy="0"/>
+        </a:xfrm>
+      </p:grpSpPr>
+      <p:sp>
+        <p:nvSpPr>
+          <p:cNvPr id="2" name="Symbol zastępczy obrazu slajdu 1"/>
+          <p:cNvSpPr>
+            <a:spLocks noGrp="1" noRot="1" noChangeAspect="1"/>
+          </p:cNvSpPr>
+          <p:nvPr>
+            <p:ph type="sldImg"/>
+          </p:nvPr>
+        </p:nvSpPr>
+        <p:spPr/>
+      </p:sp>
+      <p:sp>
+        <p:nvSpPr>
+          <p:cNvPr id="3" name="Symbol zastępczy notatek 2"/>
+          <p:cNvSpPr>
+            <a:spLocks noGrp="1"/>
+          </p:cNvSpPr>
+          <p:nvPr>
+            <p:ph type="body" idx="1"/>
+          </p:nvPr>
+        </p:nvSpPr>
+        <p:spPr/>
+        <p:txBody>
+          <a:bodyPr/>
+          <a:lstStyle/>
+          <a:p>
+            <a:endParaRPr lang="pl-PL"/>
+          </a:p>
+        </p:txBody>
+      </p:sp>
+      <p:sp>
+        <p:nvSpPr>
+          <p:cNvPr id="4" name="Symbol zastępczy numeru slajdu 3"/>
+          <p:cNvSpPr>
+            <a:spLocks noGrp="1"/>
+          </p:cNvSpPr>
+          <p:nvPr>
+            <p:ph type="sldNum" sz="quarter" idx="5"/>
+          </p:nvPr>
+        </p:nvSpPr>
+        <p:spPr/>
+        <p:txBody>
+          <a:bodyPr/>
+          <a:lstStyle/>
+          <a:p>
+            <a:fld id="{9FD9646B-16BC-453C-B3BE-7670C5DADA51}" type="slidenum">
+              <a:rPr lang="pl-PL" smtClean="0"/>
+              <a:t>35</a:t>
+            </a:fld>
+            <a:endParaRPr lang="pl-PL"/>
+          </a:p>
+        </p:txBody>
+      </p:sp>
+    </p:spTree>
+    <p:extLst>
+      <p:ext uri="{BB962C8B-B14F-4D97-AF65-F5344CB8AC3E}">
+        <p14:creationId xmlns:p14="http://schemas.microsoft.com/office/powerpoint/2010/main" val="2403451534"/>
+      </p:ext>
+    </p:extLst>
+  </p:cSld>
+  <p:clrMapOvr>
+    <a:masterClrMapping/>
+  </p:clrMapOvr>
+</p:notes>
+</file>
+
+<file path=ppt/notesSlides/notesSlide36.xml><?xml version="1.0" encoding="utf-8"?>
+<p:notes xmlns:a="http://schemas.openxmlformats.org/drawingml/2006/main" xmlns:r="http://schemas.openxmlformats.org/officeDocument/2006/relationships" xmlns:p="http://schemas.openxmlformats.org/presentationml/2006/main">
+  <p:cSld>
+    <p:spTree>
+      <p:nvGrpSpPr>
+        <p:cNvPr id="1" name=""/>
+        <p:cNvGrpSpPr/>
+        <p:nvPr/>
+      </p:nvGrpSpPr>
+      <p:grpSpPr>
+        <a:xfrm>
+          <a:off x="0" y="0"/>
+          <a:ext cx="0" cy="0"/>
+          <a:chOff x="0" y="0"/>
+          <a:chExt cx="0" cy="0"/>
+        </a:xfrm>
+      </p:grpSpPr>
+      <p:sp>
+        <p:nvSpPr>
+          <p:cNvPr id="2" name="Symbol zastępczy obrazu slajdu 1"/>
+          <p:cNvSpPr>
+            <a:spLocks noGrp="1" noRot="1" noChangeAspect="1"/>
+          </p:cNvSpPr>
+          <p:nvPr>
+            <p:ph type="sldImg"/>
+          </p:nvPr>
+        </p:nvSpPr>
+        <p:spPr/>
+      </p:sp>
+      <p:sp>
+        <p:nvSpPr>
+          <p:cNvPr id="3" name="Symbol zastępczy notatek 2"/>
+          <p:cNvSpPr>
+            <a:spLocks noGrp="1"/>
+          </p:cNvSpPr>
+          <p:nvPr>
+            <p:ph type="body" idx="1"/>
+          </p:nvPr>
+        </p:nvSpPr>
+        <p:spPr/>
+        <p:txBody>
+          <a:bodyPr/>
+          <a:lstStyle/>
+          <a:p>
+            <a:endParaRPr lang="pl-PL" dirty="0"/>
+          </a:p>
+        </p:txBody>
+      </p:sp>
+      <p:sp>
+        <p:nvSpPr>
+          <p:cNvPr id="4" name="Symbol zastępczy numeru slajdu 3"/>
+          <p:cNvSpPr>
+            <a:spLocks noGrp="1"/>
+          </p:cNvSpPr>
+          <p:nvPr>
+            <p:ph type="sldNum" sz="quarter" idx="5"/>
+          </p:nvPr>
+        </p:nvSpPr>
+        <p:spPr/>
+        <p:txBody>
+          <a:bodyPr/>
+          <a:lstStyle/>
+          <a:p>
+            <a:fld id="{9FD9646B-16BC-453C-B3BE-7670C5DADA51}" type="slidenum">
+              <a:rPr lang="pl-PL" smtClean="0"/>
+              <a:t>36</a:t>
+            </a:fld>
+            <a:endParaRPr lang="pl-PL"/>
+          </a:p>
+        </p:txBody>
+      </p:sp>
+    </p:spTree>
+    <p:extLst>
+      <p:ext uri="{BB962C8B-B14F-4D97-AF65-F5344CB8AC3E}">
+        <p14:creationId xmlns:p14="http://schemas.microsoft.com/office/powerpoint/2010/main" val="1807702079"/>
+      </p:ext>
+    </p:extLst>
+  </p:cSld>
+  <p:clrMapOvr>
+    <a:masterClrMapping/>
+  </p:clrMapOvr>
+</p:notes>
+</file>
+
+<file path=ppt/notesSlides/notesSlide37.xml><?xml version="1.0" encoding="utf-8"?>
+<p:notes xmlns:a="http://schemas.openxmlformats.org/drawingml/2006/main" xmlns:r="http://schemas.openxmlformats.org/officeDocument/2006/relationships" xmlns:p="http://schemas.openxmlformats.org/presentationml/2006/main">
+  <p:cSld>
+    <p:spTree>
+      <p:nvGrpSpPr>
+        <p:cNvPr id="1" name=""/>
+        <p:cNvGrpSpPr/>
+        <p:nvPr/>
+      </p:nvGrpSpPr>
+      <p:grpSpPr>
+        <a:xfrm>
+          <a:off x="0" y="0"/>
+          <a:ext cx="0" cy="0"/>
+          <a:chOff x="0" y="0"/>
+          <a:chExt cx="0" cy="0"/>
+        </a:xfrm>
+      </p:grpSpPr>
+      <p:sp>
+        <p:nvSpPr>
+          <p:cNvPr id="2" name="Symbol zastępczy obrazu slajdu 1"/>
+          <p:cNvSpPr>
+            <a:spLocks noGrp="1" noRot="1" noChangeAspect="1"/>
+          </p:cNvSpPr>
+          <p:nvPr>
+            <p:ph type="sldImg"/>
+          </p:nvPr>
+        </p:nvSpPr>
+        <p:spPr/>
+      </p:sp>
+      <p:sp>
+        <p:nvSpPr>
+          <p:cNvPr id="3" name="Symbol zastępczy notatek 2"/>
+          <p:cNvSpPr>
+            <a:spLocks noGrp="1"/>
+          </p:cNvSpPr>
+          <p:nvPr>
+            <p:ph type="body" idx="1"/>
+          </p:nvPr>
+        </p:nvSpPr>
+        <p:spPr/>
+        <p:txBody>
+          <a:bodyPr/>
+          <a:lstStyle/>
+          <a:p>
+            <a:endParaRPr lang="pl-PL" dirty="0"/>
+          </a:p>
+        </p:txBody>
+      </p:sp>
+      <p:sp>
+        <p:nvSpPr>
+          <p:cNvPr id="4" name="Symbol zastępczy numeru slajdu 3"/>
+          <p:cNvSpPr>
+            <a:spLocks noGrp="1"/>
+          </p:cNvSpPr>
+          <p:nvPr>
+            <p:ph type="sldNum" sz="quarter" idx="5"/>
+          </p:nvPr>
+        </p:nvSpPr>
+        <p:spPr/>
+        <p:txBody>
+          <a:bodyPr/>
+          <a:lstStyle/>
+          <a:p>
+            <a:fld id="{9FD9646B-16BC-453C-B3BE-7670C5DADA51}" type="slidenum">
+              <a:rPr lang="pl-PL" smtClean="0"/>
+              <a:t>37</a:t>
+            </a:fld>
+            <a:endParaRPr lang="pl-PL"/>
+          </a:p>
+        </p:txBody>
+      </p:sp>
+    </p:spTree>
+    <p:extLst>
+      <p:ext uri="{BB962C8B-B14F-4D97-AF65-F5344CB8AC3E}">
+        <p14:creationId xmlns:p14="http://schemas.microsoft.com/office/powerpoint/2010/main" val="3823684403"/>
+      </p:ext>
+    </p:extLst>
+  </p:cSld>
+  <p:clrMapOvr>
+    <a:masterClrMapping/>
+  </p:clrMapOvr>
+</p:notes>
+</file>
+
+<file path=ppt/notesSlides/notesSlide38.xml><?xml version="1.0" encoding="utf-8"?>
+<p:notes xmlns:a="http://schemas.openxmlformats.org/drawingml/2006/main" xmlns:r="http://schemas.openxmlformats.org/officeDocument/2006/relationships" xmlns:p="http://schemas.openxmlformats.org/presentationml/2006/main">
+  <p:cSld>
+    <p:spTree>
+      <p:nvGrpSpPr>
+        <p:cNvPr id="1" name=""/>
+        <p:cNvGrpSpPr/>
+        <p:nvPr/>
+      </p:nvGrpSpPr>
+      <p:grpSpPr>
+        <a:xfrm>
+          <a:off x="0" y="0"/>
+          <a:ext cx="0" cy="0"/>
+          <a:chOff x="0" y="0"/>
+          <a:chExt cx="0" cy="0"/>
+        </a:xfrm>
+      </p:grpSpPr>
+      <p:sp>
+        <p:nvSpPr>
+          <p:cNvPr id="2" name="Symbol zastępczy obrazu slajdu 1"/>
+          <p:cNvSpPr>
+            <a:spLocks noGrp="1" noRot="1" noChangeAspect="1"/>
+          </p:cNvSpPr>
+          <p:nvPr>
+            <p:ph type="sldImg"/>
+          </p:nvPr>
+        </p:nvSpPr>
+        <p:spPr/>
+      </p:sp>
+      <p:sp>
+        <p:nvSpPr>
+          <p:cNvPr id="3" name="Symbol zastępczy notatek 2"/>
+          <p:cNvSpPr>
+            <a:spLocks noGrp="1"/>
+          </p:cNvSpPr>
+          <p:nvPr>
+            <p:ph type="body" idx="1"/>
+          </p:nvPr>
+        </p:nvSpPr>
+        <p:spPr/>
+        <p:txBody>
+          <a:bodyPr/>
+          <a:lstStyle/>
+          <a:p>
+            <a:endParaRPr lang="pl-PL"/>
+          </a:p>
+        </p:txBody>
+      </p:sp>
+      <p:sp>
+        <p:nvSpPr>
+          <p:cNvPr id="4" name="Symbol zastępczy numeru slajdu 3"/>
+          <p:cNvSpPr>
+            <a:spLocks noGrp="1"/>
+          </p:cNvSpPr>
+          <p:nvPr>
+            <p:ph type="sldNum" sz="quarter" idx="5"/>
+          </p:nvPr>
+        </p:nvSpPr>
+        <p:spPr/>
+        <p:txBody>
+          <a:bodyPr/>
+          <a:lstStyle/>
+          <a:p>
+            <a:fld id="{9FD9646B-16BC-453C-B3BE-7670C5DADA51}" type="slidenum">
+              <a:rPr lang="pl-PL" smtClean="0"/>
+              <a:t>38</a:t>
+            </a:fld>
+            <a:endParaRPr lang="pl-PL"/>
+          </a:p>
+        </p:txBody>
+      </p:sp>
+    </p:spTree>
+    <p:extLst>
+      <p:ext uri="{BB962C8B-B14F-4D97-AF65-F5344CB8AC3E}">
+        <p14:creationId xmlns:p14="http://schemas.microsoft.com/office/powerpoint/2010/main" val="3086036477"/>
+      </p:ext>
+    </p:extLst>
+  </p:cSld>
+  <p:clrMapOvr>
+    <a:masterClrMapping/>
+  </p:clrMapOvr>
+</p:notes>
+</file>
+
+<file path=ppt/notesSlides/notesSlide39.xml><?xml version="1.0" encoding="utf-8"?>
+<p:notes xmlns:a="http://schemas.openxmlformats.org/drawingml/2006/main" xmlns:r="http://schemas.openxmlformats.org/officeDocument/2006/relationships" xmlns:p="http://schemas.openxmlformats.org/presentationml/2006/main">
+  <p:cSld>
+    <p:spTree>
+      <p:nvGrpSpPr>
+        <p:cNvPr id="1" name=""/>
+        <p:cNvGrpSpPr/>
+        <p:nvPr/>
+      </p:nvGrpSpPr>
+      <p:grpSpPr>
+        <a:xfrm>
+          <a:off x="0" y="0"/>
+          <a:ext cx="0" cy="0"/>
+          <a:chOff x="0" y="0"/>
+          <a:chExt cx="0" cy="0"/>
+        </a:xfrm>
+      </p:grpSpPr>
+      <p:sp>
+        <p:nvSpPr>
+          <p:cNvPr id="2" name="Symbol zastępczy obrazu slajdu 1"/>
+          <p:cNvSpPr>
+            <a:spLocks noGrp="1" noRot="1" noChangeAspect="1"/>
+          </p:cNvSpPr>
+          <p:nvPr>
+            <p:ph type="sldImg"/>
+          </p:nvPr>
+        </p:nvSpPr>
+        <p:spPr/>
+      </p:sp>
+      <p:sp>
+        <p:nvSpPr>
+          <p:cNvPr id="3" name="Symbol zastępczy notatek 2"/>
+          <p:cNvSpPr>
+            <a:spLocks noGrp="1"/>
+          </p:cNvSpPr>
+          <p:nvPr>
+            <p:ph type="body" idx="1"/>
+          </p:nvPr>
+        </p:nvSpPr>
+        <p:spPr/>
+        <p:txBody>
+          <a:bodyPr/>
+          <a:lstStyle/>
+          <a:p>
+            <a:endParaRPr lang="pl-PL"/>
+          </a:p>
+        </p:txBody>
+      </p:sp>
+      <p:sp>
+        <p:nvSpPr>
+          <p:cNvPr id="4" name="Symbol zastępczy numeru slajdu 3"/>
+          <p:cNvSpPr>
+            <a:spLocks noGrp="1"/>
+          </p:cNvSpPr>
+          <p:nvPr>
+            <p:ph type="sldNum" sz="quarter" idx="5"/>
+          </p:nvPr>
+        </p:nvSpPr>
+        <p:spPr/>
+        <p:txBody>
+          <a:bodyPr/>
+          <a:lstStyle/>
+          <a:p>
+            <a:fld id="{9FD9646B-16BC-453C-B3BE-7670C5DADA51}" type="slidenum">
+              <a:rPr lang="pl-PL" smtClean="0"/>
+              <a:t>39</a:t>
+            </a:fld>
+            <a:endParaRPr lang="pl-PL"/>
+          </a:p>
+        </p:txBody>
+      </p:sp>
+    </p:spTree>
+    <p:extLst>
+      <p:ext uri="{BB962C8B-B14F-4D97-AF65-F5344CB8AC3E}">
+        <p14:creationId xmlns:p14="http://schemas.microsoft.com/office/powerpoint/2010/main" val="2892517248"/>
       </p:ext>
     </p:extLst>
   </p:cSld>
@@ -1988,7 +3590,7 @@
           <a:bodyPr/>
           <a:lstStyle/>
           <a:p>
-            <a:endParaRPr lang="pl-PL" dirty="0"/>
+            <a:endParaRPr lang="pl-PL"/>
           </a:p>
         </p:txBody>
       </p:sp>
@@ -2009,7 +3611,7 @@
           <a:p>
             <a:fld id="{9FD9646B-16BC-453C-B3BE-7670C5DADA51}" type="slidenum">
               <a:rPr lang="pl-PL" smtClean="0"/>
-              <a:t>17</a:t>
+              <a:t>4</a:t>
             </a:fld>
             <a:endParaRPr lang="pl-PL"/>
           </a:p>
@@ -2018,7 +3620,175 @@
     </p:spTree>
     <p:extLst>
       <p:ext uri="{BB962C8B-B14F-4D97-AF65-F5344CB8AC3E}">
-        <p14:creationId xmlns:p14="http://schemas.microsoft.com/office/powerpoint/2010/main" val="83294788"/>
+        <p14:creationId xmlns:p14="http://schemas.microsoft.com/office/powerpoint/2010/main" val="2928252679"/>
+      </p:ext>
+    </p:extLst>
+  </p:cSld>
+  <p:clrMapOvr>
+    <a:masterClrMapping/>
+  </p:clrMapOvr>
+</p:notes>
+</file>
+
+<file path=ppt/notesSlides/notesSlide40.xml><?xml version="1.0" encoding="utf-8"?>
+<p:notes xmlns:a="http://schemas.openxmlformats.org/drawingml/2006/main" xmlns:r="http://schemas.openxmlformats.org/officeDocument/2006/relationships" xmlns:p="http://schemas.openxmlformats.org/presentationml/2006/main">
+  <p:cSld>
+    <p:spTree>
+      <p:nvGrpSpPr>
+        <p:cNvPr id="1" name=""/>
+        <p:cNvGrpSpPr/>
+        <p:nvPr/>
+      </p:nvGrpSpPr>
+      <p:grpSpPr>
+        <a:xfrm>
+          <a:off x="0" y="0"/>
+          <a:ext cx="0" cy="0"/>
+          <a:chOff x="0" y="0"/>
+          <a:chExt cx="0" cy="0"/>
+        </a:xfrm>
+      </p:grpSpPr>
+      <p:sp>
+        <p:nvSpPr>
+          <p:cNvPr id="2" name="Symbol zastępczy obrazu slajdu 1"/>
+          <p:cNvSpPr>
+            <a:spLocks noGrp="1" noRot="1" noChangeAspect="1"/>
+          </p:cNvSpPr>
+          <p:nvPr>
+            <p:ph type="sldImg"/>
+          </p:nvPr>
+        </p:nvSpPr>
+        <p:spPr/>
+      </p:sp>
+      <p:sp>
+        <p:nvSpPr>
+          <p:cNvPr id="3" name="Symbol zastępczy notatek 2"/>
+          <p:cNvSpPr>
+            <a:spLocks noGrp="1"/>
+          </p:cNvSpPr>
+          <p:nvPr>
+            <p:ph type="body" idx="1"/>
+          </p:nvPr>
+        </p:nvSpPr>
+        <p:spPr/>
+        <p:txBody>
+          <a:bodyPr/>
+          <a:lstStyle/>
+          <a:p>
+            <a:endParaRPr lang="pl-PL"/>
+          </a:p>
+        </p:txBody>
+      </p:sp>
+      <p:sp>
+        <p:nvSpPr>
+          <p:cNvPr id="4" name="Symbol zastępczy numeru slajdu 3"/>
+          <p:cNvSpPr>
+            <a:spLocks noGrp="1"/>
+          </p:cNvSpPr>
+          <p:nvPr>
+            <p:ph type="sldNum" sz="quarter" idx="5"/>
+          </p:nvPr>
+        </p:nvSpPr>
+        <p:spPr/>
+        <p:txBody>
+          <a:bodyPr/>
+          <a:lstStyle/>
+          <a:p>
+            <a:fld id="{9FD9646B-16BC-453C-B3BE-7670C5DADA51}" type="slidenum">
+              <a:rPr lang="pl-PL" smtClean="0"/>
+              <a:t>40</a:t>
+            </a:fld>
+            <a:endParaRPr lang="pl-PL"/>
+          </a:p>
+        </p:txBody>
+      </p:sp>
+    </p:spTree>
+    <p:extLst>
+      <p:ext uri="{BB962C8B-B14F-4D97-AF65-F5344CB8AC3E}">
+        <p14:creationId xmlns:p14="http://schemas.microsoft.com/office/powerpoint/2010/main" val="4148807961"/>
+      </p:ext>
+    </p:extLst>
+  </p:cSld>
+  <p:clrMapOvr>
+    <a:masterClrMapping/>
+  </p:clrMapOvr>
+</p:notes>
+</file>
+
+<file path=ppt/notesSlides/notesSlide41.xml><?xml version="1.0" encoding="utf-8"?>
+<p:notes xmlns:a="http://schemas.openxmlformats.org/drawingml/2006/main" xmlns:r="http://schemas.openxmlformats.org/officeDocument/2006/relationships" xmlns:p="http://schemas.openxmlformats.org/presentationml/2006/main">
+  <p:cSld>
+    <p:spTree>
+      <p:nvGrpSpPr>
+        <p:cNvPr id="1" name=""/>
+        <p:cNvGrpSpPr/>
+        <p:nvPr/>
+      </p:nvGrpSpPr>
+      <p:grpSpPr>
+        <a:xfrm>
+          <a:off x="0" y="0"/>
+          <a:ext cx="0" cy="0"/>
+          <a:chOff x="0" y="0"/>
+          <a:chExt cx="0" cy="0"/>
+        </a:xfrm>
+      </p:grpSpPr>
+      <p:sp>
+        <p:nvSpPr>
+          <p:cNvPr id="2" name="Symbol zastępczy obrazu slajdu 1"/>
+          <p:cNvSpPr>
+            <a:spLocks noGrp="1" noRot="1" noChangeAspect="1"/>
+          </p:cNvSpPr>
+          <p:nvPr>
+            <p:ph type="sldImg"/>
+          </p:nvPr>
+        </p:nvSpPr>
+        <p:spPr/>
+      </p:sp>
+      <p:sp>
+        <p:nvSpPr>
+          <p:cNvPr id="3" name="Symbol zastępczy notatek 2"/>
+          <p:cNvSpPr>
+            <a:spLocks noGrp="1"/>
+          </p:cNvSpPr>
+          <p:nvPr>
+            <p:ph type="body" idx="1"/>
+          </p:nvPr>
+        </p:nvSpPr>
+        <p:spPr/>
+        <p:txBody>
+          <a:bodyPr/>
+          <a:lstStyle/>
+          <a:p>
+            <a:endParaRPr lang="pl-PL"/>
+          </a:p>
+        </p:txBody>
+      </p:sp>
+      <p:sp>
+        <p:nvSpPr>
+          <p:cNvPr id="4" name="Symbol zastępczy numeru slajdu 3"/>
+          <p:cNvSpPr>
+            <a:spLocks noGrp="1"/>
+          </p:cNvSpPr>
+          <p:nvPr>
+            <p:ph type="sldNum" sz="quarter" idx="5"/>
+          </p:nvPr>
+        </p:nvSpPr>
+        <p:spPr/>
+        <p:txBody>
+          <a:bodyPr/>
+          <a:lstStyle/>
+          <a:p>
+            <a:fld id="{9FD9646B-16BC-453C-B3BE-7670C5DADA51}" type="slidenum">
+              <a:rPr lang="pl-PL" smtClean="0"/>
+              <a:t>41</a:t>
+            </a:fld>
+            <a:endParaRPr lang="pl-PL"/>
+          </a:p>
+        </p:txBody>
+      </p:sp>
+    </p:spTree>
+    <p:extLst>
+      <p:ext uri="{BB962C8B-B14F-4D97-AF65-F5344CB8AC3E}">
+        <p14:creationId xmlns:p14="http://schemas.microsoft.com/office/powerpoint/2010/main" val="618332344"/>
       </p:ext>
     </p:extLst>
   </p:cSld>
@@ -2072,7 +3842,7 @@
           <a:bodyPr/>
           <a:lstStyle/>
           <a:p>
-            <a:endParaRPr lang="pl-PL" dirty="0"/>
+            <a:endParaRPr lang="pl-PL"/>
           </a:p>
         </p:txBody>
       </p:sp>
@@ -2093,7 +3863,7 @@
           <a:p>
             <a:fld id="{9FD9646B-16BC-453C-B3BE-7670C5DADA51}" type="slidenum">
               <a:rPr lang="pl-PL" smtClean="0"/>
-              <a:t>18</a:t>
+              <a:t>5</a:t>
             </a:fld>
             <a:endParaRPr lang="pl-PL"/>
           </a:p>
@@ -2102,7 +3872,7 @@
     </p:spTree>
     <p:extLst>
       <p:ext uri="{BB962C8B-B14F-4D97-AF65-F5344CB8AC3E}">
-        <p14:creationId xmlns:p14="http://schemas.microsoft.com/office/powerpoint/2010/main" val="259424980"/>
+        <p14:creationId xmlns:p14="http://schemas.microsoft.com/office/powerpoint/2010/main" val="3867332762"/>
       </p:ext>
     </p:extLst>
   </p:cSld>
@@ -2156,18 +3926,7 @@
           <a:bodyPr/>
           <a:lstStyle/>
           <a:p>
-            <a:r>
-              <a:rPr lang="pl-PL" dirty="0"/>
-              <a:t>Strona koła również stoi na </a:t>
-            </a:r>
-            <a:r>
-              <a:rPr lang="pl-PL" dirty="0" err="1"/>
-              <a:t>WordPressie</a:t>
-            </a:r>
-            <a:r>
-              <a:rPr lang="pl-PL" dirty="0"/>
-              <a:t> :)</a:t>
-            </a:r>
+            <a:endParaRPr lang="pl-PL"/>
           </a:p>
         </p:txBody>
       </p:sp>
@@ -2188,7 +3947,7 @@
           <a:p>
             <a:fld id="{9FD9646B-16BC-453C-B3BE-7670C5DADA51}" type="slidenum">
               <a:rPr lang="pl-PL" smtClean="0"/>
-              <a:t>21</a:t>
+              <a:t>6</a:t>
             </a:fld>
             <a:endParaRPr lang="pl-PL"/>
           </a:p>
@@ -2197,7 +3956,7 @@
     </p:spTree>
     <p:extLst>
       <p:ext uri="{BB962C8B-B14F-4D97-AF65-F5344CB8AC3E}">
-        <p14:creationId xmlns:p14="http://schemas.microsoft.com/office/powerpoint/2010/main" val="1061287048"/>
+        <p14:creationId xmlns:p14="http://schemas.microsoft.com/office/powerpoint/2010/main" val="674365669"/>
       </p:ext>
     </p:extLst>
   </p:cSld>
@@ -2251,13 +4010,7 @@
           <a:bodyPr/>
           <a:lstStyle/>
           <a:p>
-            <a:r>
-              <a:rPr lang="pl-PL" dirty="0">
-                <a:hlinkClick r:id="rId3"/>
-              </a:rPr>
-              <a:t>https://codex.wordpress.org/Installing_WordPress#Famous_5-Minute_Installation</a:t>
-            </a:r>
-            <a:endParaRPr lang="pl-PL" dirty="0"/>
+            <a:endParaRPr lang="pl-PL"/>
           </a:p>
         </p:txBody>
       </p:sp>
@@ -2278,7 +4031,7 @@
           <a:p>
             <a:fld id="{9FD9646B-16BC-453C-B3BE-7670C5DADA51}" type="slidenum">
               <a:rPr lang="pl-PL" smtClean="0"/>
-              <a:t>22</a:t>
+              <a:t>7</a:t>
             </a:fld>
             <a:endParaRPr lang="pl-PL"/>
           </a:p>
@@ -2287,7 +4040,7 @@
     </p:spTree>
     <p:extLst>
       <p:ext uri="{BB962C8B-B14F-4D97-AF65-F5344CB8AC3E}">
-        <p14:creationId xmlns:p14="http://schemas.microsoft.com/office/powerpoint/2010/main" val="2672165037"/>
+        <p14:creationId xmlns:p14="http://schemas.microsoft.com/office/powerpoint/2010/main" val="138412315"/>
       </p:ext>
     </p:extLst>
   </p:cSld>
@@ -2341,7 +4094,7 @@
           <a:bodyPr/>
           <a:lstStyle/>
           <a:p>
-            <a:endParaRPr lang="pl-PL" dirty="0"/>
+            <a:endParaRPr lang="pl-PL"/>
           </a:p>
         </p:txBody>
       </p:sp>
@@ -2362,7 +4115,7 @@
           <a:p>
             <a:fld id="{9FD9646B-16BC-453C-B3BE-7670C5DADA51}" type="slidenum">
               <a:rPr lang="pl-PL" smtClean="0"/>
-              <a:t>23</a:t>
+              <a:t>8</a:t>
             </a:fld>
             <a:endParaRPr lang="pl-PL"/>
           </a:p>
@@ -2371,7 +4124,7 @@
     </p:spTree>
     <p:extLst>
       <p:ext uri="{BB962C8B-B14F-4D97-AF65-F5344CB8AC3E}">
-        <p14:creationId xmlns:p14="http://schemas.microsoft.com/office/powerpoint/2010/main" val="3930394726"/>
+        <p14:creationId xmlns:p14="http://schemas.microsoft.com/office/powerpoint/2010/main" val="3570078175"/>
       </p:ext>
     </p:extLst>
   </p:cSld>
@@ -2425,7 +4178,7 @@
           <a:bodyPr/>
           <a:lstStyle/>
           <a:p>
-            <a:endParaRPr lang="pl-PL" dirty="0"/>
+            <a:endParaRPr lang="pl-PL"/>
           </a:p>
         </p:txBody>
       </p:sp>
@@ -2446,7 +4199,7 @@
           <a:p>
             <a:fld id="{9FD9646B-16BC-453C-B3BE-7670C5DADA51}" type="slidenum">
               <a:rPr lang="pl-PL" smtClean="0"/>
-              <a:t>24</a:t>
+              <a:t>9</a:t>
             </a:fld>
             <a:endParaRPr lang="pl-PL"/>
           </a:p>
@@ -2455,7 +4208,7 @@
     </p:spTree>
     <p:extLst>
       <p:ext uri="{BB962C8B-B14F-4D97-AF65-F5344CB8AC3E}">
-        <p14:creationId xmlns:p14="http://schemas.microsoft.com/office/powerpoint/2010/main" val="4270250281"/>
+        <p14:creationId xmlns:p14="http://schemas.microsoft.com/office/powerpoint/2010/main" val="37213687"/>
       </p:ext>
     </p:extLst>
   </p:cSld>
@@ -2800,7 +4553,7 @@
           <a:p>
             <a:fld id="{0641DAF7-491F-4B83-BA3D-42A4DA5FFC46}" type="datetime1">
               <a:rPr lang="pl-PL" smtClean="0"/>
-              <a:t>25.03.2019</a:t>
+              <a:t>20.05.2019</a:t>
             </a:fld>
             <a:endParaRPr lang="pl-PL" dirty="0"/>
           </a:p>
@@ -5866,7 +7619,7 @@
           <a:p>
             <a:fld id="{DC987E80-0342-4C76-8C75-B8FFFA274816}" type="datetime1">
               <a:rPr lang="pl-PL" smtClean="0"/>
-              <a:t>25.03.2019</a:t>
+              <a:t>20.05.2019</a:t>
             </a:fld>
             <a:endParaRPr lang="pl-PL" dirty="0"/>
           </a:p>
@@ -5946,10 +7699,10 @@
       </p:grpSpPr>
       <p:sp>
         <p:nvSpPr>
-          <p:cNvPr id="4" name="Symbol zastępczy numeru slajdu 3">
+          <p:cNvPr id="2" name="Symbol zastępczy numeru slajdu 1">
             <a:extLst>
               <a:ext uri="{FF2B5EF4-FFF2-40B4-BE49-F238E27FC236}">
-                <a16:creationId xmlns:a16="http://schemas.microsoft.com/office/drawing/2014/main" id="{1E6922F2-10AF-4AAB-ABC7-F5ABE3B3C556}"/>
+                <a16:creationId xmlns:a16="http://schemas.microsoft.com/office/drawing/2014/main" id="{19382AB6-C85A-49DE-B527-1753AA0DE07F}"/>
               </a:ext>
             </a:extLst>
           </p:cNvPr>
@@ -5973,44 +7726,57 @@
           </a:p>
         </p:txBody>
       </p:sp>
-      <p:sp>
-        <p:nvSpPr>
-          <p:cNvPr id="5" name="Tytuł 4">
+      <p:pic>
+        <p:nvPicPr>
+          <p:cNvPr id="5" name="Obraz 4">
+            <a:hlinkClick r:id="rId3"/>
             <a:extLst>
               <a:ext uri="{FF2B5EF4-FFF2-40B4-BE49-F238E27FC236}">
-                <a16:creationId xmlns:a16="http://schemas.microsoft.com/office/drawing/2014/main" id="{FAD754A7-92E4-485D-B9F1-6FD5F6AB0250}"/>
+                <a16:creationId xmlns:a16="http://schemas.microsoft.com/office/drawing/2014/main" id="{9E5352E7-4BE7-41AB-889E-2958CB289E55}"/>
               </a:ext>
             </a:extLst>
           </p:cNvPr>
-          <p:cNvSpPr>
-            <a:spLocks noGrp="1"/>
-          </p:cNvSpPr>
-          <p:nvPr>
-            <p:ph type="title"/>
-          </p:nvPr>
-        </p:nvSpPr>
+          <p:cNvPicPr>
+            <a:picLocks noChangeAspect="1"/>
+          </p:cNvPicPr>
+          <p:nvPr/>
+        </p:nvPicPr>
+        <p:blipFill>
+          <a:blip r:embed="rId4">
+            <a:clrChange>
+              <a:clrFrom>
+                <a:srgbClr val="FFFFFF"/>
+              </a:clrFrom>
+              <a:clrTo>
+                <a:srgbClr val="FFFFFF">
+                  <a:alpha val="0"/>
+                </a:srgbClr>
+              </a:clrTo>
+            </a:clrChange>
+            <a:extLst>
+              <a:ext uri="{28A0092B-C50C-407E-A947-70E740481C1C}">
+                <a14:useLocalDpi xmlns:a14="http://schemas.microsoft.com/office/drawing/2010/main" val="0"/>
+              </a:ext>
+            </a:extLst>
+          </a:blip>
+          <a:stretch>
+            <a:fillRect/>
+          </a:stretch>
+        </p:blipFill>
         <p:spPr>
           <a:xfrm>
-            <a:off x="845127" y="2766219"/>
-            <a:ext cx="10515600" cy="1325562"/>
+            <a:off x="3810000" y="1143000"/>
+            <a:ext cx="4572000" cy="4572000"/>
           </a:xfrm>
+          <a:prstGeom prst="rect">
+            <a:avLst/>
+          </a:prstGeom>
         </p:spPr>
-        <p:txBody>
-          <a:bodyPr/>
-          <a:lstStyle/>
-          <a:p>
-            <a:pPr algn="ctr"/>
-            <a:r>
-              <a:rPr lang="pl-PL" dirty="0"/>
-              <a:t>Chmura = cudze komputery, z których możemy korzystać</a:t>
-            </a:r>
-          </a:p>
-        </p:txBody>
-      </p:sp>
+      </p:pic>
     </p:spTree>
     <p:extLst>
       <p:ext uri="{BB962C8B-B14F-4D97-AF65-F5344CB8AC3E}">
-        <p14:creationId xmlns:p14="http://schemas.microsoft.com/office/powerpoint/2010/main" val="1807878889"/>
+        <p14:creationId xmlns:p14="http://schemas.microsoft.com/office/powerpoint/2010/main" val="4267490427"/>
       </p:ext>
     </p:extLst>
   </p:cSld>
@@ -6106,11 +7872,8 @@
           <a:p>
             <a:pPr algn="ctr"/>
             <a:r>
-              <a:rPr lang="pl-PL" dirty="0">
-                <a:latin typeface="Segoe UI Semibold" panose="020B0702040204020203" pitchFamily="34" charset="0"/>
-                <a:cs typeface="Segoe UI Semibold" panose="020B0702040204020203" pitchFamily="34" charset="0"/>
-              </a:rPr>
-              <a:t>Jak z niej korzystać?</a:t>
+              <a:rPr lang="pl-PL" dirty="0"/>
+              <a:t>Chmura = cudze komputery, z których możemy korzystać</a:t>
             </a:r>
           </a:p>
         </p:txBody>
@@ -6118,7 +7881,7 @@
     </p:spTree>
     <p:extLst>
       <p:ext uri="{BB962C8B-B14F-4D97-AF65-F5344CB8AC3E}">
-        <p14:creationId xmlns:p14="http://schemas.microsoft.com/office/powerpoint/2010/main" val="2766890462"/>
+        <p14:creationId xmlns:p14="http://schemas.microsoft.com/office/powerpoint/2010/main" val="1807878889"/>
       </p:ext>
     </p:extLst>
   </p:cSld>
@@ -6181,6 +7944,114 @@
             <a:fld id="{6AF42C4F-01CF-4077-8471-FA2F2731172D}" type="slidenum">
               <a:rPr lang="pl-PL" smtClean="0"/>
               <a:t>12</a:t>
+            </a:fld>
+            <a:endParaRPr lang="pl-PL" dirty="0"/>
+          </a:p>
+        </p:txBody>
+      </p:sp>
+      <p:sp>
+        <p:nvSpPr>
+          <p:cNvPr id="5" name="Tytuł 4">
+            <a:extLst>
+              <a:ext uri="{FF2B5EF4-FFF2-40B4-BE49-F238E27FC236}">
+                <a16:creationId xmlns:a16="http://schemas.microsoft.com/office/drawing/2014/main" id="{FAD754A7-92E4-485D-B9F1-6FD5F6AB0250}"/>
+              </a:ext>
+            </a:extLst>
+          </p:cNvPr>
+          <p:cNvSpPr>
+            <a:spLocks noGrp="1"/>
+          </p:cNvSpPr>
+          <p:nvPr>
+            <p:ph type="title"/>
+          </p:nvPr>
+        </p:nvSpPr>
+        <p:spPr>
+          <a:xfrm>
+            <a:off x="845127" y="2766219"/>
+            <a:ext cx="10515600" cy="1325562"/>
+          </a:xfrm>
+        </p:spPr>
+        <p:txBody>
+          <a:bodyPr/>
+          <a:lstStyle/>
+          <a:p>
+            <a:pPr algn="ctr"/>
+            <a:r>
+              <a:rPr lang="pl-PL" dirty="0">
+                <a:latin typeface="Segoe UI Semibold" panose="020B0702040204020203" pitchFamily="34" charset="0"/>
+                <a:cs typeface="Segoe UI Semibold" panose="020B0702040204020203" pitchFamily="34" charset="0"/>
+              </a:rPr>
+              <a:t>Jak z niej korzystać?</a:t>
+            </a:r>
+          </a:p>
+        </p:txBody>
+      </p:sp>
+    </p:spTree>
+    <p:extLst>
+      <p:ext uri="{BB962C8B-B14F-4D97-AF65-F5344CB8AC3E}">
+        <p14:creationId xmlns:p14="http://schemas.microsoft.com/office/powerpoint/2010/main" val="2766890462"/>
+      </p:ext>
+    </p:extLst>
+  </p:cSld>
+  <p:clrMapOvr>
+    <a:masterClrMapping/>
+  </p:clrMapOvr>
+  <mc:AlternateContent xmlns:mc="http://schemas.openxmlformats.org/markup-compatibility/2006" xmlns:p14="http://schemas.microsoft.com/office/powerpoint/2010/main">
+    <mc:Choice Requires="p14">
+      <p:transition spd="med" p14:dur="700">
+        <p:fade/>
+      </p:transition>
+    </mc:Choice>
+    <mc:Fallback xmlns="">
+      <p:transition spd="med">
+        <p:fade/>
+      </p:transition>
+    </mc:Fallback>
+  </mc:AlternateContent>
+</p:sld>
+</file>
+
+<file path=ppt/slides/slide13.xml><?xml version="1.0" encoding="utf-8"?>
+<p:sld xmlns:a="http://schemas.openxmlformats.org/drawingml/2006/main" xmlns:r="http://schemas.openxmlformats.org/officeDocument/2006/relationships" xmlns:p="http://schemas.openxmlformats.org/presentationml/2006/main">
+  <p:cSld>
+    <p:spTree>
+      <p:nvGrpSpPr>
+        <p:cNvPr id="1" name=""/>
+        <p:cNvGrpSpPr/>
+        <p:nvPr/>
+      </p:nvGrpSpPr>
+      <p:grpSpPr>
+        <a:xfrm>
+          <a:off x="0" y="0"/>
+          <a:ext cx="0" cy="0"/>
+          <a:chOff x="0" y="0"/>
+          <a:chExt cx="0" cy="0"/>
+        </a:xfrm>
+      </p:grpSpPr>
+      <p:sp>
+        <p:nvSpPr>
+          <p:cNvPr id="4" name="Symbol zastępczy numeru slajdu 3">
+            <a:extLst>
+              <a:ext uri="{FF2B5EF4-FFF2-40B4-BE49-F238E27FC236}">
+                <a16:creationId xmlns:a16="http://schemas.microsoft.com/office/drawing/2014/main" id="{1E6922F2-10AF-4AAB-ABC7-F5ABE3B3C556}"/>
+              </a:ext>
+            </a:extLst>
+          </p:cNvPr>
+          <p:cNvSpPr>
+            <a:spLocks noGrp="1"/>
+          </p:cNvSpPr>
+          <p:nvPr>
+            <p:ph type="sldNum" sz="quarter" idx="12"/>
+          </p:nvPr>
+        </p:nvSpPr>
+        <p:spPr/>
+        <p:txBody>
+          <a:bodyPr/>
+          <a:lstStyle/>
+          <a:p>
+            <a:fld id="{6AF42C4F-01CF-4077-8471-FA2F2731172D}" type="slidenum">
+              <a:rPr lang="pl-PL" smtClean="0"/>
+              <a:t>13</a:t>
             </a:fld>
             <a:endParaRPr lang="pl-PL" dirty="0"/>
           </a:p>
@@ -7017,7 +8888,7 @@
 </p:sld>
 </file>
 
-<file path=ppt/slides/slide13.xml><?xml version="1.0" encoding="utf-8"?>
+<file path=ppt/slides/slide14.xml><?xml version="1.0" encoding="utf-8"?>
 <p:sld xmlns:a="http://schemas.openxmlformats.org/drawingml/2006/main" xmlns:r="http://schemas.openxmlformats.org/officeDocument/2006/relationships" xmlns:p="http://schemas.openxmlformats.org/presentationml/2006/main">
   <p:cSld>
     <p:spTree>
@@ -7057,7 +8928,7 @@
           <a:p>
             <a:fld id="{6AF42C4F-01CF-4077-8471-FA2F2731172D}" type="slidenum">
               <a:rPr lang="pl-PL" smtClean="0"/>
-              <a:t>13</a:t>
+              <a:t>14</a:t>
             </a:fld>
             <a:endParaRPr lang="pl-PL" dirty="0"/>
           </a:p>
@@ -7125,7 +8996,7 @@
 </p:sld>
 </file>
 
-<file path=ppt/slides/slide14.xml><?xml version="1.0" encoding="utf-8"?>
+<file path=ppt/slides/slide15.xml><?xml version="1.0" encoding="utf-8"?>
 <p:sld xmlns:a="http://schemas.openxmlformats.org/drawingml/2006/main" xmlns:r="http://schemas.openxmlformats.org/officeDocument/2006/relationships" xmlns:p="http://schemas.openxmlformats.org/presentationml/2006/main">
   <p:cSld>
     <p:spTree>
@@ -7276,7 +9147,7 @@
           <a:p>
             <a:fld id="{6AF42C4F-01CF-4077-8471-FA2F2731172D}" type="slidenum">
               <a:rPr lang="pl-PL" smtClean="0"/>
-              <a:t>14</a:t>
+              <a:t>15</a:t>
             </a:fld>
             <a:endParaRPr lang="pl-PL" dirty="0"/>
           </a:p>
@@ -7520,7 +9391,7 @@
 </p:sld>
 </file>
 
-<file path=ppt/slides/slide15.xml><?xml version="1.0" encoding="utf-8"?>
+<file path=ppt/slides/slide16.xml><?xml version="1.0" encoding="utf-8"?>
 <p:sld xmlns:a="http://schemas.openxmlformats.org/drawingml/2006/main" xmlns:r="http://schemas.openxmlformats.org/officeDocument/2006/relationships" xmlns:p="http://schemas.openxmlformats.org/presentationml/2006/main">
   <p:cSld>
     <p:spTree>
@@ -7560,7 +9431,7 @@
           <a:p>
             <a:fld id="{6AF42C4F-01CF-4077-8471-FA2F2731172D}" type="slidenum">
               <a:rPr lang="pl-PL" smtClean="0"/>
-              <a:t>15</a:t>
+              <a:t>16</a:t>
             </a:fld>
             <a:endParaRPr lang="pl-PL" dirty="0"/>
           </a:p>
@@ -7644,7 +9515,7 @@
 </p:sld>
 </file>
 
-<file path=ppt/slides/slide16.xml><?xml version="1.0" encoding="utf-8"?>
+<file path=ppt/slides/slide17.xml><?xml version="1.0" encoding="utf-8"?>
 <p:sld xmlns:a="http://schemas.openxmlformats.org/drawingml/2006/main" xmlns:r="http://schemas.openxmlformats.org/officeDocument/2006/relationships" xmlns:p="http://schemas.openxmlformats.org/presentationml/2006/main">
   <p:cSld>
     <p:spTree>
@@ -7875,7 +9746,7 @@
           <a:p>
             <a:fld id="{6AF42C4F-01CF-4077-8471-FA2F2731172D}" type="slidenum">
               <a:rPr lang="pl-PL" smtClean="0"/>
-              <a:t>16</a:t>
+              <a:t>17</a:t>
             </a:fld>
             <a:endParaRPr lang="pl-PL" dirty="0"/>
           </a:p>
@@ -8485,7 +10356,7 @@
 </p:sld>
 </file>
 
-<file path=ppt/slides/slide17.xml><?xml version="1.0" encoding="utf-8"?>
+<file path=ppt/slides/slide18.xml><?xml version="1.0" encoding="utf-8"?>
 <p:sld xmlns:a="http://schemas.openxmlformats.org/drawingml/2006/main" xmlns:r="http://schemas.openxmlformats.org/officeDocument/2006/relationships" xmlns:p="http://schemas.openxmlformats.org/presentationml/2006/main">
   <p:cSld>
     <p:spTree>
@@ -8525,7 +10396,7 @@
           <a:p>
             <a:fld id="{6AF42C4F-01CF-4077-8471-FA2F2731172D}" type="slidenum">
               <a:rPr lang="pl-PL" smtClean="0"/>
-              <a:t>17</a:t>
+              <a:t>18</a:t>
             </a:fld>
             <a:endParaRPr lang="pl-PL" dirty="0"/>
           </a:p>
@@ -8591,370 +10462,6 @@
 </p:sld>
 </file>
 
-<file path=ppt/slides/slide18.xml><?xml version="1.0" encoding="utf-8"?>
-<p:sld xmlns:a="http://schemas.openxmlformats.org/drawingml/2006/main" xmlns:r="http://schemas.openxmlformats.org/officeDocument/2006/relationships" xmlns:p="http://schemas.openxmlformats.org/presentationml/2006/main">
-  <p:cSld>
-    <p:spTree>
-      <p:nvGrpSpPr>
-        <p:cNvPr id="1" name=""/>
-        <p:cNvGrpSpPr/>
-        <p:nvPr/>
-      </p:nvGrpSpPr>
-      <p:grpSpPr>
-        <a:xfrm>
-          <a:off x="0" y="0"/>
-          <a:ext cx="0" cy="0"/>
-          <a:chOff x="0" y="0"/>
-          <a:chExt cx="0" cy="0"/>
-        </a:xfrm>
-      </p:grpSpPr>
-      <p:sp>
-        <p:nvSpPr>
-          <p:cNvPr id="2" name="Symbol zastępczy zawartości 1">
-            <a:extLst>
-              <a:ext uri="{FF2B5EF4-FFF2-40B4-BE49-F238E27FC236}">
-                <a16:creationId xmlns:a16="http://schemas.microsoft.com/office/drawing/2014/main" id="{91EEF614-DE6F-4790-997A-1BC7DA45E57B}"/>
-              </a:ext>
-            </a:extLst>
-          </p:cNvPr>
-          <p:cNvSpPr>
-            <a:spLocks noGrp="1"/>
-          </p:cNvSpPr>
-          <p:nvPr>
-            <p:ph idx="1"/>
-          </p:nvPr>
-        </p:nvSpPr>
-        <p:spPr>
-          <a:xfrm>
-            <a:off x="845127" y="533400"/>
-            <a:ext cx="10515600" cy="5512293"/>
-          </a:xfrm>
-        </p:spPr>
-        <p:txBody>
-          <a:bodyPr>
-            <a:normAutofit/>
-          </a:bodyPr>
-          <a:lstStyle/>
-          <a:p>
-            <a:pPr marL="0" indent="0">
-              <a:buNone/>
-            </a:pPr>
-            <a:r>
-              <a:rPr lang="pl-PL" dirty="0">
-                <a:solidFill>
-                  <a:schemeClr val="bg1">
-                    <a:lumMod val="85000"/>
-                  </a:schemeClr>
-                </a:solidFill>
-              </a:rPr>
-              <a:t>Maszyny wirtualne (Windows &amp; </a:t>
-            </a:r>
-            <a:r>
-              <a:rPr lang="pl-PL" dirty="0" err="1">
-                <a:solidFill>
-                  <a:schemeClr val="bg1">
-                    <a:lumMod val="85000"/>
-                  </a:schemeClr>
-                </a:solidFill>
-              </a:rPr>
-              <a:t>Ubuntu</a:t>
-            </a:r>
-            <a:r>
-              <a:rPr lang="pl-PL" dirty="0">
-                <a:solidFill>
-                  <a:schemeClr val="bg1">
-                    <a:lumMod val="85000"/>
-                  </a:schemeClr>
-                </a:solidFill>
-              </a:rPr>
-              <a:t>)</a:t>
-            </a:r>
-          </a:p>
-          <a:p>
-            <a:pPr marL="0" indent="0">
-              <a:buNone/>
-            </a:pPr>
-            <a:r>
-              <a:rPr lang="pl-PL" b="1" dirty="0"/>
-              <a:t>Aplikacje webowe (Web </a:t>
-            </a:r>
-            <a:r>
-              <a:rPr lang="pl-PL" b="1" dirty="0" err="1"/>
-              <a:t>App</a:t>
-            </a:r>
-            <a:r>
-              <a:rPr lang="pl-PL" b="1" dirty="0"/>
-              <a:t>)</a:t>
-            </a:r>
-          </a:p>
-          <a:p>
-            <a:pPr marL="0" indent="0">
-              <a:buNone/>
-            </a:pPr>
-            <a:r>
-              <a:rPr lang="pl-PL" dirty="0">
-                <a:solidFill>
-                  <a:schemeClr val="bg1">
-                    <a:lumMod val="85000"/>
-                  </a:schemeClr>
-                </a:solidFill>
-              </a:rPr>
-              <a:t>Bazy danych (SQL &amp; </a:t>
-            </a:r>
-            <a:r>
-              <a:rPr lang="pl-PL" dirty="0" err="1">
-                <a:solidFill>
-                  <a:schemeClr val="bg1">
-                    <a:lumMod val="85000"/>
-                  </a:schemeClr>
-                </a:solidFill>
-              </a:rPr>
-              <a:t>NoSQL</a:t>
-            </a:r>
-            <a:r>
-              <a:rPr lang="pl-PL" dirty="0">
-                <a:solidFill>
-                  <a:schemeClr val="bg1">
-                    <a:lumMod val="85000"/>
-                  </a:schemeClr>
-                </a:solidFill>
-              </a:rPr>
-              <a:t>)</a:t>
-            </a:r>
-          </a:p>
-          <a:p>
-            <a:pPr marL="0" indent="0">
-              <a:buNone/>
-            </a:pPr>
-            <a:r>
-              <a:rPr lang="pl-PL" b="1" dirty="0"/>
-              <a:t>Usługi kognitywne (</a:t>
-            </a:r>
-            <a:r>
-              <a:rPr lang="pl-PL" b="1" dirty="0" err="1"/>
-              <a:t>Cognitive</a:t>
-            </a:r>
-            <a:r>
-              <a:rPr lang="pl-PL" b="1" dirty="0"/>
-              <a:t> Services)</a:t>
-            </a:r>
-          </a:p>
-          <a:p>
-            <a:pPr marL="0" indent="0">
-              <a:buNone/>
-            </a:pPr>
-            <a:r>
-              <a:rPr lang="pl-PL" dirty="0">
-                <a:solidFill>
-                  <a:schemeClr val="bg1">
-                    <a:lumMod val="85000"/>
-                  </a:schemeClr>
-                </a:solidFill>
-              </a:rPr>
-              <a:t>Machine Learning Studio</a:t>
-            </a:r>
-          </a:p>
-          <a:p>
-            <a:pPr marL="0" indent="0">
-              <a:buNone/>
-            </a:pPr>
-            <a:r>
-              <a:rPr lang="pl-PL" b="1" dirty="0"/>
-              <a:t>Usługi </a:t>
-            </a:r>
-            <a:r>
-              <a:rPr lang="pl-PL" b="1" dirty="0" err="1"/>
-              <a:t>serverless</a:t>
-            </a:r>
-            <a:r>
-              <a:rPr lang="pl-PL" b="1" dirty="0"/>
-              <a:t> (</a:t>
-            </a:r>
-            <a:r>
-              <a:rPr lang="pl-PL" b="1" dirty="0" err="1"/>
-              <a:t>Azure</a:t>
-            </a:r>
-            <a:r>
-              <a:rPr lang="pl-PL" b="1" dirty="0"/>
-              <a:t> </a:t>
-            </a:r>
-            <a:r>
-              <a:rPr lang="pl-PL" b="1" dirty="0" err="1"/>
-              <a:t>Functions</a:t>
-            </a:r>
-            <a:r>
-              <a:rPr lang="pl-PL" b="1" dirty="0"/>
-              <a:t>)</a:t>
-            </a:r>
-          </a:p>
-          <a:p>
-            <a:pPr marL="0" indent="0">
-              <a:buNone/>
-            </a:pPr>
-            <a:r>
-              <a:rPr lang="pl-PL" dirty="0">
-                <a:solidFill>
-                  <a:schemeClr val="bg1">
-                    <a:lumMod val="85000"/>
-                  </a:schemeClr>
-                </a:solidFill>
-              </a:rPr>
-              <a:t>Ciągła Integracja &amp; Ciągłe Dostarczanie </a:t>
-            </a:r>
-            <a:r>
-              <a:rPr lang="pl-PL" sz="2000" dirty="0">
-                <a:solidFill>
-                  <a:schemeClr val="bg1">
-                    <a:lumMod val="85000"/>
-                  </a:schemeClr>
-                </a:solidFill>
-              </a:rPr>
-              <a:t>(</a:t>
-            </a:r>
-            <a:r>
-              <a:rPr lang="pl-PL" sz="2000" dirty="0" err="1">
-                <a:solidFill>
-                  <a:schemeClr val="bg1">
-                    <a:lumMod val="85000"/>
-                  </a:schemeClr>
-                </a:solidFill>
-              </a:rPr>
-              <a:t>Cont</a:t>
-            </a:r>
-            <a:r>
-              <a:rPr lang="pl-PL" sz="2000" dirty="0">
-                <a:solidFill>
-                  <a:schemeClr val="bg1">
-                    <a:lumMod val="85000"/>
-                  </a:schemeClr>
-                </a:solidFill>
-              </a:rPr>
-              <a:t>. Integration &amp; </a:t>
-            </a:r>
-            <a:r>
-              <a:rPr lang="pl-PL" sz="2000" dirty="0" err="1">
-                <a:solidFill>
-                  <a:schemeClr val="bg1">
-                    <a:lumMod val="85000"/>
-                  </a:schemeClr>
-                </a:solidFill>
-              </a:rPr>
-              <a:t>Cont</a:t>
-            </a:r>
-            <a:r>
-              <a:rPr lang="pl-PL" sz="2000" dirty="0">
-                <a:solidFill>
-                  <a:schemeClr val="bg1">
-                    <a:lumMod val="85000"/>
-                  </a:schemeClr>
-                </a:solidFill>
-              </a:rPr>
-              <a:t>. Delivery)</a:t>
-            </a:r>
-          </a:p>
-          <a:p>
-            <a:pPr marL="0" indent="0">
-              <a:buNone/>
-            </a:pPr>
-            <a:r>
-              <a:rPr lang="pl-PL" dirty="0">
-                <a:solidFill>
-                  <a:schemeClr val="bg1">
-                    <a:lumMod val="85000"/>
-                  </a:schemeClr>
-                </a:solidFill>
-              </a:rPr>
-              <a:t>Usługi związane z </a:t>
-            </a:r>
-            <a:r>
-              <a:rPr lang="pl-PL" dirty="0" err="1">
-                <a:solidFill>
-                  <a:schemeClr val="bg1">
-                    <a:lumMod val="85000"/>
-                  </a:schemeClr>
-                </a:solidFill>
-              </a:rPr>
-              <a:t>IoT</a:t>
-            </a:r>
-            <a:endParaRPr lang="pl-PL" dirty="0">
-              <a:solidFill>
-                <a:schemeClr val="bg1">
-                  <a:lumMod val="85000"/>
-                </a:schemeClr>
-              </a:solidFill>
-            </a:endParaRPr>
-          </a:p>
-          <a:p>
-            <a:pPr marL="0" indent="0">
-              <a:buNone/>
-            </a:pPr>
-            <a:r>
-              <a:rPr lang="pl-PL" dirty="0">
-                <a:solidFill>
-                  <a:schemeClr val="bg1">
-                    <a:lumMod val="85000"/>
-                  </a:schemeClr>
-                </a:solidFill>
-              </a:rPr>
-              <a:t>... i inne</a:t>
-            </a:r>
-          </a:p>
-        </p:txBody>
-      </p:sp>
-      <p:sp>
-        <p:nvSpPr>
-          <p:cNvPr id="4" name="Symbol zastępczy numeru slajdu 3">
-            <a:extLst>
-              <a:ext uri="{FF2B5EF4-FFF2-40B4-BE49-F238E27FC236}">
-                <a16:creationId xmlns:a16="http://schemas.microsoft.com/office/drawing/2014/main" id="{1E6922F2-10AF-4AAB-ABC7-F5ABE3B3C556}"/>
-              </a:ext>
-            </a:extLst>
-          </p:cNvPr>
-          <p:cNvSpPr>
-            <a:spLocks noGrp="1"/>
-          </p:cNvSpPr>
-          <p:nvPr>
-            <p:ph type="sldNum" sz="quarter" idx="12"/>
-          </p:nvPr>
-        </p:nvSpPr>
-        <p:spPr/>
-        <p:txBody>
-          <a:bodyPr/>
-          <a:lstStyle/>
-          <a:p>
-            <a:fld id="{6AF42C4F-01CF-4077-8471-FA2F2731172D}" type="slidenum">
-              <a:rPr lang="pl-PL" smtClean="0"/>
-              <a:t>18</a:t>
-            </a:fld>
-            <a:endParaRPr lang="pl-PL" dirty="0"/>
-          </a:p>
-        </p:txBody>
-      </p:sp>
-    </p:spTree>
-    <p:extLst>
-      <p:ext uri="{BB962C8B-B14F-4D97-AF65-F5344CB8AC3E}">
-        <p14:creationId xmlns:p14="http://schemas.microsoft.com/office/powerpoint/2010/main" val="672030067"/>
-      </p:ext>
-    </p:extLst>
-  </p:cSld>
-  <p:clrMapOvr>
-    <a:masterClrMapping/>
-  </p:clrMapOvr>
-  <mc:AlternateContent xmlns:mc="http://schemas.openxmlformats.org/markup-compatibility/2006" xmlns:p14="http://schemas.microsoft.com/office/powerpoint/2010/main">
-    <mc:Choice Requires="p14">
-      <p:transition spd="med" p14:dur="700">
-        <p:fade/>
-      </p:transition>
-    </mc:Choice>
-    <mc:Fallback xmlns="">
-      <p:transition spd="med">
-        <p:fade/>
-      </p:transition>
-    </mc:Fallback>
-  </mc:AlternateContent>
-</p:sld>
-</file>
-
 <file path=ppt/slides/slide19.xml><?xml version="1.0" encoding="utf-8"?>
 <p:sld xmlns:a="http://schemas.openxmlformats.org/drawingml/2006/main" xmlns:r="http://schemas.openxmlformats.org/officeDocument/2006/relationships" xmlns:p="http://schemas.openxmlformats.org/presentationml/2006/main">
   <p:cSld>
@@ -8974,10 +10481,10 @@
       </p:grpSpPr>
       <p:sp>
         <p:nvSpPr>
-          <p:cNvPr id="5" name="Tytuł 4">
+          <p:cNvPr id="2" name="Symbol zastępczy zawartości 1">
             <a:extLst>
               <a:ext uri="{FF2B5EF4-FFF2-40B4-BE49-F238E27FC236}">
-                <a16:creationId xmlns:a16="http://schemas.microsoft.com/office/drawing/2014/main" id="{CD59419F-2067-4A1D-A447-01E675B141A4}"/>
+                <a16:creationId xmlns:a16="http://schemas.microsoft.com/office/drawing/2014/main" id="{91EEF614-DE6F-4790-997A-1BC7DA45E57B}"/>
               </a:ext>
             </a:extLst>
           </p:cNvPr>
@@ -8985,51 +10492,282 @@
             <a:spLocks noGrp="1"/>
           </p:cNvSpPr>
           <p:nvPr>
-            <p:ph type="title"/>
-          </p:nvPr>
-        </p:nvSpPr>
-        <p:spPr/>
+            <p:ph idx="1"/>
+          </p:nvPr>
+        </p:nvSpPr>
+        <p:spPr>
+          <a:xfrm>
+            <a:off x="845127" y="533400"/>
+            <a:ext cx="10515600" cy="5512293"/>
+          </a:xfrm>
+        </p:spPr>
         <p:txBody>
           <a:bodyPr>
             <a:normAutofit/>
           </a:bodyPr>
           <a:lstStyle/>
           <a:p>
-            <a:r>
-              <a:rPr lang="pl-PL" sz="5400" dirty="0"/>
-              <a:t>Usługi dla aplikacji internetowych</a:t>
-            </a:r>
-          </a:p>
-        </p:txBody>
-      </p:sp>
-      <p:sp>
-        <p:nvSpPr>
-          <p:cNvPr id="6" name="Symbol zastępczy tekstu 5">
-            <a:extLst>
-              <a:ext uri="{FF2B5EF4-FFF2-40B4-BE49-F238E27FC236}">
-                <a16:creationId xmlns:a16="http://schemas.microsoft.com/office/drawing/2014/main" id="{FF65CAC5-7299-44AC-BA8E-90115FFE2BCE}"/>
-              </a:ext>
-            </a:extLst>
-          </p:cNvPr>
-          <p:cNvSpPr>
-            <a:spLocks noGrp="1"/>
-          </p:cNvSpPr>
-          <p:nvPr>
-            <p:ph type="body" idx="1"/>
-          </p:nvPr>
-        </p:nvSpPr>
-        <p:spPr/>
-        <p:txBody>
-          <a:bodyPr/>
-          <a:lstStyle/>
-          <a:p>
-            <a:r>
-              <a:rPr lang="pl-PL" dirty="0" err="1"/>
-              <a:t>Wordpress</a:t>
-            </a:r>
-            <a:r>
-              <a:rPr lang="pl-PL" dirty="0"/>
-              <a:t> w 3 minuty i inne</a:t>
+            <a:pPr marL="0" indent="0">
+              <a:buNone/>
+            </a:pPr>
+            <a:r>
+              <a:rPr lang="pl-PL" dirty="0">
+                <a:solidFill>
+                  <a:schemeClr val="bg1">
+                    <a:lumMod val="85000"/>
+                  </a:schemeClr>
+                </a:solidFill>
+              </a:rPr>
+              <a:t>Maszyny wirtualne (Windows &amp; </a:t>
+            </a:r>
+            <a:r>
+              <a:rPr lang="pl-PL" dirty="0" err="1">
+                <a:solidFill>
+                  <a:schemeClr val="bg1">
+                    <a:lumMod val="85000"/>
+                  </a:schemeClr>
+                </a:solidFill>
+              </a:rPr>
+              <a:t>Ubuntu</a:t>
+            </a:r>
+            <a:r>
+              <a:rPr lang="pl-PL" dirty="0">
+                <a:solidFill>
+                  <a:schemeClr val="bg1">
+                    <a:lumMod val="85000"/>
+                  </a:schemeClr>
+                </a:solidFill>
+              </a:rPr>
+              <a:t>)</a:t>
+            </a:r>
+          </a:p>
+          <a:p>
+            <a:pPr marL="0" indent="0">
+              <a:buNone/>
+            </a:pPr>
+            <a:r>
+              <a:rPr lang="pl-PL" b="1" dirty="0"/>
+              <a:t>Aplikacje webowe (Web </a:t>
+            </a:r>
+            <a:r>
+              <a:rPr lang="pl-PL" b="1" dirty="0" err="1"/>
+              <a:t>App</a:t>
+            </a:r>
+            <a:r>
+              <a:rPr lang="pl-PL" b="1" dirty="0"/>
+              <a:t>)</a:t>
+            </a:r>
+          </a:p>
+          <a:p>
+            <a:pPr marL="0" indent="0">
+              <a:buNone/>
+            </a:pPr>
+            <a:r>
+              <a:rPr lang="pl-PL" dirty="0">
+                <a:solidFill>
+                  <a:schemeClr val="bg1">
+                    <a:lumMod val="85000"/>
+                  </a:schemeClr>
+                </a:solidFill>
+              </a:rPr>
+              <a:t>Bazy danych (SQL &amp; </a:t>
+            </a:r>
+            <a:r>
+              <a:rPr lang="pl-PL" dirty="0" err="1">
+                <a:solidFill>
+                  <a:schemeClr val="bg1">
+                    <a:lumMod val="85000"/>
+                  </a:schemeClr>
+                </a:solidFill>
+              </a:rPr>
+              <a:t>NoSQL</a:t>
+            </a:r>
+            <a:r>
+              <a:rPr lang="pl-PL" dirty="0">
+                <a:solidFill>
+                  <a:schemeClr val="bg1">
+                    <a:lumMod val="85000"/>
+                  </a:schemeClr>
+                </a:solidFill>
+              </a:rPr>
+              <a:t>)</a:t>
+            </a:r>
+          </a:p>
+          <a:p>
+            <a:pPr marL="0" indent="0">
+              <a:buNone/>
+            </a:pPr>
+            <a:r>
+              <a:rPr lang="pl-PL" b="1" dirty="0"/>
+              <a:t>Usługi kognitywne (</a:t>
+            </a:r>
+            <a:r>
+              <a:rPr lang="pl-PL" b="1" dirty="0" err="1"/>
+              <a:t>Cognitive</a:t>
+            </a:r>
+            <a:r>
+              <a:rPr lang="pl-PL" b="1" dirty="0"/>
+              <a:t> Services)</a:t>
+            </a:r>
+          </a:p>
+          <a:p>
+            <a:pPr marL="0" indent="0">
+              <a:buNone/>
+            </a:pPr>
+            <a:r>
+              <a:rPr lang="pl-PL" dirty="0">
+                <a:solidFill>
+                  <a:schemeClr val="bg1">
+                    <a:lumMod val="85000"/>
+                  </a:schemeClr>
+                </a:solidFill>
+              </a:rPr>
+              <a:t>Machine Learning Studio</a:t>
+            </a:r>
+          </a:p>
+          <a:p>
+            <a:pPr marL="0" indent="0">
+              <a:buNone/>
+            </a:pPr>
+            <a:r>
+              <a:rPr lang="pl-PL" b="1" dirty="0"/>
+              <a:t>Usługi </a:t>
+            </a:r>
+            <a:r>
+              <a:rPr lang="pl-PL" b="1" dirty="0" err="1"/>
+              <a:t>serverless</a:t>
+            </a:r>
+            <a:r>
+              <a:rPr lang="pl-PL" b="1" dirty="0"/>
+              <a:t> (</a:t>
+            </a:r>
+            <a:r>
+              <a:rPr lang="pl-PL" b="1" dirty="0" err="1"/>
+              <a:t>Azure</a:t>
+            </a:r>
+            <a:r>
+              <a:rPr lang="pl-PL" b="1" dirty="0"/>
+              <a:t> </a:t>
+            </a:r>
+            <a:r>
+              <a:rPr lang="pl-PL" b="1" dirty="0" err="1"/>
+              <a:t>Functions</a:t>
+            </a:r>
+            <a:r>
+              <a:rPr lang="pl-PL" b="1" dirty="0"/>
+              <a:t>)</a:t>
+            </a:r>
+          </a:p>
+          <a:p>
+            <a:pPr marL="0" indent="0">
+              <a:buNone/>
+            </a:pPr>
+            <a:r>
+              <a:rPr lang="pl-PL" dirty="0">
+                <a:solidFill>
+                  <a:schemeClr val="bg1">
+                    <a:lumMod val="85000"/>
+                  </a:schemeClr>
+                </a:solidFill>
+              </a:rPr>
+              <a:t>Ciągła Integracja &amp; Ciągłe Dostarczanie </a:t>
+            </a:r>
+            <a:r>
+              <a:rPr lang="pl-PL" sz="2000" dirty="0">
+                <a:solidFill>
+                  <a:schemeClr val="bg1">
+                    <a:lumMod val="85000"/>
+                  </a:schemeClr>
+                </a:solidFill>
+              </a:rPr>
+              <a:t>(</a:t>
+            </a:r>
+            <a:r>
+              <a:rPr lang="pl-PL" sz="2000" dirty="0" err="1">
+                <a:solidFill>
+                  <a:schemeClr val="bg1">
+                    <a:lumMod val="85000"/>
+                  </a:schemeClr>
+                </a:solidFill>
+              </a:rPr>
+              <a:t>Cont</a:t>
+            </a:r>
+            <a:r>
+              <a:rPr lang="pl-PL" sz="2000" dirty="0">
+                <a:solidFill>
+                  <a:schemeClr val="bg1">
+                    <a:lumMod val="85000"/>
+                  </a:schemeClr>
+                </a:solidFill>
+              </a:rPr>
+              <a:t>. Integration &amp; </a:t>
+            </a:r>
+            <a:r>
+              <a:rPr lang="pl-PL" sz="2000" dirty="0" err="1">
+                <a:solidFill>
+                  <a:schemeClr val="bg1">
+                    <a:lumMod val="85000"/>
+                  </a:schemeClr>
+                </a:solidFill>
+              </a:rPr>
+              <a:t>Cont</a:t>
+            </a:r>
+            <a:r>
+              <a:rPr lang="pl-PL" sz="2000" dirty="0">
+                <a:solidFill>
+                  <a:schemeClr val="bg1">
+                    <a:lumMod val="85000"/>
+                  </a:schemeClr>
+                </a:solidFill>
+              </a:rPr>
+              <a:t>. Delivery)</a:t>
+            </a:r>
+          </a:p>
+          <a:p>
+            <a:pPr marL="0" indent="0">
+              <a:buNone/>
+            </a:pPr>
+            <a:r>
+              <a:rPr lang="pl-PL" dirty="0">
+                <a:solidFill>
+                  <a:schemeClr val="bg1">
+                    <a:lumMod val="85000"/>
+                  </a:schemeClr>
+                </a:solidFill>
+              </a:rPr>
+              <a:t>Usługi związane z </a:t>
+            </a:r>
+            <a:r>
+              <a:rPr lang="pl-PL" dirty="0" err="1">
+                <a:solidFill>
+                  <a:schemeClr val="bg1">
+                    <a:lumMod val="85000"/>
+                  </a:schemeClr>
+                </a:solidFill>
+              </a:rPr>
+              <a:t>IoT</a:t>
+            </a:r>
+            <a:endParaRPr lang="pl-PL" dirty="0">
+              <a:solidFill>
+                <a:schemeClr val="bg1">
+                  <a:lumMod val="85000"/>
+                </a:schemeClr>
+              </a:solidFill>
+            </a:endParaRPr>
+          </a:p>
+          <a:p>
+            <a:pPr marL="0" indent="0">
+              <a:buNone/>
+            </a:pPr>
+            <a:r>
+              <a:rPr lang="pl-PL" dirty="0">
+                <a:solidFill>
+                  <a:schemeClr val="bg1">
+                    <a:lumMod val="85000"/>
+                  </a:schemeClr>
+                </a:solidFill>
+              </a:rPr>
+              <a:t>... i inne</a:t>
             </a:r>
           </a:p>
         </p:txBody>
@@ -9039,7 +10777,7 @@
           <p:cNvPr id="4" name="Symbol zastępczy numeru slajdu 3">
             <a:extLst>
               <a:ext uri="{FF2B5EF4-FFF2-40B4-BE49-F238E27FC236}">
-                <a16:creationId xmlns:a16="http://schemas.microsoft.com/office/drawing/2014/main" id="{82101263-3BFE-4F9F-B1CC-5F19B7F72A6E}"/>
+                <a16:creationId xmlns:a16="http://schemas.microsoft.com/office/drawing/2014/main" id="{1E6922F2-10AF-4AAB-ABC7-F5ABE3B3C556}"/>
               </a:ext>
             </a:extLst>
           </p:cNvPr>
@@ -9066,7 +10804,7 @@
     </p:spTree>
     <p:extLst>
       <p:ext uri="{BB962C8B-B14F-4D97-AF65-F5344CB8AC3E}">
-        <p14:creationId xmlns:p14="http://schemas.microsoft.com/office/powerpoint/2010/main" val="4010031389"/>
+        <p14:creationId xmlns:p14="http://schemas.microsoft.com/office/powerpoint/2010/main" val="672030067"/>
       </p:ext>
     </p:extLst>
   </p:cSld>
@@ -9630,10 +11368,72 @@
       </p:grpSpPr>
       <p:sp>
         <p:nvSpPr>
+          <p:cNvPr id="5" name="Tytuł 4">
+            <a:extLst>
+              <a:ext uri="{FF2B5EF4-FFF2-40B4-BE49-F238E27FC236}">
+                <a16:creationId xmlns:a16="http://schemas.microsoft.com/office/drawing/2014/main" id="{CD59419F-2067-4A1D-A447-01E675B141A4}"/>
+              </a:ext>
+            </a:extLst>
+          </p:cNvPr>
+          <p:cNvSpPr>
+            <a:spLocks noGrp="1"/>
+          </p:cNvSpPr>
+          <p:nvPr>
+            <p:ph type="title"/>
+          </p:nvPr>
+        </p:nvSpPr>
+        <p:spPr/>
+        <p:txBody>
+          <a:bodyPr>
+            <a:normAutofit/>
+          </a:bodyPr>
+          <a:lstStyle/>
+          <a:p>
+            <a:r>
+              <a:rPr lang="pl-PL" sz="5400" dirty="0"/>
+              <a:t>Usługi dla aplikacji internetowych</a:t>
+            </a:r>
+          </a:p>
+        </p:txBody>
+      </p:sp>
+      <p:sp>
+        <p:nvSpPr>
+          <p:cNvPr id="6" name="Symbol zastępczy tekstu 5">
+            <a:extLst>
+              <a:ext uri="{FF2B5EF4-FFF2-40B4-BE49-F238E27FC236}">
+                <a16:creationId xmlns:a16="http://schemas.microsoft.com/office/drawing/2014/main" id="{FF65CAC5-7299-44AC-BA8E-90115FFE2BCE}"/>
+              </a:ext>
+            </a:extLst>
+          </p:cNvPr>
+          <p:cNvSpPr>
+            <a:spLocks noGrp="1"/>
+          </p:cNvSpPr>
+          <p:nvPr>
+            <p:ph type="body" idx="1"/>
+          </p:nvPr>
+        </p:nvSpPr>
+        <p:spPr/>
+        <p:txBody>
+          <a:bodyPr/>
+          <a:lstStyle/>
+          <a:p>
+            <a:r>
+              <a:rPr lang="pl-PL" dirty="0" err="1"/>
+              <a:t>Wordpress</a:t>
+            </a:r>
+            <a:r>
+              <a:rPr lang="pl-PL" dirty="0"/>
+              <a:t> w 3 minuty i inne</a:t>
+            </a:r>
+          </a:p>
+        </p:txBody>
+      </p:sp>
+      <p:sp>
+        <p:nvSpPr>
           <p:cNvPr id="4" name="Symbol zastępczy numeru slajdu 3">
             <a:extLst>
               <a:ext uri="{FF2B5EF4-FFF2-40B4-BE49-F238E27FC236}">
-                <a16:creationId xmlns:a16="http://schemas.microsoft.com/office/drawing/2014/main" id="{1E6922F2-10AF-4AAB-ABC7-F5ABE3B3C556}"/>
+                <a16:creationId xmlns:a16="http://schemas.microsoft.com/office/drawing/2014/main" id="{82101263-3BFE-4F9F-B1CC-5F19B7F72A6E}"/>
               </a:ext>
             </a:extLst>
           </p:cNvPr>
@@ -9657,51 +11457,10 @@
           </a:p>
         </p:txBody>
       </p:sp>
-      <p:sp>
-        <p:nvSpPr>
-          <p:cNvPr id="5" name="Tytuł 4">
-            <a:extLst>
-              <a:ext uri="{FF2B5EF4-FFF2-40B4-BE49-F238E27FC236}">
-                <a16:creationId xmlns:a16="http://schemas.microsoft.com/office/drawing/2014/main" id="{FAD754A7-92E4-485D-B9F1-6FD5F6AB0250}"/>
-              </a:ext>
-            </a:extLst>
-          </p:cNvPr>
-          <p:cNvSpPr>
-            <a:spLocks noGrp="1"/>
-          </p:cNvSpPr>
-          <p:nvPr>
-            <p:ph type="title"/>
-          </p:nvPr>
-        </p:nvSpPr>
-        <p:spPr>
-          <a:xfrm>
-            <a:off x="845127" y="2766219"/>
-            <a:ext cx="10515600" cy="1325562"/>
-          </a:xfrm>
-        </p:spPr>
-        <p:txBody>
-          <a:bodyPr/>
-          <a:lstStyle/>
-          <a:p>
-            <a:pPr algn="ctr"/>
-            <a:r>
-              <a:rPr lang="pl-PL" dirty="0" err="1">
-                <a:latin typeface="Segoe UI Semibold" panose="020B0702040204020203" pitchFamily="34" charset="0"/>
-                <a:cs typeface="Segoe UI Semibold" panose="020B0702040204020203" pitchFamily="34" charset="0"/>
-              </a:rPr>
-              <a:t>Wordpress</a:t>
-            </a:r>
-            <a:endParaRPr lang="pl-PL" dirty="0">
-              <a:latin typeface="Segoe UI Semibold" panose="020B0702040204020203" pitchFamily="34" charset="0"/>
-              <a:cs typeface="Segoe UI Semibold" panose="020B0702040204020203" pitchFamily="34" charset="0"/>
-            </a:endParaRPr>
-          </a:p>
-        </p:txBody>
-      </p:sp>
     </p:spTree>
     <p:extLst>
       <p:ext uri="{BB962C8B-B14F-4D97-AF65-F5344CB8AC3E}">
-        <p14:creationId xmlns:p14="http://schemas.microsoft.com/office/powerpoint/2010/main" val="1228614878"/>
+        <p14:creationId xmlns:p14="http://schemas.microsoft.com/office/powerpoint/2010/main" val="4010031389"/>
       </p:ext>
     </p:extLst>
   </p:cSld>
@@ -9764,6 +11523,118 @@
             <a:fld id="{6AF42C4F-01CF-4077-8471-FA2F2731172D}" type="slidenum">
               <a:rPr lang="pl-PL" smtClean="0"/>
               <a:t>21</a:t>
+            </a:fld>
+            <a:endParaRPr lang="pl-PL" dirty="0"/>
+          </a:p>
+        </p:txBody>
+      </p:sp>
+      <p:sp>
+        <p:nvSpPr>
+          <p:cNvPr id="5" name="Tytuł 4">
+            <a:extLst>
+              <a:ext uri="{FF2B5EF4-FFF2-40B4-BE49-F238E27FC236}">
+                <a16:creationId xmlns:a16="http://schemas.microsoft.com/office/drawing/2014/main" id="{FAD754A7-92E4-485D-B9F1-6FD5F6AB0250}"/>
+              </a:ext>
+            </a:extLst>
+          </p:cNvPr>
+          <p:cNvSpPr>
+            <a:spLocks noGrp="1"/>
+          </p:cNvSpPr>
+          <p:nvPr>
+            <p:ph type="title"/>
+          </p:nvPr>
+        </p:nvSpPr>
+        <p:spPr>
+          <a:xfrm>
+            <a:off x="845127" y="2766219"/>
+            <a:ext cx="10515600" cy="1325562"/>
+          </a:xfrm>
+        </p:spPr>
+        <p:txBody>
+          <a:bodyPr/>
+          <a:lstStyle/>
+          <a:p>
+            <a:pPr algn="ctr"/>
+            <a:r>
+              <a:rPr lang="pl-PL" dirty="0" err="1">
+                <a:latin typeface="Segoe UI Semibold" panose="020B0702040204020203" pitchFamily="34" charset="0"/>
+                <a:cs typeface="Segoe UI Semibold" panose="020B0702040204020203" pitchFamily="34" charset="0"/>
+              </a:rPr>
+              <a:t>Wordpress</a:t>
+            </a:r>
+            <a:endParaRPr lang="pl-PL" dirty="0">
+              <a:latin typeface="Segoe UI Semibold" panose="020B0702040204020203" pitchFamily="34" charset="0"/>
+              <a:cs typeface="Segoe UI Semibold" panose="020B0702040204020203" pitchFamily="34" charset="0"/>
+            </a:endParaRPr>
+          </a:p>
+        </p:txBody>
+      </p:sp>
+    </p:spTree>
+    <p:extLst>
+      <p:ext uri="{BB962C8B-B14F-4D97-AF65-F5344CB8AC3E}">
+        <p14:creationId xmlns:p14="http://schemas.microsoft.com/office/powerpoint/2010/main" val="1228614878"/>
+      </p:ext>
+    </p:extLst>
+  </p:cSld>
+  <p:clrMapOvr>
+    <a:masterClrMapping/>
+  </p:clrMapOvr>
+  <mc:AlternateContent xmlns:mc="http://schemas.openxmlformats.org/markup-compatibility/2006" xmlns:p14="http://schemas.microsoft.com/office/powerpoint/2010/main">
+    <mc:Choice Requires="p14">
+      <p:transition spd="med" p14:dur="700">
+        <p:fade/>
+      </p:transition>
+    </mc:Choice>
+    <mc:Fallback xmlns="">
+      <p:transition spd="med">
+        <p:fade/>
+      </p:transition>
+    </mc:Fallback>
+  </mc:AlternateContent>
+</p:sld>
+</file>
+
+<file path=ppt/slides/slide22.xml><?xml version="1.0" encoding="utf-8"?>
+<p:sld xmlns:a="http://schemas.openxmlformats.org/drawingml/2006/main" xmlns:r="http://schemas.openxmlformats.org/officeDocument/2006/relationships" xmlns:p="http://schemas.openxmlformats.org/presentationml/2006/main">
+  <p:cSld>
+    <p:spTree>
+      <p:nvGrpSpPr>
+        <p:cNvPr id="1" name=""/>
+        <p:cNvGrpSpPr/>
+        <p:nvPr/>
+      </p:nvGrpSpPr>
+      <p:grpSpPr>
+        <a:xfrm>
+          <a:off x="0" y="0"/>
+          <a:ext cx="0" cy="0"/>
+          <a:chOff x="0" y="0"/>
+          <a:chExt cx="0" cy="0"/>
+        </a:xfrm>
+      </p:grpSpPr>
+      <p:sp>
+        <p:nvSpPr>
+          <p:cNvPr id="4" name="Symbol zastępczy numeru slajdu 3">
+            <a:extLst>
+              <a:ext uri="{FF2B5EF4-FFF2-40B4-BE49-F238E27FC236}">
+                <a16:creationId xmlns:a16="http://schemas.microsoft.com/office/drawing/2014/main" id="{1E6922F2-10AF-4AAB-ABC7-F5ABE3B3C556}"/>
+              </a:ext>
+            </a:extLst>
+          </p:cNvPr>
+          <p:cNvSpPr>
+            <a:spLocks noGrp="1"/>
+          </p:cNvSpPr>
+          <p:nvPr>
+            <p:ph type="sldNum" sz="quarter" idx="12"/>
+          </p:nvPr>
+        </p:nvSpPr>
+        <p:spPr/>
+        <p:txBody>
+          <a:bodyPr/>
+          <a:lstStyle/>
+          <a:p>
+            <a:fld id="{6AF42C4F-01CF-4077-8471-FA2F2731172D}" type="slidenum">
+              <a:rPr lang="pl-PL" smtClean="0"/>
+              <a:t>22</a:t>
             </a:fld>
             <a:endParaRPr lang="pl-PL" dirty="0"/>
           </a:p>
@@ -10375,7 +12246,7 @@
 </p:sld>
 </file>
 
-<file path=ppt/slides/slide22.xml><?xml version="1.0" encoding="utf-8"?>
+<file path=ppt/slides/slide23.xml><?xml version="1.0" encoding="utf-8"?>
 <p:sld xmlns:a="http://schemas.openxmlformats.org/drawingml/2006/main" xmlns:r="http://schemas.openxmlformats.org/officeDocument/2006/relationships" xmlns:p="http://schemas.openxmlformats.org/presentationml/2006/main">
   <p:cSld>
     <p:spTree>
@@ -10451,7 +12322,7 @@
           <a:p>
             <a:fld id="{6AF42C4F-01CF-4077-8471-FA2F2731172D}" type="slidenum">
               <a:rPr lang="pl-PL" smtClean="0"/>
-              <a:t>22</a:t>
+              <a:t>23</a:t>
             </a:fld>
             <a:endParaRPr lang="pl-PL" dirty="0"/>
           </a:p>
@@ -10545,7 +12416,7 @@
 </p:sld>
 </file>
 
-<file path=ppt/slides/slide23.xml><?xml version="1.0" encoding="utf-8"?>
+<file path=ppt/slides/slide24.xml><?xml version="1.0" encoding="utf-8"?>
 <p:sld xmlns:a="http://schemas.openxmlformats.org/drawingml/2006/main" xmlns:r="http://schemas.openxmlformats.org/officeDocument/2006/relationships" xmlns:p="http://schemas.openxmlformats.org/presentationml/2006/main">
   <p:cSld>
     <p:spTree>
@@ -10585,7 +12456,7 @@
           <a:p>
             <a:fld id="{6AF42C4F-01CF-4077-8471-FA2F2731172D}" type="slidenum">
               <a:rPr lang="pl-PL" smtClean="0"/>
-              <a:t>23</a:t>
+              <a:t>24</a:t>
             </a:fld>
             <a:endParaRPr lang="pl-PL" dirty="0"/>
           </a:p>
@@ -11252,7 +13123,7 @@
 </p:sld>
 </file>
 
-<file path=ppt/slides/slide24.xml><?xml version="1.0" encoding="utf-8"?>
+<file path=ppt/slides/slide25.xml><?xml version="1.0" encoding="utf-8"?>
 <p:sld xmlns:a="http://schemas.openxmlformats.org/drawingml/2006/main" xmlns:r="http://schemas.openxmlformats.org/officeDocument/2006/relationships" xmlns:p="http://schemas.openxmlformats.org/presentationml/2006/main">
   <p:cSld>
     <p:spTree>
@@ -11327,7 +13198,7 @@
           <a:p>
             <a:fld id="{6AF42C4F-01CF-4077-8471-FA2F2731172D}" type="slidenum">
               <a:rPr lang="pl-PL" smtClean="0"/>
-              <a:t>24</a:t>
+              <a:t>25</a:t>
             </a:fld>
             <a:endParaRPr lang="pl-PL" dirty="0"/>
           </a:p>
@@ -11337,114 +13208,6 @@
     <p:extLst>
       <p:ext uri="{BB962C8B-B14F-4D97-AF65-F5344CB8AC3E}">
         <p14:creationId xmlns:p14="http://schemas.microsoft.com/office/powerpoint/2010/main" val="549456930"/>
-      </p:ext>
-    </p:extLst>
-  </p:cSld>
-  <p:clrMapOvr>
-    <a:masterClrMapping/>
-  </p:clrMapOvr>
-  <mc:AlternateContent xmlns:mc="http://schemas.openxmlformats.org/markup-compatibility/2006" xmlns:p14="http://schemas.microsoft.com/office/powerpoint/2010/main">
-    <mc:Choice Requires="p14">
-      <p:transition spd="med" p14:dur="700">
-        <p:fade/>
-      </p:transition>
-    </mc:Choice>
-    <mc:Fallback xmlns="">
-      <p:transition spd="med">
-        <p:fade/>
-      </p:transition>
-    </mc:Fallback>
-  </mc:AlternateContent>
-</p:sld>
-</file>
-
-<file path=ppt/slides/slide25.xml><?xml version="1.0" encoding="utf-8"?>
-<p:sld xmlns:a="http://schemas.openxmlformats.org/drawingml/2006/main" xmlns:r="http://schemas.openxmlformats.org/officeDocument/2006/relationships" xmlns:p="http://schemas.openxmlformats.org/presentationml/2006/main">
-  <p:cSld>
-    <p:spTree>
-      <p:nvGrpSpPr>
-        <p:cNvPr id="1" name=""/>
-        <p:cNvGrpSpPr/>
-        <p:nvPr/>
-      </p:nvGrpSpPr>
-      <p:grpSpPr>
-        <a:xfrm>
-          <a:off x="0" y="0"/>
-          <a:ext cx="0" cy="0"/>
-          <a:chOff x="0" y="0"/>
-          <a:chExt cx="0" cy="0"/>
-        </a:xfrm>
-      </p:grpSpPr>
-      <p:sp>
-        <p:nvSpPr>
-          <p:cNvPr id="4" name="Symbol zastępczy numeru slajdu 3">
-            <a:extLst>
-              <a:ext uri="{FF2B5EF4-FFF2-40B4-BE49-F238E27FC236}">
-                <a16:creationId xmlns:a16="http://schemas.microsoft.com/office/drawing/2014/main" id="{1E6922F2-10AF-4AAB-ABC7-F5ABE3B3C556}"/>
-              </a:ext>
-            </a:extLst>
-          </p:cNvPr>
-          <p:cNvSpPr>
-            <a:spLocks noGrp="1"/>
-          </p:cNvSpPr>
-          <p:nvPr>
-            <p:ph type="sldNum" sz="quarter" idx="12"/>
-          </p:nvPr>
-        </p:nvSpPr>
-        <p:spPr/>
-        <p:txBody>
-          <a:bodyPr/>
-          <a:lstStyle/>
-          <a:p>
-            <a:fld id="{6AF42C4F-01CF-4077-8471-FA2F2731172D}" type="slidenum">
-              <a:rPr lang="pl-PL" smtClean="0"/>
-              <a:t>25</a:t>
-            </a:fld>
-            <a:endParaRPr lang="pl-PL" dirty="0"/>
-          </a:p>
-        </p:txBody>
-      </p:sp>
-      <p:sp>
-        <p:nvSpPr>
-          <p:cNvPr id="5" name="Tytuł 4">
-            <a:extLst>
-              <a:ext uri="{FF2B5EF4-FFF2-40B4-BE49-F238E27FC236}">
-                <a16:creationId xmlns:a16="http://schemas.microsoft.com/office/drawing/2014/main" id="{FAD754A7-92E4-485D-B9F1-6FD5F6AB0250}"/>
-              </a:ext>
-            </a:extLst>
-          </p:cNvPr>
-          <p:cNvSpPr>
-            <a:spLocks noGrp="1"/>
-          </p:cNvSpPr>
-          <p:nvPr>
-            <p:ph type="title"/>
-          </p:nvPr>
-        </p:nvSpPr>
-        <p:spPr>
-          <a:xfrm>
-            <a:off x="845127" y="2766219"/>
-            <a:ext cx="10515600" cy="1325562"/>
-          </a:xfrm>
-        </p:spPr>
-        <p:txBody>
-          <a:bodyPr/>
-          <a:lstStyle/>
-          <a:p>
-            <a:pPr algn="ctr"/>
-            <a:r>
-              <a:rPr lang="pl-PL" dirty="0">
-                <a:latin typeface="Segoe UI Semibold" panose="020B0702040204020203" pitchFamily="34" charset="0"/>
-                <a:cs typeface="Segoe UI Semibold" panose="020B0702040204020203" pitchFamily="34" charset="0"/>
-              </a:rPr>
-              <a:t>Statyczna strona</a:t>
-            </a:r>
-          </a:p>
-        </p:txBody>
-      </p:sp>
-    </p:spTree>
-    <p:extLst>
-      <p:ext uri="{BB962C8B-B14F-4D97-AF65-F5344CB8AC3E}">
-        <p14:creationId xmlns:p14="http://schemas.microsoft.com/office/powerpoint/2010/main" val="4065793084"/>
       </p:ext>
     </p:extLst>
   </p:cSld>
@@ -11483,47 +13246,12 @@
           <a:chExt cx="0" cy="0"/>
         </a:xfrm>
       </p:grpSpPr>
-      <p:pic>
-        <p:nvPicPr>
-          <p:cNvPr id="6" name="Symbol zastępczy zawartości 5">
-            <a:extLst>
-              <a:ext uri="{FF2B5EF4-FFF2-40B4-BE49-F238E27FC236}">
-                <a16:creationId xmlns:a16="http://schemas.microsoft.com/office/drawing/2014/main" id="{35F4A5BA-8724-48F2-9400-59D8737D5933}"/>
-              </a:ext>
-            </a:extLst>
-          </p:cNvPr>
-          <p:cNvPicPr>
-            <a:picLocks noGrp="1" noChangeAspect="1"/>
-          </p:cNvPicPr>
-          <p:nvPr>
-            <p:ph idx="1"/>
-          </p:nvPr>
-        </p:nvPicPr>
-        <p:blipFill>
-          <a:blip r:embed="rId3">
-            <a:extLst>
-              <a:ext uri="{28A0092B-C50C-407E-A947-70E740481C1C}">
-                <a14:useLocalDpi xmlns:a14="http://schemas.microsoft.com/office/drawing/2010/main" val="0"/>
-              </a:ext>
-            </a:extLst>
-          </a:blip>
-          <a:stretch>
-            <a:fillRect/>
-          </a:stretch>
-        </p:blipFill>
-        <p:spPr>
-          <a:xfrm>
-            <a:off x="3355019" y="2286000"/>
-            <a:ext cx="5494664" cy="2286000"/>
-          </a:xfrm>
-        </p:spPr>
-      </p:pic>
       <p:sp>
         <p:nvSpPr>
           <p:cNvPr id="4" name="Symbol zastępczy numeru slajdu 3">
             <a:extLst>
               <a:ext uri="{FF2B5EF4-FFF2-40B4-BE49-F238E27FC236}">
-                <a16:creationId xmlns:a16="http://schemas.microsoft.com/office/drawing/2014/main" id="{5E82EF86-75A7-4580-9BB6-B69ED2A19FD1}"/>
+                <a16:creationId xmlns:a16="http://schemas.microsoft.com/office/drawing/2014/main" id="{1E6922F2-10AF-4AAB-ABC7-F5ABE3B3C556}"/>
               </a:ext>
             </a:extLst>
           </p:cNvPr>
@@ -11547,10 +13275,47 @@
           </a:p>
         </p:txBody>
       </p:sp>
+      <p:sp>
+        <p:nvSpPr>
+          <p:cNvPr id="5" name="Tytuł 4">
+            <a:extLst>
+              <a:ext uri="{FF2B5EF4-FFF2-40B4-BE49-F238E27FC236}">
+                <a16:creationId xmlns:a16="http://schemas.microsoft.com/office/drawing/2014/main" id="{FAD754A7-92E4-485D-B9F1-6FD5F6AB0250}"/>
+              </a:ext>
+            </a:extLst>
+          </p:cNvPr>
+          <p:cNvSpPr>
+            <a:spLocks noGrp="1"/>
+          </p:cNvSpPr>
+          <p:nvPr>
+            <p:ph type="title"/>
+          </p:nvPr>
+        </p:nvSpPr>
+        <p:spPr>
+          <a:xfrm>
+            <a:off x="845127" y="2766219"/>
+            <a:ext cx="10515600" cy="1325562"/>
+          </a:xfrm>
+        </p:spPr>
+        <p:txBody>
+          <a:bodyPr/>
+          <a:lstStyle/>
+          <a:p>
+            <a:pPr algn="ctr"/>
+            <a:r>
+              <a:rPr lang="pl-PL" dirty="0">
+                <a:latin typeface="Segoe UI Semibold" panose="020B0702040204020203" pitchFamily="34" charset="0"/>
+                <a:cs typeface="Segoe UI Semibold" panose="020B0702040204020203" pitchFamily="34" charset="0"/>
+              </a:rPr>
+              <a:t>Statyczna strona</a:t>
+            </a:r>
+          </a:p>
+        </p:txBody>
+      </p:sp>
     </p:spTree>
     <p:extLst>
       <p:ext uri="{BB962C8B-B14F-4D97-AF65-F5344CB8AC3E}">
-        <p14:creationId xmlns:p14="http://schemas.microsoft.com/office/powerpoint/2010/main" val="1044675394"/>
+        <p14:creationId xmlns:p14="http://schemas.microsoft.com/office/powerpoint/2010/main" val="4065793084"/>
       </p:ext>
     </p:extLst>
   </p:cSld>
@@ -11589,12 +13354,47 @@
           <a:chExt cx="0" cy="0"/>
         </a:xfrm>
       </p:grpSpPr>
+      <p:pic>
+        <p:nvPicPr>
+          <p:cNvPr id="6" name="Symbol zastępczy zawartości 5">
+            <a:extLst>
+              <a:ext uri="{FF2B5EF4-FFF2-40B4-BE49-F238E27FC236}">
+                <a16:creationId xmlns:a16="http://schemas.microsoft.com/office/drawing/2014/main" id="{35F4A5BA-8724-48F2-9400-59D8737D5933}"/>
+              </a:ext>
+            </a:extLst>
+          </p:cNvPr>
+          <p:cNvPicPr>
+            <a:picLocks noGrp="1" noChangeAspect="1"/>
+          </p:cNvPicPr>
+          <p:nvPr>
+            <p:ph idx="1"/>
+          </p:nvPr>
+        </p:nvPicPr>
+        <p:blipFill>
+          <a:blip r:embed="rId3">
+            <a:extLst>
+              <a:ext uri="{28A0092B-C50C-407E-A947-70E740481C1C}">
+                <a14:useLocalDpi xmlns:a14="http://schemas.microsoft.com/office/drawing/2010/main" val="0"/>
+              </a:ext>
+            </a:extLst>
+          </a:blip>
+          <a:stretch>
+            <a:fillRect/>
+          </a:stretch>
+        </p:blipFill>
+        <p:spPr>
+          <a:xfrm>
+            <a:off x="3355019" y="2286000"/>
+            <a:ext cx="5494664" cy="2286000"/>
+          </a:xfrm>
+        </p:spPr>
+      </p:pic>
       <p:sp>
         <p:nvSpPr>
           <p:cNvPr id="4" name="Symbol zastępczy numeru slajdu 3">
             <a:extLst>
               <a:ext uri="{FF2B5EF4-FFF2-40B4-BE49-F238E27FC236}">
-                <a16:creationId xmlns:a16="http://schemas.microsoft.com/office/drawing/2014/main" id="{1E6922F2-10AF-4AAB-ABC7-F5ABE3B3C556}"/>
+                <a16:creationId xmlns:a16="http://schemas.microsoft.com/office/drawing/2014/main" id="{5E82EF86-75A7-4580-9BB6-B69ED2A19FD1}"/>
               </a:ext>
             </a:extLst>
           </p:cNvPr>
@@ -11618,47 +13418,10 @@
           </a:p>
         </p:txBody>
       </p:sp>
-      <p:sp>
-        <p:nvSpPr>
-          <p:cNvPr id="5" name="Tytuł 4">
-            <a:extLst>
-              <a:ext uri="{FF2B5EF4-FFF2-40B4-BE49-F238E27FC236}">
-                <a16:creationId xmlns:a16="http://schemas.microsoft.com/office/drawing/2014/main" id="{FAD754A7-92E4-485D-B9F1-6FD5F6AB0250}"/>
-              </a:ext>
-            </a:extLst>
-          </p:cNvPr>
-          <p:cNvSpPr>
-            <a:spLocks noGrp="1"/>
-          </p:cNvSpPr>
-          <p:nvPr>
-            <p:ph type="title"/>
-          </p:nvPr>
-        </p:nvSpPr>
-        <p:spPr>
-          <a:xfrm>
-            <a:off x="845127" y="2766219"/>
-            <a:ext cx="10515600" cy="1325562"/>
-          </a:xfrm>
-        </p:spPr>
-        <p:txBody>
-          <a:bodyPr/>
-          <a:lstStyle/>
-          <a:p>
-            <a:pPr algn="ctr"/>
-            <a:r>
-              <a:rPr lang="pl-PL" dirty="0">
-                <a:latin typeface="Segoe UI Semibold" panose="020B0702040204020203" pitchFamily="34" charset="0"/>
-                <a:cs typeface="Segoe UI Semibold" panose="020B0702040204020203" pitchFamily="34" charset="0"/>
-              </a:rPr>
-              <a:t>Aplikacja webowa</a:t>
-            </a:r>
-          </a:p>
-        </p:txBody>
-      </p:sp>
     </p:spTree>
     <p:extLst>
       <p:ext uri="{BB962C8B-B14F-4D97-AF65-F5344CB8AC3E}">
-        <p14:creationId xmlns:p14="http://schemas.microsoft.com/office/powerpoint/2010/main" val="2278254439"/>
+        <p14:creationId xmlns:p14="http://schemas.microsoft.com/office/powerpoint/2010/main" val="1044675394"/>
       </p:ext>
     </p:extLst>
   </p:cSld>
@@ -11697,47 +13460,12 @@
           <a:chExt cx="0" cy="0"/>
         </a:xfrm>
       </p:grpSpPr>
-      <p:pic>
-        <p:nvPicPr>
-          <p:cNvPr id="6" name="Symbol zastępczy zawartości 5">
-            <a:extLst>
-              <a:ext uri="{FF2B5EF4-FFF2-40B4-BE49-F238E27FC236}">
-                <a16:creationId xmlns:a16="http://schemas.microsoft.com/office/drawing/2014/main" id="{35F4A5BA-8724-48F2-9400-59D8737D5933}"/>
-              </a:ext>
-            </a:extLst>
-          </p:cNvPr>
-          <p:cNvPicPr>
-            <a:picLocks noGrp="1" noChangeAspect="1"/>
-          </p:cNvPicPr>
-          <p:nvPr>
-            <p:ph idx="1"/>
-          </p:nvPr>
-        </p:nvPicPr>
-        <p:blipFill>
-          <a:blip r:embed="rId3">
-            <a:extLst>
-              <a:ext uri="{28A0092B-C50C-407E-A947-70E740481C1C}">
-                <a14:useLocalDpi xmlns:a14="http://schemas.microsoft.com/office/drawing/2010/main" val="0"/>
-              </a:ext>
-            </a:extLst>
-          </a:blip>
-          <a:stretch>
-            <a:fillRect/>
-          </a:stretch>
-        </p:blipFill>
-        <p:spPr>
-          <a:xfrm>
-            <a:off x="3355019" y="2286000"/>
-            <a:ext cx="5494664" cy="2286000"/>
-          </a:xfrm>
-        </p:spPr>
-      </p:pic>
       <p:sp>
         <p:nvSpPr>
           <p:cNvPr id="4" name="Symbol zastępczy numeru slajdu 3">
             <a:extLst>
               <a:ext uri="{FF2B5EF4-FFF2-40B4-BE49-F238E27FC236}">
-                <a16:creationId xmlns:a16="http://schemas.microsoft.com/office/drawing/2014/main" id="{5E82EF86-75A7-4580-9BB6-B69ED2A19FD1}"/>
+                <a16:creationId xmlns:a16="http://schemas.microsoft.com/office/drawing/2014/main" id="{1E6922F2-10AF-4AAB-ABC7-F5ABE3B3C556}"/>
               </a:ext>
             </a:extLst>
           </p:cNvPr>
@@ -11761,10 +13489,47 @@
           </a:p>
         </p:txBody>
       </p:sp>
+      <p:sp>
+        <p:nvSpPr>
+          <p:cNvPr id="5" name="Tytuł 4">
+            <a:extLst>
+              <a:ext uri="{FF2B5EF4-FFF2-40B4-BE49-F238E27FC236}">
+                <a16:creationId xmlns:a16="http://schemas.microsoft.com/office/drawing/2014/main" id="{FAD754A7-92E4-485D-B9F1-6FD5F6AB0250}"/>
+              </a:ext>
+            </a:extLst>
+          </p:cNvPr>
+          <p:cNvSpPr>
+            <a:spLocks noGrp="1"/>
+          </p:cNvSpPr>
+          <p:nvPr>
+            <p:ph type="title"/>
+          </p:nvPr>
+        </p:nvSpPr>
+        <p:spPr>
+          <a:xfrm>
+            <a:off x="845127" y="2766219"/>
+            <a:ext cx="10515600" cy="1325562"/>
+          </a:xfrm>
+        </p:spPr>
+        <p:txBody>
+          <a:bodyPr/>
+          <a:lstStyle/>
+          <a:p>
+            <a:pPr algn="ctr"/>
+            <a:r>
+              <a:rPr lang="pl-PL" dirty="0">
+                <a:latin typeface="Segoe UI Semibold" panose="020B0702040204020203" pitchFamily="34" charset="0"/>
+                <a:cs typeface="Segoe UI Semibold" panose="020B0702040204020203" pitchFamily="34" charset="0"/>
+              </a:rPr>
+              <a:t>Aplikacja webowa</a:t>
+            </a:r>
+          </a:p>
+        </p:txBody>
+      </p:sp>
     </p:spTree>
     <p:extLst>
       <p:ext uri="{BB962C8B-B14F-4D97-AF65-F5344CB8AC3E}">
-        <p14:creationId xmlns:p14="http://schemas.microsoft.com/office/powerpoint/2010/main" val="770154621"/>
+        <p14:creationId xmlns:p14="http://schemas.microsoft.com/office/powerpoint/2010/main" val="2278254439"/>
       </p:ext>
     </p:extLst>
   </p:cSld>
@@ -11803,96 +13568,47 @@
           <a:chExt cx="0" cy="0"/>
         </a:xfrm>
       </p:grpSpPr>
-      <p:sp>
-        <p:nvSpPr>
-          <p:cNvPr id="5" name="Tytuł 4">
+      <p:pic>
+        <p:nvPicPr>
+          <p:cNvPr id="6" name="Symbol zastępczy zawartości 5">
             <a:extLst>
               <a:ext uri="{FF2B5EF4-FFF2-40B4-BE49-F238E27FC236}">
-                <a16:creationId xmlns:a16="http://schemas.microsoft.com/office/drawing/2014/main" id="{CD59419F-2067-4A1D-A447-01E675B141A4}"/>
+                <a16:creationId xmlns:a16="http://schemas.microsoft.com/office/drawing/2014/main" id="{35F4A5BA-8724-48F2-9400-59D8737D5933}"/>
               </a:ext>
             </a:extLst>
           </p:cNvPr>
-          <p:cNvSpPr>
-            <a:spLocks noGrp="1"/>
-          </p:cNvSpPr>
-          <p:nvPr>
-            <p:ph type="title"/>
-          </p:nvPr>
-        </p:nvSpPr>
-        <p:spPr/>
-        <p:txBody>
-          <a:bodyPr>
-            <a:normAutofit/>
-          </a:bodyPr>
-          <a:lstStyle/>
-          <a:p>
-            <a:r>
-              <a:rPr lang="pl-PL" sz="6600" dirty="0"/>
-              <a:t>Usługi </a:t>
-            </a:r>
-            <a:r>
-              <a:rPr lang="pl-PL" sz="6600" dirty="0" err="1"/>
-              <a:t>serverless</a:t>
-            </a:r>
-            <a:endParaRPr lang="pl-PL" sz="6600" dirty="0"/>
-          </a:p>
-        </p:txBody>
-      </p:sp>
-      <p:sp>
-        <p:nvSpPr>
-          <p:cNvPr id="6" name="Symbol zastępczy tekstu 5">
+          <p:cNvPicPr>
+            <a:picLocks noGrp="1" noChangeAspect="1"/>
+          </p:cNvPicPr>
+          <p:nvPr>
+            <p:ph idx="1"/>
+          </p:nvPr>
+        </p:nvPicPr>
+        <p:blipFill>
+          <a:blip r:embed="rId3">
             <a:extLst>
-              <a:ext uri="{FF2B5EF4-FFF2-40B4-BE49-F238E27FC236}">
-                <a16:creationId xmlns:a16="http://schemas.microsoft.com/office/drawing/2014/main" id="{FF65CAC5-7299-44AC-BA8E-90115FFE2BCE}"/>
+              <a:ext uri="{28A0092B-C50C-407E-A947-70E740481C1C}">
+                <a14:useLocalDpi xmlns:a14="http://schemas.microsoft.com/office/drawing/2010/main" val="0"/>
               </a:ext>
             </a:extLst>
-          </p:cNvPr>
-          <p:cNvSpPr>
-            <a:spLocks noGrp="1"/>
-          </p:cNvSpPr>
-          <p:nvPr>
-            <p:ph type="body" idx="1"/>
-          </p:nvPr>
-        </p:nvSpPr>
-        <p:spPr/>
-        <p:txBody>
-          <a:bodyPr/>
-          <a:lstStyle/>
-          <a:p>
-            <a:r>
-              <a:rPr lang="pl-PL" dirty="0"/>
-              <a:t>A przynajmniej as-</a:t>
-            </a:r>
-            <a:r>
-              <a:rPr lang="pl-PL" dirty="0" err="1"/>
-              <a:t>little</a:t>
-            </a:r>
-            <a:r>
-              <a:rPr lang="pl-PL" dirty="0"/>
-              <a:t>-</a:t>
-            </a:r>
-            <a:r>
-              <a:rPr lang="pl-PL" dirty="0" err="1"/>
-              <a:t>server</a:t>
-            </a:r>
-            <a:r>
-              <a:rPr lang="pl-PL" dirty="0"/>
-              <a:t>-as-</a:t>
-            </a:r>
-            <a:r>
-              <a:rPr lang="pl-PL" dirty="0" err="1"/>
-              <a:t>possible</a:t>
-            </a:r>
-            <a:endParaRPr lang="pl-PL" dirty="0"/>
-          </a:p>
-        </p:txBody>
-      </p:sp>
+          </a:blip>
+          <a:stretch>
+            <a:fillRect/>
+          </a:stretch>
+        </p:blipFill>
+        <p:spPr>
+          <a:xfrm>
+            <a:off x="3355019" y="2286000"/>
+            <a:ext cx="5494664" cy="2286000"/>
+          </a:xfrm>
+        </p:spPr>
+      </p:pic>
       <p:sp>
         <p:nvSpPr>
           <p:cNvPr id="4" name="Symbol zastępczy numeru slajdu 3">
             <a:extLst>
               <a:ext uri="{FF2B5EF4-FFF2-40B4-BE49-F238E27FC236}">
-                <a16:creationId xmlns:a16="http://schemas.microsoft.com/office/drawing/2014/main" id="{82101263-3BFE-4F9F-B1CC-5F19B7F72A6E}"/>
+                <a16:creationId xmlns:a16="http://schemas.microsoft.com/office/drawing/2014/main" id="{5E82EF86-75A7-4580-9BB6-B69ED2A19FD1}"/>
               </a:ext>
             </a:extLst>
           </p:cNvPr>
@@ -11919,7 +13635,7 @@
     </p:spTree>
     <p:extLst>
       <p:ext uri="{BB962C8B-B14F-4D97-AF65-F5344CB8AC3E}">
-        <p14:creationId xmlns:p14="http://schemas.microsoft.com/office/powerpoint/2010/main" val="336442161"/>
+        <p14:creationId xmlns:p14="http://schemas.microsoft.com/office/powerpoint/2010/main" val="770154621"/>
       </p:ext>
     </p:extLst>
   </p:cSld>
@@ -12122,7 +13838,7 @@
           <p:nvPr/>
         </p:nvPicPr>
         <p:blipFill>
-          <a:blip r:embed="rId2">
+          <a:blip r:embed="rId3">
             <a:extLst>
               <a:ext uri="{28A0092B-C50C-407E-A947-70E740481C1C}">
                 <a14:useLocalDpi xmlns:a14="http://schemas.microsoft.com/office/drawing/2010/main" val="0"/>
@@ -12552,6 +14268,161 @@
       </p:grpSpPr>
       <p:sp>
         <p:nvSpPr>
+          <p:cNvPr id="5" name="Tytuł 4">
+            <a:extLst>
+              <a:ext uri="{FF2B5EF4-FFF2-40B4-BE49-F238E27FC236}">
+                <a16:creationId xmlns:a16="http://schemas.microsoft.com/office/drawing/2014/main" id="{CD59419F-2067-4A1D-A447-01E675B141A4}"/>
+              </a:ext>
+            </a:extLst>
+          </p:cNvPr>
+          <p:cNvSpPr>
+            <a:spLocks noGrp="1"/>
+          </p:cNvSpPr>
+          <p:nvPr>
+            <p:ph type="title"/>
+          </p:nvPr>
+        </p:nvSpPr>
+        <p:spPr/>
+        <p:txBody>
+          <a:bodyPr>
+            <a:normAutofit/>
+          </a:bodyPr>
+          <a:lstStyle/>
+          <a:p>
+            <a:r>
+              <a:rPr lang="pl-PL" sz="6600" dirty="0"/>
+              <a:t>Usługi </a:t>
+            </a:r>
+            <a:r>
+              <a:rPr lang="pl-PL" sz="6600" dirty="0" err="1"/>
+              <a:t>serverless</a:t>
+            </a:r>
+            <a:endParaRPr lang="pl-PL" sz="6600" dirty="0"/>
+          </a:p>
+        </p:txBody>
+      </p:sp>
+      <p:sp>
+        <p:nvSpPr>
+          <p:cNvPr id="6" name="Symbol zastępczy tekstu 5">
+            <a:extLst>
+              <a:ext uri="{FF2B5EF4-FFF2-40B4-BE49-F238E27FC236}">
+                <a16:creationId xmlns:a16="http://schemas.microsoft.com/office/drawing/2014/main" id="{FF65CAC5-7299-44AC-BA8E-90115FFE2BCE}"/>
+              </a:ext>
+            </a:extLst>
+          </p:cNvPr>
+          <p:cNvSpPr>
+            <a:spLocks noGrp="1"/>
+          </p:cNvSpPr>
+          <p:nvPr>
+            <p:ph type="body" idx="1"/>
+          </p:nvPr>
+        </p:nvSpPr>
+        <p:spPr/>
+        <p:txBody>
+          <a:bodyPr/>
+          <a:lstStyle/>
+          <a:p>
+            <a:r>
+              <a:rPr lang="pl-PL" dirty="0"/>
+              <a:t>A przynajmniej as-</a:t>
+            </a:r>
+            <a:r>
+              <a:rPr lang="pl-PL" dirty="0" err="1"/>
+              <a:t>little</a:t>
+            </a:r>
+            <a:r>
+              <a:rPr lang="pl-PL" dirty="0"/>
+              <a:t>-</a:t>
+            </a:r>
+            <a:r>
+              <a:rPr lang="pl-PL" dirty="0" err="1"/>
+              <a:t>server</a:t>
+            </a:r>
+            <a:r>
+              <a:rPr lang="pl-PL" dirty="0"/>
+              <a:t>-as-</a:t>
+            </a:r>
+            <a:r>
+              <a:rPr lang="pl-PL" dirty="0" err="1"/>
+              <a:t>possible</a:t>
+            </a:r>
+            <a:endParaRPr lang="pl-PL" dirty="0"/>
+          </a:p>
+        </p:txBody>
+      </p:sp>
+      <p:sp>
+        <p:nvSpPr>
+          <p:cNvPr id="4" name="Symbol zastępczy numeru slajdu 3">
+            <a:extLst>
+              <a:ext uri="{FF2B5EF4-FFF2-40B4-BE49-F238E27FC236}">
+                <a16:creationId xmlns:a16="http://schemas.microsoft.com/office/drawing/2014/main" id="{82101263-3BFE-4F9F-B1CC-5F19B7F72A6E}"/>
+              </a:ext>
+            </a:extLst>
+          </p:cNvPr>
+          <p:cNvSpPr>
+            <a:spLocks noGrp="1"/>
+          </p:cNvSpPr>
+          <p:nvPr>
+            <p:ph type="sldNum" sz="quarter" idx="12"/>
+          </p:nvPr>
+        </p:nvSpPr>
+        <p:spPr/>
+        <p:txBody>
+          <a:bodyPr/>
+          <a:lstStyle/>
+          <a:p>
+            <a:fld id="{6AF42C4F-01CF-4077-8471-FA2F2731172D}" type="slidenum">
+              <a:rPr lang="pl-PL" smtClean="0"/>
+              <a:t>30</a:t>
+            </a:fld>
+            <a:endParaRPr lang="pl-PL" dirty="0"/>
+          </a:p>
+        </p:txBody>
+      </p:sp>
+    </p:spTree>
+    <p:extLst>
+      <p:ext uri="{BB962C8B-B14F-4D97-AF65-F5344CB8AC3E}">
+        <p14:creationId xmlns:p14="http://schemas.microsoft.com/office/powerpoint/2010/main" val="336442161"/>
+      </p:ext>
+    </p:extLst>
+  </p:cSld>
+  <p:clrMapOvr>
+    <a:masterClrMapping/>
+  </p:clrMapOvr>
+  <mc:AlternateContent xmlns:mc="http://schemas.openxmlformats.org/markup-compatibility/2006" xmlns:p14="http://schemas.microsoft.com/office/powerpoint/2010/main">
+    <mc:Choice Requires="p14">
+      <p:transition spd="med" p14:dur="700">
+        <p:fade/>
+      </p:transition>
+    </mc:Choice>
+    <mc:Fallback xmlns="">
+      <p:transition spd="med">
+        <p:fade/>
+      </p:transition>
+    </mc:Fallback>
+  </mc:AlternateContent>
+</p:sld>
+</file>
+
+<file path=ppt/slides/slide31.xml><?xml version="1.0" encoding="utf-8"?>
+<p:sld xmlns:a="http://schemas.openxmlformats.org/drawingml/2006/main" xmlns:r="http://schemas.openxmlformats.org/officeDocument/2006/relationships" xmlns:p="http://schemas.openxmlformats.org/presentationml/2006/main">
+  <p:cSld>
+    <p:spTree>
+      <p:nvGrpSpPr>
+        <p:cNvPr id="1" name=""/>
+        <p:cNvGrpSpPr/>
+        <p:nvPr/>
+      </p:nvGrpSpPr>
+      <p:grpSpPr>
+        <a:xfrm>
+          <a:off x="0" y="0"/>
+          <a:ext cx="0" cy="0"/>
+          <a:chOff x="0" y="0"/>
+          <a:chExt cx="0" cy="0"/>
+        </a:xfrm>
+      </p:grpSpPr>
+      <p:sp>
+        <p:nvSpPr>
           <p:cNvPr id="2" name="Symbol zastępczy zawartości 1">
             <a:extLst>
               <a:ext uri="{FF2B5EF4-FFF2-40B4-BE49-F238E27FC236}">
@@ -12647,7 +14518,7 @@
           <a:p>
             <a:fld id="{6AF42C4F-01CF-4077-8471-FA2F2731172D}" type="slidenum">
               <a:rPr lang="pl-PL" smtClean="0"/>
-              <a:t>30</a:t>
+              <a:t>31</a:t>
             </a:fld>
             <a:endParaRPr lang="pl-PL" dirty="0"/>
           </a:p>
@@ -12772,7 +14643,7 @@
 </p:sld>
 </file>
 
-<file path=ppt/slides/slide31.xml><?xml version="1.0" encoding="utf-8"?>
+<file path=ppt/slides/slide32.xml><?xml version="1.0" encoding="utf-8"?>
 <p:sld xmlns:a="http://schemas.openxmlformats.org/drawingml/2006/main" xmlns:r="http://schemas.openxmlformats.org/officeDocument/2006/relationships" xmlns:p="http://schemas.openxmlformats.org/presentationml/2006/main">
   <p:cSld>
     <p:spTree>
@@ -12812,7 +14683,7 @@
           <a:p>
             <a:fld id="{6AF42C4F-01CF-4077-8471-FA2F2731172D}" type="slidenum">
               <a:rPr lang="pl-PL" smtClean="0"/>
-              <a:t>31</a:t>
+              <a:t>32</a:t>
             </a:fld>
             <a:endParaRPr lang="pl-PL" dirty="0"/>
           </a:p>
@@ -13288,7 +15159,7 @@
 </p:sld>
 </file>
 
-<file path=ppt/slides/slide32.xml><?xml version="1.0" encoding="utf-8"?>
+<file path=ppt/slides/slide33.xml><?xml version="1.0" encoding="utf-8"?>
 <p:sld xmlns:a="http://schemas.openxmlformats.org/drawingml/2006/main" xmlns:r="http://schemas.openxmlformats.org/officeDocument/2006/relationships" xmlns:p="http://schemas.openxmlformats.org/presentationml/2006/main">
   <p:cSld>
     <p:spTree>
@@ -13328,7 +15199,7 @@
           <a:p>
             <a:fld id="{6AF42C4F-01CF-4077-8471-FA2F2731172D}" type="slidenum">
               <a:rPr lang="pl-PL" smtClean="0"/>
-              <a:t>32</a:t>
+              <a:t>33</a:t>
             </a:fld>
             <a:endParaRPr lang="pl-PL" dirty="0"/>
           </a:p>
@@ -13428,112 +15299,6 @@
     <p:extLst>
       <p:ext uri="{BB962C8B-B14F-4D97-AF65-F5344CB8AC3E}">
         <p14:creationId xmlns:p14="http://schemas.microsoft.com/office/powerpoint/2010/main" val="1315557044"/>
-      </p:ext>
-    </p:extLst>
-  </p:cSld>
-  <p:clrMapOvr>
-    <a:masterClrMapping/>
-  </p:clrMapOvr>
-  <mc:AlternateContent xmlns:mc="http://schemas.openxmlformats.org/markup-compatibility/2006" xmlns:p14="http://schemas.microsoft.com/office/powerpoint/2010/main">
-    <mc:Choice Requires="p14">
-      <p:transition spd="med" p14:dur="700">
-        <p:fade/>
-      </p:transition>
-    </mc:Choice>
-    <mc:Fallback xmlns="">
-      <p:transition spd="med">
-        <p:fade/>
-      </p:transition>
-    </mc:Fallback>
-  </mc:AlternateContent>
-</p:sld>
-</file>
-
-<file path=ppt/slides/slide33.xml><?xml version="1.0" encoding="utf-8"?>
-<p:sld xmlns:a="http://schemas.openxmlformats.org/drawingml/2006/main" xmlns:r="http://schemas.openxmlformats.org/officeDocument/2006/relationships" xmlns:p="http://schemas.openxmlformats.org/presentationml/2006/main">
-  <p:cSld>
-    <p:spTree>
-      <p:nvGrpSpPr>
-        <p:cNvPr id="1" name=""/>
-        <p:cNvGrpSpPr/>
-        <p:nvPr/>
-      </p:nvGrpSpPr>
-      <p:grpSpPr>
-        <a:xfrm>
-          <a:off x="0" y="0"/>
-          <a:ext cx="0" cy="0"/>
-          <a:chOff x="0" y="0"/>
-          <a:chExt cx="0" cy="0"/>
-        </a:xfrm>
-      </p:grpSpPr>
-      <p:pic>
-        <p:nvPicPr>
-          <p:cNvPr id="6" name="Symbol zastępczy zawartości 5">
-            <a:extLst>
-              <a:ext uri="{FF2B5EF4-FFF2-40B4-BE49-F238E27FC236}">
-                <a16:creationId xmlns:a16="http://schemas.microsoft.com/office/drawing/2014/main" id="{35F4A5BA-8724-48F2-9400-59D8737D5933}"/>
-              </a:ext>
-            </a:extLst>
-          </p:cNvPr>
-          <p:cNvPicPr>
-            <a:picLocks noGrp="1" noChangeAspect="1"/>
-          </p:cNvPicPr>
-          <p:nvPr>
-            <p:ph idx="1"/>
-          </p:nvPr>
-        </p:nvPicPr>
-        <p:blipFill>
-          <a:blip r:embed="rId3">
-            <a:extLst>
-              <a:ext uri="{28A0092B-C50C-407E-A947-70E740481C1C}">
-                <a14:useLocalDpi xmlns:a14="http://schemas.microsoft.com/office/drawing/2010/main" val="0"/>
-              </a:ext>
-            </a:extLst>
-          </a:blip>
-          <a:stretch>
-            <a:fillRect/>
-          </a:stretch>
-        </p:blipFill>
-        <p:spPr>
-          <a:xfrm>
-            <a:off x="3355019" y="2286000"/>
-            <a:ext cx="5494664" cy="2286000"/>
-          </a:xfrm>
-        </p:spPr>
-      </p:pic>
-      <p:sp>
-        <p:nvSpPr>
-          <p:cNvPr id="4" name="Symbol zastępczy numeru slajdu 3">
-            <a:extLst>
-              <a:ext uri="{FF2B5EF4-FFF2-40B4-BE49-F238E27FC236}">
-                <a16:creationId xmlns:a16="http://schemas.microsoft.com/office/drawing/2014/main" id="{5E82EF86-75A7-4580-9BB6-B69ED2A19FD1}"/>
-              </a:ext>
-            </a:extLst>
-          </p:cNvPr>
-          <p:cNvSpPr>
-            <a:spLocks noGrp="1"/>
-          </p:cNvSpPr>
-          <p:nvPr>
-            <p:ph type="sldNum" sz="quarter" idx="12"/>
-          </p:nvPr>
-        </p:nvSpPr>
-        <p:spPr/>
-        <p:txBody>
-          <a:bodyPr/>
-          <a:lstStyle/>
-          <a:p>
-            <a:fld id="{6AF42C4F-01CF-4077-8471-FA2F2731172D}" type="slidenum">
-              <a:rPr lang="pl-PL" smtClean="0"/>
-              <a:t>33</a:t>
-            </a:fld>
-            <a:endParaRPr lang="pl-PL" dirty="0"/>
-          </a:p>
-        </p:txBody>
-      </p:sp>
-    </p:spTree>
-    <p:extLst>
-      <p:ext uri="{BB962C8B-B14F-4D97-AF65-F5344CB8AC3E}">
-        <p14:creationId xmlns:p14="http://schemas.microsoft.com/office/powerpoint/2010/main" val="1111157324"/>
       </p:ext>
     </p:extLst>
   </p:cSld>
@@ -13572,70 +15337,47 @@
           <a:chExt cx="0" cy="0"/>
         </a:xfrm>
       </p:grpSpPr>
-      <p:sp>
-        <p:nvSpPr>
-          <p:cNvPr id="5" name="Tytuł 4">
+      <p:pic>
+        <p:nvPicPr>
+          <p:cNvPr id="6" name="Symbol zastępczy zawartości 5">
             <a:extLst>
               <a:ext uri="{FF2B5EF4-FFF2-40B4-BE49-F238E27FC236}">
-                <a16:creationId xmlns:a16="http://schemas.microsoft.com/office/drawing/2014/main" id="{CD59419F-2067-4A1D-A447-01E675B141A4}"/>
+                <a16:creationId xmlns:a16="http://schemas.microsoft.com/office/drawing/2014/main" id="{35F4A5BA-8724-48F2-9400-59D8737D5933}"/>
               </a:ext>
             </a:extLst>
           </p:cNvPr>
-          <p:cNvSpPr>
-            <a:spLocks noGrp="1"/>
-          </p:cNvSpPr>
-          <p:nvPr>
-            <p:ph type="title"/>
-          </p:nvPr>
-        </p:nvSpPr>
-        <p:spPr/>
-        <p:txBody>
-          <a:bodyPr>
-            <a:normAutofit/>
-          </a:bodyPr>
-          <a:lstStyle/>
-          <a:p>
-            <a:r>
-              <a:rPr lang="pl-PL" sz="6600" dirty="0"/>
-              <a:t>Usługi kognitywne</a:t>
-            </a:r>
-          </a:p>
-        </p:txBody>
-      </p:sp>
-      <p:sp>
-        <p:nvSpPr>
-          <p:cNvPr id="6" name="Symbol zastępczy tekstu 5">
+          <p:cNvPicPr>
+            <a:picLocks noGrp="1" noChangeAspect="1"/>
+          </p:cNvPicPr>
+          <p:nvPr>
+            <p:ph idx="1"/>
+          </p:nvPr>
+        </p:nvPicPr>
+        <p:blipFill>
+          <a:blip r:embed="rId3">
             <a:extLst>
-              <a:ext uri="{FF2B5EF4-FFF2-40B4-BE49-F238E27FC236}">
-                <a16:creationId xmlns:a16="http://schemas.microsoft.com/office/drawing/2014/main" id="{FF65CAC5-7299-44AC-BA8E-90115FFE2BCE}"/>
+              <a:ext uri="{28A0092B-C50C-407E-A947-70E740481C1C}">
+                <a14:useLocalDpi xmlns:a14="http://schemas.microsoft.com/office/drawing/2010/main" val="0"/>
               </a:ext>
             </a:extLst>
-          </p:cNvPr>
-          <p:cNvSpPr>
-            <a:spLocks noGrp="1"/>
-          </p:cNvSpPr>
-          <p:nvPr>
-            <p:ph type="body" idx="1"/>
-          </p:nvPr>
-        </p:nvSpPr>
-        <p:spPr/>
-        <p:txBody>
-          <a:bodyPr/>
-          <a:lstStyle/>
-          <a:p>
-            <a:r>
-              <a:rPr lang="pl-PL" dirty="0"/>
-              <a:t>Uczłowieczanie aplikacji</a:t>
-            </a:r>
-          </a:p>
-        </p:txBody>
-      </p:sp>
+          </a:blip>
+          <a:stretch>
+            <a:fillRect/>
+          </a:stretch>
+        </p:blipFill>
+        <p:spPr>
+          <a:xfrm>
+            <a:off x="3355019" y="2286000"/>
+            <a:ext cx="5494664" cy="2286000"/>
+          </a:xfrm>
+        </p:spPr>
+      </p:pic>
       <p:sp>
         <p:nvSpPr>
           <p:cNvPr id="4" name="Symbol zastępczy numeru slajdu 3">
             <a:extLst>
               <a:ext uri="{FF2B5EF4-FFF2-40B4-BE49-F238E27FC236}">
-                <a16:creationId xmlns:a16="http://schemas.microsoft.com/office/drawing/2014/main" id="{82101263-3BFE-4F9F-B1CC-5F19B7F72A6E}"/>
+                <a16:creationId xmlns:a16="http://schemas.microsoft.com/office/drawing/2014/main" id="{5E82EF86-75A7-4580-9BB6-B69ED2A19FD1}"/>
               </a:ext>
             </a:extLst>
           </p:cNvPr>
@@ -13662,7 +15404,7 @@
     </p:spTree>
     <p:extLst>
       <p:ext uri="{BB962C8B-B14F-4D97-AF65-F5344CB8AC3E}">
-        <p14:creationId xmlns:p14="http://schemas.microsoft.com/office/powerpoint/2010/main" val="1314865557"/>
+        <p14:creationId xmlns:p14="http://schemas.microsoft.com/office/powerpoint/2010/main" val="1111157324"/>
       </p:ext>
     </p:extLst>
   </p:cSld>
@@ -13703,6 +15445,135 @@
       </p:grpSpPr>
       <p:sp>
         <p:nvSpPr>
+          <p:cNvPr id="5" name="Tytuł 4">
+            <a:extLst>
+              <a:ext uri="{FF2B5EF4-FFF2-40B4-BE49-F238E27FC236}">
+                <a16:creationId xmlns:a16="http://schemas.microsoft.com/office/drawing/2014/main" id="{CD59419F-2067-4A1D-A447-01E675B141A4}"/>
+              </a:ext>
+            </a:extLst>
+          </p:cNvPr>
+          <p:cNvSpPr>
+            <a:spLocks noGrp="1"/>
+          </p:cNvSpPr>
+          <p:nvPr>
+            <p:ph type="title"/>
+          </p:nvPr>
+        </p:nvSpPr>
+        <p:spPr/>
+        <p:txBody>
+          <a:bodyPr>
+            <a:normAutofit/>
+          </a:bodyPr>
+          <a:lstStyle/>
+          <a:p>
+            <a:r>
+              <a:rPr lang="pl-PL" sz="6600" dirty="0"/>
+              <a:t>Usługi kognitywne</a:t>
+            </a:r>
+          </a:p>
+        </p:txBody>
+      </p:sp>
+      <p:sp>
+        <p:nvSpPr>
+          <p:cNvPr id="6" name="Symbol zastępczy tekstu 5">
+            <a:extLst>
+              <a:ext uri="{FF2B5EF4-FFF2-40B4-BE49-F238E27FC236}">
+                <a16:creationId xmlns:a16="http://schemas.microsoft.com/office/drawing/2014/main" id="{FF65CAC5-7299-44AC-BA8E-90115FFE2BCE}"/>
+              </a:ext>
+            </a:extLst>
+          </p:cNvPr>
+          <p:cNvSpPr>
+            <a:spLocks noGrp="1"/>
+          </p:cNvSpPr>
+          <p:nvPr>
+            <p:ph type="body" idx="1"/>
+          </p:nvPr>
+        </p:nvSpPr>
+        <p:spPr/>
+        <p:txBody>
+          <a:bodyPr/>
+          <a:lstStyle/>
+          <a:p>
+            <a:r>
+              <a:rPr lang="pl-PL" dirty="0"/>
+              <a:t>Uczłowieczanie aplikacji</a:t>
+            </a:r>
+          </a:p>
+        </p:txBody>
+      </p:sp>
+      <p:sp>
+        <p:nvSpPr>
+          <p:cNvPr id="4" name="Symbol zastępczy numeru slajdu 3">
+            <a:extLst>
+              <a:ext uri="{FF2B5EF4-FFF2-40B4-BE49-F238E27FC236}">
+                <a16:creationId xmlns:a16="http://schemas.microsoft.com/office/drawing/2014/main" id="{82101263-3BFE-4F9F-B1CC-5F19B7F72A6E}"/>
+              </a:ext>
+            </a:extLst>
+          </p:cNvPr>
+          <p:cNvSpPr>
+            <a:spLocks noGrp="1"/>
+          </p:cNvSpPr>
+          <p:nvPr>
+            <p:ph type="sldNum" sz="quarter" idx="12"/>
+          </p:nvPr>
+        </p:nvSpPr>
+        <p:spPr/>
+        <p:txBody>
+          <a:bodyPr/>
+          <a:lstStyle/>
+          <a:p>
+            <a:fld id="{6AF42C4F-01CF-4077-8471-FA2F2731172D}" type="slidenum">
+              <a:rPr lang="pl-PL" smtClean="0"/>
+              <a:t>35</a:t>
+            </a:fld>
+            <a:endParaRPr lang="pl-PL" dirty="0"/>
+          </a:p>
+        </p:txBody>
+      </p:sp>
+    </p:spTree>
+    <p:extLst>
+      <p:ext uri="{BB962C8B-B14F-4D97-AF65-F5344CB8AC3E}">
+        <p14:creationId xmlns:p14="http://schemas.microsoft.com/office/powerpoint/2010/main" val="1314865557"/>
+      </p:ext>
+    </p:extLst>
+  </p:cSld>
+  <p:clrMapOvr>
+    <a:masterClrMapping/>
+  </p:clrMapOvr>
+  <mc:AlternateContent xmlns:mc="http://schemas.openxmlformats.org/markup-compatibility/2006" xmlns:p14="http://schemas.microsoft.com/office/powerpoint/2010/main">
+    <mc:Choice Requires="p14">
+      <p:transition spd="med" p14:dur="700">
+        <p:fade/>
+      </p:transition>
+    </mc:Choice>
+    <mc:Fallback xmlns="">
+      <p:transition spd="med">
+        <p:fade/>
+      </p:transition>
+    </mc:Fallback>
+  </mc:AlternateContent>
+</p:sld>
+</file>
+
+<file path=ppt/slides/slide36.xml><?xml version="1.0" encoding="utf-8"?>
+<p:sld xmlns:a="http://schemas.openxmlformats.org/drawingml/2006/main" xmlns:r="http://schemas.openxmlformats.org/officeDocument/2006/relationships" xmlns:p="http://schemas.openxmlformats.org/presentationml/2006/main">
+  <p:cSld>
+    <p:spTree>
+      <p:nvGrpSpPr>
+        <p:cNvPr id="1" name=""/>
+        <p:cNvGrpSpPr/>
+        <p:nvPr/>
+      </p:nvGrpSpPr>
+      <p:grpSpPr>
+        <a:xfrm>
+          <a:off x="0" y="0"/>
+          <a:ext cx="0" cy="0"/>
+          <a:chOff x="0" y="0"/>
+          <a:chExt cx="0" cy="0"/>
+        </a:xfrm>
+      </p:grpSpPr>
+      <p:sp>
+        <p:nvSpPr>
           <p:cNvPr id="4" name="Symbol zastępczy numeru slajdu 3">
             <a:extLst>
               <a:ext uri="{FF2B5EF4-FFF2-40B4-BE49-F238E27FC236}">
@@ -13724,7 +15595,7 @@
           <a:p>
             <a:fld id="{6AF42C4F-01CF-4077-8471-FA2F2731172D}" type="slidenum">
               <a:rPr lang="pl-PL" smtClean="0"/>
-              <a:t>35</a:t>
+              <a:t>36</a:t>
             </a:fld>
             <a:endParaRPr lang="pl-PL" dirty="0"/>
           </a:p>
@@ -14402,7 +16273,7 @@
 </p:sld>
 </file>
 
-<file path=ppt/slides/slide36.xml><?xml version="1.0" encoding="utf-8"?>
+<file path=ppt/slides/slide37.xml><?xml version="1.0" encoding="utf-8"?>
 <p:sld xmlns:a="http://schemas.openxmlformats.org/drawingml/2006/main" xmlns:r="http://schemas.openxmlformats.org/officeDocument/2006/relationships" xmlns:p="http://schemas.openxmlformats.org/presentationml/2006/main">
   <p:cSld>
     <p:spTree>
@@ -14477,7 +16348,7 @@
           <a:p>
             <a:fld id="{6AF42C4F-01CF-4077-8471-FA2F2731172D}" type="slidenum">
               <a:rPr lang="pl-PL" smtClean="0"/>
-              <a:t>36</a:t>
+              <a:t>37</a:t>
             </a:fld>
             <a:endParaRPr lang="pl-PL" dirty="0"/>
           </a:p>
@@ -14487,135 +16358,6 @@
     <p:extLst>
       <p:ext uri="{BB962C8B-B14F-4D97-AF65-F5344CB8AC3E}">
         <p14:creationId xmlns:p14="http://schemas.microsoft.com/office/powerpoint/2010/main" val="2676209681"/>
-      </p:ext>
-    </p:extLst>
-  </p:cSld>
-  <p:clrMapOvr>
-    <a:masterClrMapping/>
-  </p:clrMapOvr>
-  <mc:AlternateContent xmlns:mc="http://schemas.openxmlformats.org/markup-compatibility/2006" xmlns:p14="http://schemas.microsoft.com/office/powerpoint/2010/main">
-    <mc:Choice Requires="p14">
-      <p:transition spd="med" p14:dur="700">
-        <p:fade/>
-      </p:transition>
-    </mc:Choice>
-    <mc:Fallback xmlns="">
-      <p:transition spd="med">
-        <p:fade/>
-      </p:transition>
-    </mc:Fallback>
-  </mc:AlternateContent>
-</p:sld>
-</file>
-
-<file path=ppt/slides/slide37.xml><?xml version="1.0" encoding="utf-8"?>
-<p:sld xmlns:a="http://schemas.openxmlformats.org/drawingml/2006/main" xmlns:r="http://schemas.openxmlformats.org/officeDocument/2006/relationships" xmlns:p="http://schemas.openxmlformats.org/presentationml/2006/main">
-  <p:cSld>
-    <p:spTree>
-      <p:nvGrpSpPr>
-        <p:cNvPr id="1" name=""/>
-        <p:cNvGrpSpPr/>
-        <p:nvPr/>
-      </p:nvGrpSpPr>
-      <p:grpSpPr>
-        <a:xfrm>
-          <a:off x="0" y="0"/>
-          <a:ext cx="0" cy="0"/>
-          <a:chOff x="0" y="0"/>
-          <a:chExt cx="0" cy="0"/>
-        </a:xfrm>
-      </p:grpSpPr>
-      <p:sp>
-        <p:nvSpPr>
-          <p:cNvPr id="5" name="Tytuł 4">
-            <a:extLst>
-              <a:ext uri="{FF2B5EF4-FFF2-40B4-BE49-F238E27FC236}">
-                <a16:creationId xmlns:a16="http://schemas.microsoft.com/office/drawing/2014/main" id="{CD59419F-2067-4A1D-A447-01E675B141A4}"/>
-              </a:ext>
-            </a:extLst>
-          </p:cNvPr>
-          <p:cNvSpPr>
-            <a:spLocks noGrp="1"/>
-          </p:cNvSpPr>
-          <p:nvPr>
-            <p:ph type="title"/>
-          </p:nvPr>
-        </p:nvSpPr>
-        <p:spPr/>
-        <p:txBody>
-          <a:bodyPr>
-            <a:normAutofit/>
-          </a:bodyPr>
-          <a:lstStyle/>
-          <a:p>
-            <a:r>
-              <a:rPr lang="pl-PL" sz="6600" dirty="0"/>
-              <a:t>Podsumowanie</a:t>
-            </a:r>
-          </a:p>
-        </p:txBody>
-      </p:sp>
-      <p:sp>
-        <p:nvSpPr>
-          <p:cNvPr id="6" name="Symbol zastępczy tekstu 5">
-            <a:extLst>
-              <a:ext uri="{FF2B5EF4-FFF2-40B4-BE49-F238E27FC236}">
-                <a16:creationId xmlns:a16="http://schemas.microsoft.com/office/drawing/2014/main" id="{FF65CAC5-7299-44AC-BA8E-90115FFE2BCE}"/>
-              </a:ext>
-            </a:extLst>
-          </p:cNvPr>
-          <p:cNvSpPr>
-            <a:spLocks noGrp="1"/>
-          </p:cNvSpPr>
-          <p:nvPr>
-            <p:ph type="body" idx="1"/>
-          </p:nvPr>
-        </p:nvSpPr>
-        <p:spPr/>
-        <p:txBody>
-          <a:bodyPr/>
-          <a:lstStyle/>
-          <a:p>
-            <a:r>
-              <a:rPr lang="pl-PL" dirty="0"/>
-              <a:t>Linki itp.</a:t>
-            </a:r>
-          </a:p>
-        </p:txBody>
-      </p:sp>
-      <p:sp>
-        <p:nvSpPr>
-          <p:cNvPr id="4" name="Symbol zastępczy numeru slajdu 3">
-            <a:extLst>
-              <a:ext uri="{FF2B5EF4-FFF2-40B4-BE49-F238E27FC236}">
-                <a16:creationId xmlns:a16="http://schemas.microsoft.com/office/drawing/2014/main" id="{82101263-3BFE-4F9F-B1CC-5F19B7F72A6E}"/>
-              </a:ext>
-            </a:extLst>
-          </p:cNvPr>
-          <p:cNvSpPr>
-            <a:spLocks noGrp="1"/>
-          </p:cNvSpPr>
-          <p:nvPr>
-            <p:ph type="sldNum" sz="quarter" idx="12"/>
-          </p:nvPr>
-        </p:nvSpPr>
-        <p:spPr/>
-        <p:txBody>
-          <a:bodyPr/>
-          <a:lstStyle/>
-          <a:p>
-            <a:fld id="{6AF42C4F-01CF-4077-8471-FA2F2731172D}" type="slidenum">
-              <a:rPr lang="pl-PL" smtClean="0"/>
-              <a:t>37</a:t>
-            </a:fld>
-            <a:endParaRPr lang="pl-PL" dirty="0"/>
-          </a:p>
-        </p:txBody>
-      </p:sp>
-    </p:spTree>
-    <p:extLst>
-      <p:ext uri="{BB962C8B-B14F-4D97-AF65-F5344CB8AC3E}">
-        <p14:creationId xmlns:p14="http://schemas.microsoft.com/office/powerpoint/2010/main" val="263505341"/>
       </p:ext>
     </p:extLst>
   </p:cSld>
@@ -14656,10 +16398,68 @@
       </p:grpSpPr>
       <p:sp>
         <p:nvSpPr>
+          <p:cNvPr id="5" name="Tytuł 4">
+            <a:extLst>
+              <a:ext uri="{FF2B5EF4-FFF2-40B4-BE49-F238E27FC236}">
+                <a16:creationId xmlns:a16="http://schemas.microsoft.com/office/drawing/2014/main" id="{CD59419F-2067-4A1D-A447-01E675B141A4}"/>
+              </a:ext>
+            </a:extLst>
+          </p:cNvPr>
+          <p:cNvSpPr>
+            <a:spLocks noGrp="1"/>
+          </p:cNvSpPr>
+          <p:nvPr>
+            <p:ph type="title"/>
+          </p:nvPr>
+        </p:nvSpPr>
+        <p:spPr/>
+        <p:txBody>
+          <a:bodyPr>
+            <a:normAutofit/>
+          </a:bodyPr>
+          <a:lstStyle/>
+          <a:p>
+            <a:r>
+              <a:rPr lang="pl-PL" sz="6600" dirty="0"/>
+              <a:t>Podsumowanie</a:t>
+            </a:r>
+          </a:p>
+        </p:txBody>
+      </p:sp>
+      <p:sp>
+        <p:nvSpPr>
+          <p:cNvPr id="6" name="Symbol zastępczy tekstu 5">
+            <a:extLst>
+              <a:ext uri="{FF2B5EF4-FFF2-40B4-BE49-F238E27FC236}">
+                <a16:creationId xmlns:a16="http://schemas.microsoft.com/office/drawing/2014/main" id="{FF65CAC5-7299-44AC-BA8E-90115FFE2BCE}"/>
+              </a:ext>
+            </a:extLst>
+          </p:cNvPr>
+          <p:cNvSpPr>
+            <a:spLocks noGrp="1"/>
+          </p:cNvSpPr>
+          <p:nvPr>
+            <p:ph type="body" idx="1"/>
+          </p:nvPr>
+        </p:nvSpPr>
+        <p:spPr/>
+        <p:txBody>
+          <a:bodyPr/>
+          <a:lstStyle/>
+          <a:p>
+            <a:r>
+              <a:rPr lang="pl-PL" dirty="0"/>
+              <a:t>Linki itp.</a:t>
+            </a:r>
+          </a:p>
+        </p:txBody>
+      </p:sp>
+      <p:sp>
+        <p:nvSpPr>
           <p:cNvPr id="4" name="Symbol zastępczy numeru slajdu 3">
             <a:extLst>
               <a:ext uri="{FF2B5EF4-FFF2-40B4-BE49-F238E27FC236}">
-                <a16:creationId xmlns:a16="http://schemas.microsoft.com/office/drawing/2014/main" id="{1E6922F2-10AF-4AAB-ABC7-F5ABE3B3C556}"/>
+                <a16:creationId xmlns:a16="http://schemas.microsoft.com/office/drawing/2014/main" id="{82101263-3BFE-4F9F-B1CC-5F19B7F72A6E}"/>
               </a:ext>
             </a:extLst>
           </p:cNvPr>
@@ -14683,46 +16483,10 @@
           </a:p>
         </p:txBody>
       </p:sp>
-      <p:sp>
-        <p:nvSpPr>
-          <p:cNvPr id="5" name="Tytuł 4">
-            <a:extLst>
-              <a:ext uri="{FF2B5EF4-FFF2-40B4-BE49-F238E27FC236}">
-                <a16:creationId xmlns:a16="http://schemas.microsoft.com/office/drawing/2014/main" id="{FAD754A7-92E4-485D-B9F1-6FD5F6AB0250}"/>
-              </a:ext>
-            </a:extLst>
-          </p:cNvPr>
-          <p:cNvSpPr>
-            <a:spLocks noGrp="1"/>
-          </p:cNvSpPr>
-          <p:nvPr>
-            <p:ph type="title"/>
-          </p:nvPr>
-        </p:nvSpPr>
-        <p:spPr>
-          <a:xfrm>
-            <a:off x="845127" y="2766219"/>
-            <a:ext cx="10515600" cy="1325562"/>
-          </a:xfrm>
-        </p:spPr>
-        <p:txBody>
-          <a:bodyPr>
-            <a:noAutofit/>
-          </a:bodyPr>
-          <a:lstStyle/>
-          <a:p>
-            <a:pPr algn="ctr"/>
-            <a:r>
-              <a:rPr lang="pl-PL" sz="3200" dirty="0"/>
-              <a:t>Dzięki chmurze można szybko i łatwo korzystać z usług, które przyspieszają różne aspekty rozwijania aplikacji.</a:t>
-            </a:r>
-          </a:p>
-        </p:txBody>
-      </p:sp>
     </p:spTree>
     <p:extLst>
       <p:ext uri="{BB962C8B-B14F-4D97-AF65-F5344CB8AC3E}">
-        <p14:creationId xmlns:p14="http://schemas.microsoft.com/office/powerpoint/2010/main" val="2241528631"/>
+        <p14:creationId xmlns:p14="http://schemas.microsoft.com/office/powerpoint/2010/main" val="263505341"/>
       </p:ext>
     </p:extLst>
   </p:cSld>
@@ -14794,7 +16558,7 @@
             </a:r>
             <a:r>
               <a:rPr lang="pl-PL" sz="2300" dirty="0">
-                <a:hlinkClick r:id="rId2"/>
+                <a:hlinkClick r:id="rId3"/>
               </a:rPr>
               <a:t>https://azure.microsoft.com/en-us/free/students/</a:t>
             </a:r>
@@ -14808,32 +16572,32 @@
             <a:r>
               <a:rPr lang="pl-PL" sz="2300" dirty="0"/>
               <a:t> dla uczniów - </a:t>
-            </a:r>
-            <a:r>
-              <a:rPr lang="pl-PL" sz="2300" dirty="0">
-                <a:hlinkClick r:id="rId3"/>
-              </a:rPr>
-              <a:t>https://azure.microsoft.com/en-us/offers/ms-azr-0144p/</a:t>
-            </a:r>
-            <a:endParaRPr lang="pl-PL" sz="2300" dirty="0"/>
-          </a:p>
-          <a:p>
-            <a:r>
-              <a:rPr lang="pl-PL" sz="2300" dirty="0"/>
-              <a:t>Microsoft </a:t>
-            </a:r>
-            <a:r>
-              <a:rPr lang="pl-PL" sz="2300" dirty="0" err="1"/>
-              <a:t>Learn</a:t>
-            </a:r>
-            <a:r>
-              <a:rPr lang="pl-PL" sz="2300" dirty="0"/>
-              <a:t> - </a:t>
             </a:r>
             <a:r>
               <a:rPr lang="pl-PL" sz="2300" dirty="0">
                 <a:hlinkClick r:id="rId4"/>
               </a:rPr>
+              <a:t>https://azure.microsoft.com/en-us/offers/ms-azr-0144p/</a:t>
+            </a:r>
+            <a:endParaRPr lang="pl-PL" sz="2300" dirty="0"/>
+          </a:p>
+          <a:p>
+            <a:r>
+              <a:rPr lang="pl-PL" sz="2300" dirty="0"/>
+              <a:t>Microsoft </a:t>
+            </a:r>
+            <a:r>
+              <a:rPr lang="pl-PL" sz="2300" dirty="0" err="1"/>
+              <a:t>Learn</a:t>
+            </a:r>
+            <a:r>
+              <a:rPr lang="pl-PL" sz="2300" dirty="0"/>
+              <a:t> - </a:t>
+            </a:r>
+            <a:r>
+              <a:rPr lang="pl-PL" sz="2300" dirty="0">
+                <a:hlinkClick r:id="rId5"/>
+              </a:rPr>
               <a:t>https://docs.microsoft.com/en-us/learn/</a:t>
             </a:r>
             <a:endParaRPr lang="pl-PL" sz="2300" dirty="0"/>
@@ -14852,7 +16616,7 @@
             </a:r>
             <a:r>
               <a:rPr lang="pl-PL" sz="2400" dirty="0">
-                <a:hlinkClick r:id="rId5"/>
+                <a:hlinkClick r:id="rId6"/>
               </a:rPr>
               <a:t>https://www.microsoft.com/en-us/p/intelligent-kiosk/9nblggh5qd84</a:t>
             </a:r>
@@ -14864,10 +16628,23 @@
               <a:t>GitHub z prezentacją i kodami - </a:t>
             </a:r>
             <a:r>
-              <a:rPr lang="pl-PL" sz="2300" dirty="0">
-                <a:hlinkClick r:id="rId6"/>
+              <a:rPr lang="pl-PL" sz="2400" dirty="0">
+                <a:hlinkClick r:id="rId7"/>
               </a:rPr>
-              <a:t>https://github.com/dotnet-p-lodz/DWEEIA2019</a:t>
+              <a:t>https://github.com/dotnet-p-lodz/azure-spring-2019</a:t>
+            </a:r>
+            <a:endParaRPr lang="pl-PL" sz="2400" dirty="0"/>
+          </a:p>
+          <a:p>
+            <a:r>
+              <a:rPr lang="pl-PL" sz="2400" dirty="0"/>
+              <a:t>OneDrive z prezentacją i kodami - </a:t>
+            </a:r>
+            <a:r>
+              <a:rPr lang="pl-PL" sz="2400" dirty="0">
+                <a:hlinkClick r:id="rId8"/>
+              </a:rPr>
+              <a:t>https://dotnet.p.lodz.pl/OneDrive/Public</a:t>
             </a:r>
             <a:endParaRPr lang="pl-PL" sz="2300" dirty="0"/>
           </a:p>
@@ -14977,7 +16754,7 @@
           <p:cNvPr id="2" name="Symbol zastępczy zawartości 1">
             <a:extLst>
               <a:ext uri="{FF2B5EF4-FFF2-40B4-BE49-F238E27FC236}">
-                <a16:creationId xmlns:a16="http://schemas.microsoft.com/office/drawing/2014/main" id="{028BF4E8-4BC2-4741-ABDF-61FAF257980B}"/>
+                <a16:creationId xmlns:a16="http://schemas.microsoft.com/office/drawing/2014/main" id="{069BCD56-334E-46D2-B2E5-C85A55B86962}"/>
               </a:ext>
             </a:extLst>
           </p:cNvPr>
@@ -14988,24 +16765,119 @@
             <p:ph idx="1"/>
           </p:nvPr>
         </p:nvSpPr>
-        <p:spPr>
-          <a:xfrm>
-            <a:off x="1614054" y="1219200"/>
-            <a:ext cx="8977746" cy="1600520"/>
-          </a:xfrm>
-        </p:spPr>
-        <p:txBody>
-          <a:bodyPr anchor="ctr">
-            <a:normAutofit/>
-          </a:bodyPr>
-          <a:lstStyle/>
-          <a:p>
-            <a:pPr marL="0" indent="0" algn="ctr">
-              <a:buNone/>
-            </a:pPr>
-            <a:r>
-              <a:rPr lang="pl-PL" sz="6000" dirty="0"/>
-              <a:t>www.tlk.io/dotnet-p-lodz</a:t>
+        <p:spPr/>
+        <p:txBody>
+          <a:bodyPr/>
+          <a:lstStyle/>
+          <a:p>
+            <a:r>
+              <a:rPr lang="pl-PL" dirty="0"/>
+              <a:t>Co tydzień o 18:15 na WEEIA w E2</a:t>
+            </a:r>
+          </a:p>
+          <a:p>
+            <a:r>
+              <a:rPr lang="pl-PL" dirty="0"/>
+              <a:t>Tematy:</a:t>
+            </a:r>
+          </a:p>
+          <a:p>
+            <a:pPr lvl="1"/>
+            <a:r>
+              <a:rPr lang="pl-PL" dirty="0"/>
+              <a:t>20.05 – Wprowadzenie</a:t>
+            </a:r>
+          </a:p>
+          <a:p>
+            <a:pPr lvl="1"/>
+            <a:r>
+              <a:rPr lang="pl-PL" dirty="0"/>
+              <a:t>27.05 – Usługi </a:t>
+            </a:r>
+            <a:r>
+              <a:rPr lang="pl-PL" dirty="0" err="1"/>
+              <a:t>IoT</a:t>
+            </a:r>
+            <a:r>
+              <a:rPr lang="pl-PL" dirty="0"/>
+              <a:t> </a:t>
+            </a:r>
+          </a:p>
+          <a:p>
+            <a:pPr lvl="1"/>
+            <a:r>
+              <a:rPr lang="pl-PL" dirty="0"/>
+              <a:t>03.06 – </a:t>
+            </a:r>
+            <a:r>
+              <a:rPr lang="pl-PL" dirty="0" err="1"/>
+              <a:t>Azure</a:t>
+            </a:r>
+            <a:r>
+              <a:rPr lang="pl-PL" dirty="0"/>
+              <a:t> </a:t>
+            </a:r>
+            <a:r>
+              <a:rPr lang="pl-PL" dirty="0" err="1"/>
+              <a:t>notebooks</a:t>
+            </a:r>
+            <a:endParaRPr lang="pl-PL" dirty="0"/>
+          </a:p>
+          <a:p>
+            <a:pPr lvl="1"/>
+            <a:r>
+              <a:rPr lang="pl-PL" dirty="0"/>
+              <a:t>10.06 – TBA </a:t>
+            </a:r>
+          </a:p>
+          <a:p>
+            <a:pPr lvl="1"/>
+            <a:r>
+              <a:rPr lang="pl-PL" dirty="0"/>
+              <a:t>17.06 – Machine Learning Studio</a:t>
+            </a:r>
+          </a:p>
+          <a:p>
+            <a:r>
+              <a:rPr lang="pl-PL" dirty="0"/>
+              <a:t>Ok. 1-1,5 godziny</a:t>
+            </a:r>
+          </a:p>
+          <a:p>
+            <a:r>
+              <a:rPr lang="pl-PL" dirty="0"/>
+              <a:t>Potwierdzenie uczestnictwa za 3/4 zajęć (dzisiejsze nie są liczone)</a:t>
+            </a:r>
+          </a:p>
+          <a:p>
+            <a:endParaRPr lang="pl-PL" dirty="0"/>
+          </a:p>
+        </p:txBody>
+      </p:sp>
+      <p:sp>
+        <p:nvSpPr>
+          <p:cNvPr id="3" name="Tytuł 2">
+            <a:extLst>
+              <a:ext uri="{FF2B5EF4-FFF2-40B4-BE49-F238E27FC236}">
+                <a16:creationId xmlns:a16="http://schemas.microsoft.com/office/drawing/2014/main" id="{AED8182E-FF32-43B1-B3AC-64FEC57203DD}"/>
+              </a:ext>
+            </a:extLst>
+          </p:cNvPr>
+          <p:cNvSpPr>
+            <a:spLocks noGrp="1"/>
+          </p:cNvSpPr>
+          <p:nvPr>
+            <p:ph type="title"/>
+          </p:nvPr>
+        </p:nvSpPr>
+        <p:spPr/>
+        <p:txBody>
+          <a:bodyPr/>
+          <a:lstStyle/>
+          <a:p>
+            <a:r>
+              <a:rPr lang="pl-PL" dirty="0"/>
+              <a:t>O kursie</a:t>
             </a:r>
           </a:p>
         </p:txBody>
@@ -15015,7 +16887,7 @@
           <p:cNvPr id="4" name="Symbol zastępczy numeru slajdu 3">
             <a:extLst>
               <a:ext uri="{FF2B5EF4-FFF2-40B4-BE49-F238E27FC236}">
-                <a16:creationId xmlns:a16="http://schemas.microsoft.com/office/drawing/2014/main" id="{CF052A5A-C08B-470E-A75A-6F2D0AEB90BB}"/>
+                <a16:creationId xmlns:a16="http://schemas.microsoft.com/office/drawing/2014/main" id="{E4F77FD3-51BB-4540-AEE1-686C94FDECB4}"/>
               </a:ext>
             </a:extLst>
           </p:cNvPr>
@@ -15039,46 +16911,10 @@
           </a:p>
         </p:txBody>
       </p:sp>
-      <p:pic>
-        <p:nvPicPr>
-          <p:cNvPr id="6" name="Obraz 5">
-            <a:extLst>
-              <a:ext uri="{FF2B5EF4-FFF2-40B4-BE49-F238E27FC236}">
-                <a16:creationId xmlns:a16="http://schemas.microsoft.com/office/drawing/2014/main" id="{7BC41C7C-5FAA-4839-98D8-C8549850DC7A}"/>
-              </a:ext>
-            </a:extLst>
-          </p:cNvPr>
-          <p:cNvPicPr>
-            <a:picLocks noChangeAspect="1"/>
-          </p:cNvPicPr>
-          <p:nvPr/>
-        </p:nvPicPr>
-        <p:blipFill>
-          <a:blip r:embed="rId2">
-            <a:extLst>
-              <a:ext uri="{28A0092B-C50C-407E-A947-70E740481C1C}">
-                <a14:useLocalDpi xmlns:a14="http://schemas.microsoft.com/office/drawing/2010/main" val="0"/>
-              </a:ext>
-            </a:extLst>
-          </a:blip>
-          <a:stretch>
-            <a:fillRect/>
-          </a:stretch>
-        </p:blipFill>
-        <p:spPr>
-          <a:xfrm>
-            <a:off x="4648200" y="2895600"/>
-            <a:ext cx="2895600" cy="2895600"/>
-          </a:xfrm>
-          <a:prstGeom prst="rect">
-            <a:avLst/>
-          </a:prstGeom>
-        </p:spPr>
-      </p:pic>
     </p:spTree>
     <p:extLst>
       <p:ext uri="{BB962C8B-B14F-4D97-AF65-F5344CB8AC3E}">
-        <p14:creationId xmlns:p14="http://schemas.microsoft.com/office/powerpoint/2010/main" val="3281401749"/>
+        <p14:creationId xmlns:p14="http://schemas.microsoft.com/office/powerpoint/2010/main" val="584900380"/>
       </p:ext>
     </p:extLst>
   </p:cSld>
@@ -15443,7 +17279,7 @@
               <p:nvPr/>
             </p:nvPicPr>
             <p:blipFill>
-              <a:blip r:embed="rId2">
+              <a:blip r:embed="rId3">
                 <a:extLst>
                   <a:ext uri="{28A0092B-C50C-407E-A947-70E740481C1C}">
                     <a14:useLocalDpi xmlns:a14="http://schemas.microsoft.com/office/drawing/2010/main" val="0"/>
@@ -15536,7 +17372,7 @@
               <p:nvPr/>
             </p:nvPicPr>
             <p:blipFill>
-              <a:blip r:embed="rId3">
+              <a:blip r:embed="rId4">
                 <a:extLst>
                   <a:ext uri="{28A0092B-C50C-407E-A947-70E740481C1C}">
                     <a14:useLocalDpi xmlns:a14="http://schemas.microsoft.com/office/drawing/2010/main" val="0"/>
@@ -15629,7 +17465,7 @@
               <p:nvPr/>
             </p:nvPicPr>
             <p:blipFill>
-              <a:blip r:embed="rId4">
+              <a:blip r:embed="rId5">
                 <a:extLst>
                   <a:ext uri="{28A0092B-C50C-407E-A947-70E740481C1C}">
                     <a14:useLocalDpi xmlns:a14="http://schemas.microsoft.com/office/drawing/2010/main" val="0"/>
@@ -15732,10 +17568,10 @@
       </p:grpSpPr>
       <p:sp>
         <p:nvSpPr>
-          <p:cNvPr id="5" name="Tytuł 4">
+          <p:cNvPr id="2" name="Symbol zastępczy zawartości 1">
             <a:extLst>
               <a:ext uri="{FF2B5EF4-FFF2-40B4-BE49-F238E27FC236}">
-                <a16:creationId xmlns:a16="http://schemas.microsoft.com/office/drawing/2014/main" id="{CD59419F-2067-4A1D-A447-01E675B141A4}"/>
+                <a16:creationId xmlns:a16="http://schemas.microsoft.com/office/drawing/2014/main" id="{028BF4E8-4BC2-4741-ABDF-61FAF257980B}"/>
               </a:ext>
             </a:extLst>
           </p:cNvPr>
@@ -15743,45 +17579,28 @@
             <a:spLocks noGrp="1"/>
           </p:cNvSpPr>
           <p:nvPr>
-            <p:ph type="title"/>
-          </p:nvPr>
-        </p:nvSpPr>
-        <p:spPr/>
-        <p:txBody>
-          <a:bodyPr>
+            <p:ph idx="1"/>
+          </p:nvPr>
+        </p:nvSpPr>
+        <p:spPr>
+          <a:xfrm>
+            <a:off x="1614054" y="1219200"/>
+            <a:ext cx="8977746" cy="1600520"/>
+          </a:xfrm>
+        </p:spPr>
+        <p:txBody>
+          <a:bodyPr anchor="ctr">
             <a:normAutofit/>
           </a:bodyPr>
           <a:lstStyle/>
           <a:p>
-            <a:r>
-              <a:rPr lang="pl-PL" sz="6600" dirty="0"/>
-              <a:t>Czym jest chmura?</a:t>
-            </a:r>
-          </a:p>
-        </p:txBody>
-      </p:sp>
-      <p:sp>
-        <p:nvSpPr>
-          <p:cNvPr id="6" name="Symbol zastępczy tekstu 5">
-            <a:extLst>
-              <a:ext uri="{FF2B5EF4-FFF2-40B4-BE49-F238E27FC236}">
-                <a16:creationId xmlns:a16="http://schemas.microsoft.com/office/drawing/2014/main" id="{FF65CAC5-7299-44AC-BA8E-90115FFE2BCE}"/>
-              </a:ext>
-            </a:extLst>
-          </p:cNvPr>
-          <p:cNvSpPr>
-            <a:spLocks noGrp="1"/>
-          </p:cNvSpPr>
-          <p:nvPr>
-            <p:ph type="body" idx="1"/>
-          </p:nvPr>
-        </p:nvSpPr>
-        <p:spPr/>
-        <p:txBody>
-          <a:bodyPr/>
-          <a:lstStyle/>
-          <a:p>
-            <a:endParaRPr lang="pl-PL" dirty="0"/>
+            <a:pPr marL="0" indent="0" algn="ctr">
+              <a:buNone/>
+            </a:pPr>
+            <a:r>
+              <a:rPr lang="pl-PL" sz="6000" dirty="0"/>
+              <a:t>www.tlk.io/dotnet-p-lodz</a:t>
+            </a:r>
           </a:p>
         </p:txBody>
       </p:sp>
@@ -15790,7 +17609,7 @@
           <p:cNvPr id="4" name="Symbol zastępczy numeru slajdu 3">
             <a:extLst>
               <a:ext uri="{FF2B5EF4-FFF2-40B4-BE49-F238E27FC236}">
-                <a16:creationId xmlns:a16="http://schemas.microsoft.com/office/drawing/2014/main" id="{82101263-3BFE-4F9F-B1CC-5F19B7F72A6E}"/>
+                <a16:creationId xmlns:a16="http://schemas.microsoft.com/office/drawing/2014/main" id="{CF052A5A-C08B-470E-A75A-6F2D0AEB90BB}"/>
               </a:ext>
             </a:extLst>
           </p:cNvPr>
@@ -15814,10 +17633,46 @@
           </a:p>
         </p:txBody>
       </p:sp>
+      <p:pic>
+        <p:nvPicPr>
+          <p:cNvPr id="6" name="Obraz 5">
+            <a:extLst>
+              <a:ext uri="{FF2B5EF4-FFF2-40B4-BE49-F238E27FC236}">
+                <a16:creationId xmlns:a16="http://schemas.microsoft.com/office/drawing/2014/main" id="{7BC41C7C-5FAA-4839-98D8-C8549850DC7A}"/>
+              </a:ext>
+            </a:extLst>
+          </p:cNvPr>
+          <p:cNvPicPr>
+            <a:picLocks noChangeAspect="1"/>
+          </p:cNvPicPr>
+          <p:nvPr/>
+        </p:nvPicPr>
+        <p:blipFill>
+          <a:blip r:embed="rId3">
+            <a:extLst>
+              <a:ext uri="{28A0092B-C50C-407E-A947-70E740481C1C}">
+                <a14:useLocalDpi xmlns:a14="http://schemas.microsoft.com/office/drawing/2010/main" val="0"/>
+              </a:ext>
+            </a:extLst>
+          </a:blip>
+          <a:stretch>
+            <a:fillRect/>
+          </a:stretch>
+        </p:blipFill>
+        <p:spPr>
+          <a:xfrm>
+            <a:off x="4648200" y="2895600"/>
+            <a:ext cx="2895600" cy="2895600"/>
+          </a:xfrm>
+          <a:prstGeom prst="rect">
+            <a:avLst/>
+          </a:prstGeom>
+        </p:spPr>
+      </p:pic>
     </p:spTree>
     <p:extLst>
       <p:ext uri="{BB962C8B-B14F-4D97-AF65-F5344CB8AC3E}">
-        <p14:creationId xmlns:p14="http://schemas.microsoft.com/office/powerpoint/2010/main" val="2916414687"/>
+        <p14:creationId xmlns:p14="http://schemas.microsoft.com/office/powerpoint/2010/main" val="3281401749"/>
       </p:ext>
     </p:extLst>
   </p:cSld>
@@ -15858,10 +17713,65 @@
       </p:grpSpPr>
       <p:sp>
         <p:nvSpPr>
+          <p:cNvPr id="5" name="Tytuł 4">
+            <a:extLst>
+              <a:ext uri="{FF2B5EF4-FFF2-40B4-BE49-F238E27FC236}">
+                <a16:creationId xmlns:a16="http://schemas.microsoft.com/office/drawing/2014/main" id="{CD59419F-2067-4A1D-A447-01E675B141A4}"/>
+              </a:ext>
+            </a:extLst>
+          </p:cNvPr>
+          <p:cNvSpPr>
+            <a:spLocks noGrp="1"/>
+          </p:cNvSpPr>
+          <p:nvPr>
+            <p:ph type="title"/>
+          </p:nvPr>
+        </p:nvSpPr>
+        <p:spPr/>
+        <p:txBody>
+          <a:bodyPr>
+            <a:normAutofit/>
+          </a:bodyPr>
+          <a:lstStyle/>
+          <a:p>
+            <a:r>
+              <a:rPr lang="pl-PL" sz="6600" dirty="0"/>
+              <a:t>Czym jest chmura?</a:t>
+            </a:r>
+          </a:p>
+        </p:txBody>
+      </p:sp>
+      <p:sp>
+        <p:nvSpPr>
+          <p:cNvPr id="6" name="Symbol zastępczy tekstu 5">
+            <a:extLst>
+              <a:ext uri="{FF2B5EF4-FFF2-40B4-BE49-F238E27FC236}">
+                <a16:creationId xmlns:a16="http://schemas.microsoft.com/office/drawing/2014/main" id="{FF65CAC5-7299-44AC-BA8E-90115FFE2BCE}"/>
+              </a:ext>
+            </a:extLst>
+          </p:cNvPr>
+          <p:cNvSpPr>
+            <a:spLocks noGrp="1"/>
+          </p:cNvSpPr>
+          <p:nvPr>
+            <p:ph type="body" idx="1"/>
+          </p:nvPr>
+        </p:nvSpPr>
+        <p:spPr/>
+        <p:txBody>
+          <a:bodyPr/>
+          <a:lstStyle/>
+          <a:p>
+            <a:endParaRPr lang="pl-PL" dirty="0"/>
+          </a:p>
+        </p:txBody>
+      </p:sp>
+      <p:sp>
+        <p:nvSpPr>
           <p:cNvPr id="4" name="Symbol zastępczy numeru slajdu 3">
             <a:extLst>
               <a:ext uri="{FF2B5EF4-FFF2-40B4-BE49-F238E27FC236}">
-                <a16:creationId xmlns:a16="http://schemas.microsoft.com/office/drawing/2014/main" id="{1E6922F2-10AF-4AAB-ABC7-F5ABE3B3C556}"/>
+                <a16:creationId xmlns:a16="http://schemas.microsoft.com/office/drawing/2014/main" id="{82101263-3BFE-4F9F-B1CC-5F19B7F72A6E}"/>
               </a:ext>
             </a:extLst>
           </p:cNvPr>
@@ -15885,47 +17795,10 @@
           </a:p>
         </p:txBody>
       </p:sp>
-      <p:sp>
-        <p:nvSpPr>
-          <p:cNvPr id="5" name="Tytuł 4">
-            <a:extLst>
-              <a:ext uri="{FF2B5EF4-FFF2-40B4-BE49-F238E27FC236}">
-                <a16:creationId xmlns:a16="http://schemas.microsoft.com/office/drawing/2014/main" id="{FAD754A7-92E4-485D-B9F1-6FD5F6AB0250}"/>
-              </a:ext>
-            </a:extLst>
-          </p:cNvPr>
-          <p:cNvSpPr>
-            <a:spLocks noGrp="1"/>
-          </p:cNvSpPr>
-          <p:nvPr>
-            <p:ph type="title"/>
-          </p:nvPr>
-        </p:nvSpPr>
-        <p:spPr>
-          <a:xfrm>
-            <a:off x="845127" y="2766219"/>
-            <a:ext cx="10515600" cy="1325562"/>
-          </a:xfrm>
-        </p:spPr>
-        <p:txBody>
-          <a:bodyPr/>
-          <a:lstStyle/>
-          <a:p>
-            <a:pPr algn="ctr"/>
-            <a:r>
-              <a:rPr lang="pl-PL" dirty="0">
-                <a:latin typeface="Segoe UI Semibold" panose="020B0702040204020203" pitchFamily="34" charset="0"/>
-                <a:cs typeface="Segoe UI Semibold" panose="020B0702040204020203" pitchFamily="34" charset="0"/>
-              </a:rPr>
-              <a:t>Co to jest chmura?</a:t>
-            </a:r>
-          </a:p>
-        </p:txBody>
-      </p:sp>
     </p:spTree>
     <p:extLst>
       <p:ext uri="{BB962C8B-B14F-4D97-AF65-F5344CB8AC3E}">
-        <p14:creationId xmlns:p14="http://schemas.microsoft.com/office/powerpoint/2010/main" val="3765874058"/>
+        <p14:creationId xmlns:p14="http://schemas.microsoft.com/office/powerpoint/2010/main" val="2916414687"/>
       </p:ext>
     </p:extLst>
   </p:cSld>
@@ -15969,6 +17842,114 @@
           <p:cNvPr id="4" name="Symbol zastępczy numeru slajdu 3">
             <a:extLst>
               <a:ext uri="{FF2B5EF4-FFF2-40B4-BE49-F238E27FC236}">
+                <a16:creationId xmlns:a16="http://schemas.microsoft.com/office/drawing/2014/main" id="{1E6922F2-10AF-4AAB-ABC7-F5ABE3B3C556}"/>
+              </a:ext>
+            </a:extLst>
+          </p:cNvPr>
+          <p:cNvSpPr>
+            <a:spLocks noGrp="1"/>
+          </p:cNvSpPr>
+          <p:nvPr>
+            <p:ph type="sldNum" sz="quarter" idx="12"/>
+          </p:nvPr>
+        </p:nvSpPr>
+        <p:spPr/>
+        <p:txBody>
+          <a:bodyPr/>
+          <a:lstStyle/>
+          <a:p>
+            <a:fld id="{6AF42C4F-01CF-4077-8471-FA2F2731172D}" type="slidenum">
+              <a:rPr lang="pl-PL" smtClean="0"/>
+              <a:t>7</a:t>
+            </a:fld>
+            <a:endParaRPr lang="pl-PL" dirty="0"/>
+          </a:p>
+        </p:txBody>
+      </p:sp>
+      <p:sp>
+        <p:nvSpPr>
+          <p:cNvPr id="5" name="Tytuł 4">
+            <a:extLst>
+              <a:ext uri="{FF2B5EF4-FFF2-40B4-BE49-F238E27FC236}">
+                <a16:creationId xmlns:a16="http://schemas.microsoft.com/office/drawing/2014/main" id="{FAD754A7-92E4-485D-B9F1-6FD5F6AB0250}"/>
+              </a:ext>
+            </a:extLst>
+          </p:cNvPr>
+          <p:cNvSpPr>
+            <a:spLocks noGrp="1"/>
+          </p:cNvSpPr>
+          <p:nvPr>
+            <p:ph type="title"/>
+          </p:nvPr>
+        </p:nvSpPr>
+        <p:spPr>
+          <a:xfrm>
+            <a:off x="845127" y="2766219"/>
+            <a:ext cx="10515600" cy="1325562"/>
+          </a:xfrm>
+        </p:spPr>
+        <p:txBody>
+          <a:bodyPr/>
+          <a:lstStyle/>
+          <a:p>
+            <a:pPr algn="ctr"/>
+            <a:r>
+              <a:rPr lang="pl-PL" dirty="0">
+                <a:latin typeface="Segoe UI Semibold" panose="020B0702040204020203" pitchFamily="34" charset="0"/>
+                <a:cs typeface="Segoe UI Semibold" panose="020B0702040204020203" pitchFamily="34" charset="0"/>
+              </a:rPr>
+              <a:t>Co to jest chmura?</a:t>
+            </a:r>
+          </a:p>
+        </p:txBody>
+      </p:sp>
+    </p:spTree>
+    <p:extLst>
+      <p:ext uri="{BB962C8B-B14F-4D97-AF65-F5344CB8AC3E}">
+        <p14:creationId xmlns:p14="http://schemas.microsoft.com/office/powerpoint/2010/main" val="3765874058"/>
+      </p:ext>
+    </p:extLst>
+  </p:cSld>
+  <p:clrMapOvr>
+    <a:masterClrMapping/>
+  </p:clrMapOvr>
+  <mc:AlternateContent xmlns:mc="http://schemas.openxmlformats.org/markup-compatibility/2006" xmlns:p14="http://schemas.microsoft.com/office/powerpoint/2010/main">
+    <mc:Choice Requires="p14">
+      <p:transition spd="med" p14:dur="700">
+        <p:fade/>
+      </p:transition>
+    </mc:Choice>
+    <mc:Fallback xmlns="">
+      <p:transition spd="med">
+        <p:fade/>
+      </p:transition>
+    </mc:Fallback>
+  </mc:AlternateContent>
+</p:sld>
+</file>
+
+<file path=ppt/slides/slide8.xml><?xml version="1.0" encoding="utf-8"?>
+<p:sld xmlns:a="http://schemas.openxmlformats.org/drawingml/2006/main" xmlns:r="http://schemas.openxmlformats.org/officeDocument/2006/relationships" xmlns:p="http://schemas.openxmlformats.org/presentationml/2006/main">
+  <p:cSld>
+    <p:spTree>
+      <p:nvGrpSpPr>
+        <p:cNvPr id="1" name=""/>
+        <p:cNvGrpSpPr/>
+        <p:nvPr/>
+      </p:nvGrpSpPr>
+      <p:grpSpPr>
+        <a:xfrm>
+          <a:off x="0" y="0"/>
+          <a:ext cx="0" cy="0"/>
+          <a:chOff x="0" y="0"/>
+          <a:chExt cx="0" cy="0"/>
+        </a:xfrm>
+      </p:grpSpPr>
+      <p:sp>
+        <p:nvSpPr>
+          <p:cNvPr id="4" name="Symbol zastępczy numeru slajdu 3">
+            <a:extLst>
+              <a:ext uri="{FF2B5EF4-FFF2-40B4-BE49-F238E27FC236}">
                 <a16:creationId xmlns:a16="http://schemas.microsoft.com/office/drawing/2014/main" id="{E6756DC9-9D3F-40A0-9F10-6D737F85D56A}"/>
               </a:ext>
             </a:extLst>
@@ -15987,7 +17968,7 @@
           <a:p>
             <a:fld id="{6AF42C4F-01CF-4077-8471-FA2F2731172D}" type="slidenum">
               <a:rPr lang="pl-PL" smtClean="0"/>
-              <a:t>7</a:t>
+              <a:t>8</a:t>
             </a:fld>
             <a:endParaRPr lang="pl-PL" dirty="0"/>
           </a:p>
@@ -16008,7 +17989,7 @@
           <p:nvPr/>
         </p:nvPicPr>
         <p:blipFill>
-          <a:blip r:embed="rId2">
+          <a:blip r:embed="rId3">
             <a:extLst>
               <a:ext uri="{28A0092B-C50C-407E-A947-70E740481C1C}">
                 <a14:useLocalDpi xmlns:a14="http://schemas.microsoft.com/office/drawing/2010/main" val="0"/>
@@ -16044,7 +18025,7 @@
           <p:nvPr/>
         </p:nvPicPr>
         <p:blipFill>
-          <a:blip r:embed="rId3">
+          <a:blip r:embed="rId4">
             <a:clrChange>
               <a:clrFrom>
                 <a:srgbClr val="323232"/>
@@ -16100,7 +18081,7 @@
 </p:sld>
 </file>
 
-<file path=ppt/slides/slide8.xml><?xml version="1.0" encoding="utf-8"?>
+<file path=ppt/slides/slide9.xml><?xml version="1.0" encoding="utf-8"?>
 <p:sld xmlns:a="http://schemas.openxmlformats.org/drawingml/2006/main" xmlns:r="http://schemas.openxmlformats.org/officeDocument/2006/relationships" xmlns:p="http://schemas.openxmlformats.org/presentationml/2006/main">
   <p:cSld>
     <p:spTree>
@@ -16140,7 +18121,7 @@
           <a:p>
             <a:fld id="{6AF42C4F-01CF-4077-8471-FA2F2731172D}" type="slidenum">
               <a:rPr lang="pl-PL" smtClean="0"/>
-              <a:t>8</a:t>
+              <a:t>9</a:t>
             </a:fld>
             <a:endParaRPr lang="pl-PL" dirty="0"/>
           </a:p>
@@ -16161,7 +18142,7 @@
           <p:nvPr/>
         </p:nvPicPr>
         <p:blipFill>
-          <a:blip r:embed="rId2">
+          <a:blip r:embed="rId3">
             <a:extLst>
               <a:ext uri="{28A0092B-C50C-407E-A947-70E740481C1C}">
                 <a14:useLocalDpi xmlns:a14="http://schemas.microsoft.com/office/drawing/2010/main" val="0"/>
@@ -16197,7 +18178,7 @@
           <p:nvPr/>
         </p:nvPicPr>
         <p:blipFill>
-          <a:blip r:embed="rId3">
+          <a:blip r:embed="rId4">
             <a:clrChange>
               <a:clrFrom>
                 <a:srgbClr val="323232"/>
@@ -16232,124 +18213,6 @@
     <p:extLst>
       <p:ext uri="{BB962C8B-B14F-4D97-AF65-F5344CB8AC3E}">
         <p14:creationId xmlns:p14="http://schemas.microsoft.com/office/powerpoint/2010/main" val="3607855217"/>
-      </p:ext>
-    </p:extLst>
-  </p:cSld>
-  <p:clrMapOvr>
-    <a:masterClrMapping/>
-  </p:clrMapOvr>
-  <mc:AlternateContent xmlns:mc="http://schemas.openxmlformats.org/markup-compatibility/2006" xmlns:p14="http://schemas.microsoft.com/office/powerpoint/2010/main">
-    <mc:Choice Requires="p14">
-      <p:transition spd="med" p14:dur="700">
-        <p:fade/>
-      </p:transition>
-    </mc:Choice>
-    <mc:Fallback xmlns="">
-      <p:transition spd="med">
-        <p:fade/>
-      </p:transition>
-    </mc:Fallback>
-  </mc:AlternateContent>
-</p:sld>
-</file>
-
-<file path=ppt/slides/slide9.xml><?xml version="1.0" encoding="utf-8"?>
-<p:sld xmlns:a="http://schemas.openxmlformats.org/drawingml/2006/main" xmlns:r="http://schemas.openxmlformats.org/officeDocument/2006/relationships" xmlns:p="http://schemas.openxmlformats.org/presentationml/2006/main">
-  <p:cSld>
-    <p:spTree>
-      <p:nvGrpSpPr>
-        <p:cNvPr id="1" name=""/>
-        <p:cNvGrpSpPr/>
-        <p:nvPr/>
-      </p:nvGrpSpPr>
-      <p:grpSpPr>
-        <a:xfrm>
-          <a:off x="0" y="0"/>
-          <a:ext cx="0" cy="0"/>
-          <a:chOff x="0" y="0"/>
-          <a:chExt cx="0" cy="0"/>
-        </a:xfrm>
-      </p:grpSpPr>
-      <p:sp>
-        <p:nvSpPr>
-          <p:cNvPr id="2" name="Symbol zastępczy numeru slajdu 1">
-            <a:extLst>
-              <a:ext uri="{FF2B5EF4-FFF2-40B4-BE49-F238E27FC236}">
-                <a16:creationId xmlns:a16="http://schemas.microsoft.com/office/drawing/2014/main" id="{19382AB6-C85A-49DE-B527-1753AA0DE07F}"/>
-              </a:ext>
-            </a:extLst>
-          </p:cNvPr>
-          <p:cNvSpPr>
-            <a:spLocks noGrp="1"/>
-          </p:cNvSpPr>
-          <p:nvPr>
-            <p:ph type="sldNum" sz="quarter" idx="12"/>
-          </p:nvPr>
-        </p:nvSpPr>
-        <p:spPr/>
-        <p:txBody>
-          <a:bodyPr/>
-          <a:lstStyle/>
-          <a:p>
-            <a:fld id="{6AF42C4F-01CF-4077-8471-FA2F2731172D}" type="slidenum">
-              <a:rPr lang="pl-PL" smtClean="0"/>
-              <a:t>9</a:t>
-            </a:fld>
-            <a:endParaRPr lang="pl-PL" dirty="0"/>
-          </a:p>
-        </p:txBody>
-      </p:sp>
-      <p:pic>
-        <p:nvPicPr>
-          <p:cNvPr id="5" name="Obraz 4">
-            <a:hlinkClick r:id="rId2"/>
-            <a:extLst>
-              <a:ext uri="{FF2B5EF4-FFF2-40B4-BE49-F238E27FC236}">
-                <a16:creationId xmlns:a16="http://schemas.microsoft.com/office/drawing/2014/main" id="{9E5352E7-4BE7-41AB-889E-2958CB289E55}"/>
-              </a:ext>
-            </a:extLst>
-          </p:cNvPr>
-          <p:cNvPicPr>
-            <a:picLocks noChangeAspect="1"/>
-          </p:cNvPicPr>
-          <p:nvPr/>
-        </p:nvPicPr>
-        <p:blipFill>
-          <a:blip r:embed="rId3">
-            <a:clrChange>
-              <a:clrFrom>
-                <a:srgbClr val="FFFFFF"/>
-              </a:clrFrom>
-              <a:clrTo>
-                <a:srgbClr val="FFFFFF">
-                  <a:alpha val="0"/>
-                </a:srgbClr>
-              </a:clrTo>
-            </a:clrChange>
-            <a:extLst>
-              <a:ext uri="{28A0092B-C50C-407E-A947-70E740481C1C}">
-                <a14:useLocalDpi xmlns:a14="http://schemas.microsoft.com/office/drawing/2010/main" val="0"/>
-              </a:ext>
-            </a:extLst>
-          </a:blip>
-          <a:stretch>
-            <a:fillRect/>
-          </a:stretch>
-        </p:blipFill>
-        <p:spPr>
-          <a:xfrm>
-            <a:off x="3810000" y="1143000"/>
-            <a:ext cx="4572000" cy="4572000"/>
-          </a:xfrm>
-          <a:prstGeom prst="rect">
-            <a:avLst/>
-          </a:prstGeom>
-        </p:spPr>
-      </p:pic>
-    </p:spTree>
-    <p:extLst>
-      <p:ext uri="{BB962C8B-B14F-4D97-AF65-F5344CB8AC3E}">
-        <p14:creationId xmlns:p14="http://schemas.microsoft.com/office/powerpoint/2010/main" val="4267490427"/>
       </p:ext>
     </p:extLst>
   </p:cSld>
